--- a/m152_presentation.pptx
+++ b/m152_presentation.pptx
@@ -2,7 +2,7 @@
 <file path=ppt/presentation.xml><?xml version="1.0" encoding="utf-8"?>
 <p:presentation xmlns:a="http://schemas.openxmlformats.org/drawingml/2006/main" xmlns:r="http://schemas.openxmlformats.org/officeDocument/2006/relationships" xmlns:p="http://schemas.openxmlformats.org/presentationml/2006/main" saveSubsetFonts="1">
   <p:sldMasterIdLst>
-    <p:sldMasterId id="2147483648" r:id="rId1"/>
+    <p:sldMasterId id="2147483678" r:id="rId1"/>
   </p:sldMasterIdLst>
   <p:sldIdLst>
     <p:sldId id="256" r:id="rId2"/>
@@ -11,16 +11,17 @@
     <p:sldId id="259" r:id="rId5"/>
     <p:sldId id="260" r:id="rId6"/>
     <p:sldId id="263" r:id="rId7"/>
-    <p:sldId id="261" r:id="rId8"/>
-    <p:sldId id="262" r:id="rId9"/>
+    <p:sldId id="264" r:id="rId8"/>
+    <p:sldId id="261" r:id="rId9"/>
+    <p:sldId id="262" r:id="rId10"/>
   </p:sldIdLst>
   <p:sldSz cx="12192000" cy="6858000"/>
   <p:notesSz cx="6858000" cy="9144000"/>
   <p:defaultTextStyle>
     <a:defPPr>
-      <a:defRPr lang="de-DE"/>
+      <a:defRPr lang="en-US"/>
     </a:defPPr>
-    <a:lvl1pPr marL="0" algn="l" defTabSz="914400" rtl="0" eaLnBrk="1" latinLnBrk="0" hangingPunct="1">
+    <a:lvl1pPr marL="0" algn="l" defTabSz="457200" rtl="0" eaLnBrk="1" latinLnBrk="0" hangingPunct="1">
       <a:defRPr sz="1800" kern="1200">
         <a:solidFill>
           <a:schemeClr val="tx1"/>
@@ -30,7 +31,7 @@
         <a:cs typeface="+mn-cs"/>
       </a:defRPr>
     </a:lvl1pPr>
-    <a:lvl2pPr marL="457200" algn="l" defTabSz="914400" rtl="0" eaLnBrk="1" latinLnBrk="0" hangingPunct="1">
+    <a:lvl2pPr marL="457200" algn="l" defTabSz="457200" rtl="0" eaLnBrk="1" latinLnBrk="0" hangingPunct="1">
       <a:defRPr sz="1800" kern="1200">
         <a:solidFill>
           <a:schemeClr val="tx1"/>
@@ -40,7 +41,7 @@
         <a:cs typeface="+mn-cs"/>
       </a:defRPr>
     </a:lvl2pPr>
-    <a:lvl3pPr marL="914400" algn="l" defTabSz="914400" rtl="0" eaLnBrk="1" latinLnBrk="0" hangingPunct="1">
+    <a:lvl3pPr marL="914400" algn="l" defTabSz="457200" rtl="0" eaLnBrk="1" latinLnBrk="0" hangingPunct="1">
       <a:defRPr sz="1800" kern="1200">
         <a:solidFill>
           <a:schemeClr val="tx1"/>
@@ -50,7 +51,7 @@
         <a:cs typeface="+mn-cs"/>
       </a:defRPr>
     </a:lvl3pPr>
-    <a:lvl4pPr marL="1371600" algn="l" defTabSz="914400" rtl="0" eaLnBrk="1" latinLnBrk="0" hangingPunct="1">
+    <a:lvl4pPr marL="1371600" algn="l" defTabSz="457200" rtl="0" eaLnBrk="1" latinLnBrk="0" hangingPunct="1">
       <a:defRPr sz="1800" kern="1200">
         <a:solidFill>
           <a:schemeClr val="tx1"/>
@@ -60,7 +61,7 @@
         <a:cs typeface="+mn-cs"/>
       </a:defRPr>
     </a:lvl4pPr>
-    <a:lvl5pPr marL="1828800" algn="l" defTabSz="914400" rtl="0" eaLnBrk="1" latinLnBrk="0" hangingPunct="1">
+    <a:lvl5pPr marL="1828800" algn="l" defTabSz="457200" rtl="0" eaLnBrk="1" latinLnBrk="0" hangingPunct="1">
       <a:defRPr sz="1800" kern="1200">
         <a:solidFill>
           <a:schemeClr val="tx1"/>
@@ -70,7 +71,7 @@
         <a:cs typeface="+mn-cs"/>
       </a:defRPr>
     </a:lvl5pPr>
-    <a:lvl6pPr marL="2286000" algn="l" defTabSz="914400" rtl="0" eaLnBrk="1" latinLnBrk="0" hangingPunct="1">
+    <a:lvl6pPr marL="2286000" algn="l" defTabSz="457200" rtl="0" eaLnBrk="1" latinLnBrk="0" hangingPunct="1">
       <a:defRPr sz="1800" kern="1200">
         <a:solidFill>
           <a:schemeClr val="tx1"/>
@@ -80,7 +81,7 @@
         <a:cs typeface="+mn-cs"/>
       </a:defRPr>
     </a:lvl6pPr>
-    <a:lvl7pPr marL="2743200" algn="l" defTabSz="914400" rtl="0" eaLnBrk="1" latinLnBrk="0" hangingPunct="1">
+    <a:lvl7pPr marL="2743200" algn="l" defTabSz="457200" rtl="0" eaLnBrk="1" latinLnBrk="0" hangingPunct="1">
       <a:defRPr sz="1800" kern="1200">
         <a:solidFill>
           <a:schemeClr val="tx1"/>
@@ -90,7 +91,7 @@
         <a:cs typeface="+mn-cs"/>
       </a:defRPr>
     </a:lvl7pPr>
-    <a:lvl8pPr marL="3200400" algn="l" defTabSz="914400" rtl="0" eaLnBrk="1" latinLnBrk="0" hangingPunct="1">
+    <a:lvl8pPr marL="3200400" algn="l" defTabSz="457200" rtl="0" eaLnBrk="1" latinLnBrk="0" hangingPunct="1">
       <a:defRPr sz="1800" kern="1200">
         <a:solidFill>
           <a:schemeClr val="tx1"/>
@@ -100,7 +101,7 @@
         <a:cs typeface="+mn-cs"/>
       </a:defRPr>
     </a:lvl8pPr>
-    <a:lvl9pPr marL="3657600" algn="l" defTabSz="914400" rtl="0" eaLnBrk="1" latinLnBrk="0" hangingPunct="1">
+    <a:lvl9pPr marL="3657600" algn="l" defTabSz="457200" rtl="0" eaLnBrk="1" latinLnBrk="0" hangingPunct="1">
       <a:defRPr sz="1800" kern="1200">
         <a:solidFill>
           <a:schemeClr val="tx1"/>
@@ -138,13 +139,7 @@
       </p:grpSpPr>
       <p:sp>
         <p:nvSpPr>
-          <p:cNvPr id="2" name="Titel 1">
-            <a:extLst>
-              <a:ext uri="{FF2B5EF4-FFF2-40B4-BE49-F238E27FC236}">
-                <a16:creationId xmlns:a16="http://schemas.microsoft.com/office/drawing/2014/main" id="{42685C27-181B-4CFF-828A-DE50B12ADF59}"/>
-              </a:ext>
-            </a:extLst>
-          </p:cNvPr>
+          <p:cNvPr id="2" name="Title 1"/>
           <p:cNvSpPr>
             <a:spLocks noGrp="1"/>
           </p:cNvSpPr>
@@ -154,35 +149,58 @@
         </p:nvSpPr>
         <p:spPr>
           <a:xfrm>
-            <a:off x="1524000" y="1122363"/>
-            <a:ext cx="9144000" cy="2387600"/>
+            <a:off x="2209800" y="4464028"/>
+            <a:ext cx="9144000" cy="1641490"/>
           </a:xfrm>
         </p:spPr>
         <p:txBody>
-          <a:bodyPr anchor="b"/>
+          <a:bodyPr wrap="none" anchor="t">
+            <a:normAutofit/>
+          </a:bodyPr>
           <a:lstStyle>
-            <a:lvl1pPr algn="ctr">
-              <a:defRPr sz="6000"/>
+            <a:lvl1pPr algn="r">
+              <a:defRPr sz="9600" b="0" spc="-300">
+                <a:gradFill flip="none" rotWithShape="1">
+                  <a:gsLst>
+                    <a:gs pos="0">
+                      <a:schemeClr val="tx1"/>
+                    </a:gs>
+                    <a:gs pos="68000">
+                      <a:srgbClr val="F1F1F1"/>
+                    </a:gs>
+                    <a:gs pos="100000">
+                      <a:schemeClr val="bg1">
+                        <a:lumMod val="11000"/>
+                        <a:lumOff val="89000"/>
+                      </a:schemeClr>
+                    </a:gs>
+                  </a:gsLst>
+                  <a:lin ang="5400000" scaled="1"/>
+                  <a:tileRect/>
+                </a:gradFill>
+                <a:effectLst>
+                  <a:outerShdw blurRad="469900" dist="342900" dir="5400000" sy="-20000" rotWithShape="0">
+                    <a:prstClr val="black">
+                      <a:alpha val="66000"/>
+                    </a:prstClr>
+                  </a:outerShdw>
+                </a:effectLst>
+              </a:defRPr>
             </a:lvl1pPr>
           </a:lstStyle>
           <a:p>
+            <a:pPr lvl="0" algn="r"/>
             <a:r>
               <a:rPr lang="de-DE"/>
               <a:t>Mastertitelformat bearbeiten</a:t>
             </a:r>
-            <a:endParaRPr lang="de-CH"/>
-          </a:p>
-        </p:txBody>
-      </p:sp>
-      <p:sp>
-        <p:nvSpPr>
-          <p:cNvPr id="3" name="Untertitel 2">
-            <a:extLst>
-              <a:ext uri="{FF2B5EF4-FFF2-40B4-BE49-F238E27FC236}">
-                <a16:creationId xmlns:a16="http://schemas.microsoft.com/office/drawing/2014/main" id="{CCC903DE-E5A2-4D17-B73A-B1F9F961369B}"/>
-              </a:ext>
-            </a:extLst>
-          </p:cNvPr>
+            <a:endParaRPr lang="en-US" dirty="0"/>
+          </a:p>
+        </p:txBody>
+      </p:sp>
+      <p:sp>
+        <p:nvSpPr>
+          <p:cNvPr id="3" name="Subtitle 2"/>
           <p:cNvSpPr>
             <a:spLocks noGrp="1"/>
           </p:cNvSpPr>
@@ -192,68 +210,64 @@
         </p:nvSpPr>
         <p:spPr>
           <a:xfrm>
-            <a:off x="1524000" y="3602038"/>
-            <a:ext cx="9144000" cy="1655762"/>
+            <a:off x="2209799" y="3694375"/>
+            <a:ext cx="9144000" cy="754025"/>
           </a:xfrm>
         </p:spPr>
         <p:txBody>
-          <a:bodyPr/>
+          <a:bodyPr vert="horz" lIns="91440" tIns="45720" rIns="91440" bIns="45720" rtlCol="0" anchor="b">
+            <a:normAutofit/>
+          </a:bodyPr>
           <a:lstStyle>
-            <a:lvl1pPr marL="0" indent="0" algn="ctr">
-              <a:buNone/>
-              <a:defRPr sz="2400"/>
+            <a:lvl1pPr marL="0" indent="0" algn="r">
+              <a:buNone/>
+              <a:defRPr sz="3200" b="0">
+                <a:gradFill flip="none" rotWithShape="1">
+                  <a:gsLst>
+                    <a:gs pos="15000">
+                      <a:schemeClr val="tx2"/>
+                    </a:gs>
+                    <a:gs pos="73000">
+                      <a:schemeClr val="tx2">
+                        <a:lumMod val="60000"/>
+                        <a:lumOff val="40000"/>
+                      </a:schemeClr>
+                    </a:gs>
+                    <a:gs pos="0">
+                      <a:schemeClr val="tx2">
+                        <a:lumMod val="90000"/>
+                        <a:lumOff val="10000"/>
+                      </a:schemeClr>
+                    </a:gs>
+                    <a:gs pos="100000">
+                      <a:schemeClr val="tx2">
+                        <a:lumMod val="0"/>
+                        <a:lumOff val="100000"/>
+                      </a:schemeClr>
+                    </a:gs>
+                  </a:gsLst>
+                  <a:lin ang="16200000" scaled="1"/>
+                  <a:tileRect/>
+                </a:gradFill>
+                <a:latin typeface="+mj-lt"/>
+              </a:defRPr>
             </a:lvl1pPr>
-            <a:lvl2pPr marL="457200" indent="0" algn="ctr">
-              <a:buNone/>
-              <a:defRPr sz="2000"/>
-            </a:lvl2pPr>
-            <a:lvl3pPr marL="914400" indent="0" algn="ctr">
-              <a:buNone/>
-              <a:defRPr sz="1800"/>
-            </a:lvl3pPr>
-            <a:lvl4pPr marL="1371600" indent="0" algn="ctr">
-              <a:buNone/>
-              <a:defRPr sz="1600"/>
-            </a:lvl4pPr>
-            <a:lvl5pPr marL="1828800" indent="0" algn="ctr">
-              <a:buNone/>
-              <a:defRPr sz="1600"/>
-            </a:lvl5pPr>
-            <a:lvl6pPr marL="2286000" indent="0" algn="ctr">
-              <a:buNone/>
-              <a:defRPr sz="1600"/>
-            </a:lvl6pPr>
-            <a:lvl7pPr marL="2743200" indent="0" algn="ctr">
-              <a:buNone/>
-              <a:defRPr sz="1600"/>
-            </a:lvl7pPr>
-            <a:lvl8pPr marL="3200400" indent="0" algn="ctr">
-              <a:buNone/>
-              <a:defRPr sz="1600"/>
-            </a:lvl8pPr>
-            <a:lvl9pPr marL="3657600" indent="0" algn="ctr">
-              <a:buNone/>
-              <a:defRPr sz="1600"/>
-            </a:lvl9pPr>
           </a:lstStyle>
           <a:p>
+            <a:pPr marL="0" lvl="0" indent="0" algn="r">
+              <a:buNone/>
+            </a:pPr>
             <a:r>
               <a:rPr lang="de-DE"/>
               <a:t>Master-Untertitelformat bearbeiten</a:t>
             </a:r>
-            <a:endParaRPr lang="de-CH"/>
-          </a:p>
-        </p:txBody>
-      </p:sp>
-      <p:sp>
-        <p:nvSpPr>
-          <p:cNvPr id="4" name="Datumsplatzhalter 3">
-            <a:extLst>
-              <a:ext uri="{FF2B5EF4-FFF2-40B4-BE49-F238E27FC236}">
-                <a16:creationId xmlns:a16="http://schemas.microsoft.com/office/drawing/2014/main" id="{04E5ED97-25E8-4567-83EB-25A5B82BC9E5}"/>
-              </a:ext>
-            </a:extLst>
-          </p:cNvPr>
+            <a:endParaRPr lang="en-US" dirty="0"/>
+          </a:p>
+        </p:txBody>
+      </p:sp>
+      <p:sp>
+        <p:nvSpPr>
+          <p:cNvPr id="7" name="Date Placeholder 6"/>
           <p:cNvSpPr>
             <a:spLocks noGrp="1"/>
           </p:cNvSpPr>
@@ -276,13 +290,7 @@
       </p:sp>
       <p:sp>
         <p:nvSpPr>
-          <p:cNvPr id="5" name="Fußzeilenplatzhalter 4">
-            <a:extLst>
-              <a:ext uri="{FF2B5EF4-FFF2-40B4-BE49-F238E27FC236}">
-                <a16:creationId xmlns:a16="http://schemas.microsoft.com/office/drawing/2014/main" id="{B7C58489-7AFA-4B29-A8F8-DFB3F458757A}"/>
-              </a:ext>
-            </a:extLst>
-          </p:cNvPr>
+          <p:cNvPr id="8" name="Footer Placeholder 7"/>
           <p:cNvSpPr>
             <a:spLocks noGrp="1"/>
           </p:cNvSpPr>
@@ -301,13 +309,7 @@
       </p:sp>
       <p:sp>
         <p:nvSpPr>
-          <p:cNvPr id="6" name="Foliennummernplatzhalter 5">
-            <a:extLst>
-              <a:ext uri="{FF2B5EF4-FFF2-40B4-BE49-F238E27FC236}">
-                <a16:creationId xmlns:a16="http://schemas.microsoft.com/office/drawing/2014/main" id="{C6A7C59A-50D9-40E3-A8EB-63D45D82FD6B}"/>
-              </a:ext>
-            </a:extLst>
-          </p:cNvPr>
+          <p:cNvPr id="9" name="Slide Number Placeholder 8"/>
           <p:cNvSpPr>
             <a:spLocks noGrp="1"/>
           </p:cNvSpPr>
@@ -331,7 +333,7 @@
     </p:spTree>
     <p:extLst>
       <p:ext uri="{BB962C8B-B14F-4D97-AF65-F5344CB8AC3E}">
-        <p14:creationId xmlns:p14="http://schemas.microsoft.com/office/powerpoint/2010/main" val="2552012884"/>
+        <p14:creationId xmlns:p14="http://schemas.microsoft.com/office/powerpoint/2010/main" val="2296712480"/>
       </p:ext>
     </p:extLst>
   </p:cSld>
@@ -342,6 +344,2543 @@
 </file>
 
 <file path=ppt/slideLayouts/slideLayout10.xml><?xml version="1.0" encoding="utf-8"?>
+<p:sldLayout xmlns:a="http://schemas.openxmlformats.org/drawingml/2006/main" xmlns:r="http://schemas.openxmlformats.org/officeDocument/2006/relationships" xmlns:p="http://schemas.openxmlformats.org/presentationml/2006/main" preserve="1">
+  <p:cSld name="Panoramabild mit Beschriftung">
+    <p:spTree>
+      <p:nvGrpSpPr>
+        <p:cNvPr id="1" name=""/>
+        <p:cNvGrpSpPr/>
+        <p:nvPr/>
+      </p:nvGrpSpPr>
+      <p:grpSpPr>
+        <a:xfrm>
+          <a:off x="0" y="0"/>
+          <a:ext cx="0" cy="0"/>
+          <a:chOff x="0" y="0"/>
+          <a:chExt cx="0" cy="0"/>
+        </a:xfrm>
+      </p:grpSpPr>
+      <p:sp>
+        <p:nvSpPr>
+          <p:cNvPr id="2" name="Title 1"/>
+          <p:cNvSpPr>
+            <a:spLocks noGrp="1"/>
+          </p:cNvSpPr>
+          <p:nvPr>
+            <p:ph type="title"/>
+          </p:nvPr>
+        </p:nvSpPr>
+        <p:spPr>
+          <a:xfrm>
+            <a:off x="839788" y="4367160"/>
+            <a:ext cx="10515600" cy="819355"/>
+          </a:xfrm>
+        </p:spPr>
+        <p:txBody>
+          <a:bodyPr anchor="b"/>
+          <a:lstStyle>
+            <a:lvl1pPr>
+              <a:defRPr sz="3200"/>
+            </a:lvl1pPr>
+          </a:lstStyle>
+          <a:p>
+            <a:r>
+              <a:rPr lang="de-DE"/>
+              <a:t>Mastertitelformat bearbeiten</a:t>
+            </a:r>
+            <a:endParaRPr lang="en-US" dirty="0"/>
+          </a:p>
+        </p:txBody>
+      </p:sp>
+      <p:sp>
+        <p:nvSpPr>
+          <p:cNvPr id="3" name="Picture Placeholder 2"/>
+          <p:cNvSpPr>
+            <a:spLocks noGrp="1" noChangeAspect="1"/>
+          </p:cNvSpPr>
+          <p:nvPr>
+            <p:ph type="pic" idx="1"/>
+          </p:nvPr>
+        </p:nvSpPr>
+        <p:spPr>
+          <a:xfrm>
+            <a:off x="839788" y="987425"/>
+            <a:ext cx="10515600" cy="3379735"/>
+          </a:xfrm>
+        </p:spPr>
+        <p:txBody>
+          <a:bodyPr anchor="t"/>
+          <a:lstStyle>
+            <a:lvl1pPr marL="0" indent="0">
+              <a:buNone/>
+              <a:defRPr sz="3200"/>
+            </a:lvl1pPr>
+            <a:lvl2pPr marL="457200" indent="0">
+              <a:buNone/>
+              <a:defRPr sz="2800"/>
+            </a:lvl2pPr>
+            <a:lvl3pPr marL="914400" indent="0">
+              <a:buNone/>
+              <a:defRPr sz="2400"/>
+            </a:lvl3pPr>
+            <a:lvl4pPr marL="1371600" indent="0">
+              <a:buNone/>
+              <a:defRPr sz="2000"/>
+            </a:lvl4pPr>
+            <a:lvl5pPr marL="1828800" indent="0">
+              <a:buNone/>
+              <a:defRPr sz="2000"/>
+            </a:lvl5pPr>
+            <a:lvl6pPr marL="2286000" indent="0">
+              <a:buNone/>
+              <a:defRPr sz="2000"/>
+            </a:lvl6pPr>
+            <a:lvl7pPr marL="2743200" indent="0">
+              <a:buNone/>
+              <a:defRPr sz="2000"/>
+            </a:lvl7pPr>
+            <a:lvl8pPr marL="3200400" indent="0">
+              <a:buNone/>
+              <a:defRPr sz="2000"/>
+            </a:lvl8pPr>
+            <a:lvl9pPr marL="3657600" indent="0">
+              <a:buNone/>
+              <a:defRPr sz="2000"/>
+            </a:lvl9pPr>
+          </a:lstStyle>
+          <a:p>
+            <a:r>
+              <a:rPr lang="de-DE"/>
+              <a:t>Bild durch Klicken auf Symbol hinzufügen</a:t>
+            </a:r>
+            <a:endParaRPr lang="en-US" dirty="0"/>
+          </a:p>
+        </p:txBody>
+      </p:sp>
+      <p:sp>
+        <p:nvSpPr>
+          <p:cNvPr id="4" name="Text Placeholder 3"/>
+          <p:cNvSpPr>
+            <a:spLocks noGrp="1"/>
+          </p:cNvSpPr>
+          <p:nvPr>
+            <p:ph type="body" sz="half" idx="2"/>
+          </p:nvPr>
+        </p:nvSpPr>
+        <p:spPr>
+          <a:xfrm>
+            <a:off x="839788" y="5186516"/>
+            <a:ext cx="10514012" cy="682472"/>
+          </a:xfrm>
+        </p:spPr>
+        <p:txBody>
+          <a:bodyPr/>
+          <a:lstStyle>
+            <a:lvl1pPr marL="0" indent="0">
+              <a:buNone/>
+              <a:defRPr sz="1600">
+                <a:gradFill>
+                  <a:gsLst>
+                    <a:gs pos="15000">
+                      <a:schemeClr val="tx2"/>
+                    </a:gs>
+                    <a:gs pos="73000">
+                      <a:schemeClr val="tx2">
+                        <a:lumMod val="60000"/>
+                        <a:lumOff val="40000"/>
+                      </a:schemeClr>
+                    </a:gs>
+                    <a:gs pos="0">
+                      <a:schemeClr val="tx1"/>
+                    </a:gs>
+                    <a:gs pos="100000">
+                      <a:schemeClr val="tx2">
+                        <a:lumMod val="0"/>
+                        <a:lumOff val="100000"/>
+                      </a:schemeClr>
+                    </a:gs>
+                  </a:gsLst>
+                  <a:lin ang="16200000" scaled="1"/>
+                </a:gradFill>
+              </a:defRPr>
+            </a:lvl1pPr>
+            <a:lvl2pPr marL="457200" indent="0">
+              <a:buNone/>
+              <a:defRPr sz="1400"/>
+            </a:lvl2pPr>
+            <a:lvl3pPr marL="914400" indent="0">
+              <a:buNone/>
+              <a:defRPr sz="1200"/>
+            </a:lvl3pPr>
+            <a:lvl4pPr marL="1371600" indent="0">
+              <a:buNone/>
+              <a:defRPr sz="1000"/>
+            </a:lvl4pPr>
+            <a:lvl5pPr marL="1828800" indent="0">
+              <a:buNone/>
+              <a:defRPr sz="1000"/>
+            </a:lvl5pPr>
+            <a:lvl6pPr marL="2286000" indent="0">
+              <a:buNone/>
+              <a:defRPr sz="1000"/>
+            </a:lvl6pPr>
+            <a:lvl7pPr marL="2743200" indent="0">
+              <a:buNone/>
+              <a:defRPr sz="1000"/>
+            </a:lvl7pPr>
+            <a:lvl8pPr marL="3200400" indent="0">
+              <a:buNone/>
+              <a:defRPr sz="1000"/>
+            </a:lvl8pPr>
+            <a:lvl9pPr marL="3657600" indent="0">
+              <a:buNone/>
+              <a:defRPr sz="1000"/>
+            </a:lvl9pPr>
+          </a:lstStyle>
+          <a:p>
+            <a:pPr lvl="0"/>
+            <a:r>
+              <a:rPr lang="de-DE"/>
+              <a:t>Mastertextformat bearbeiten</a:t>
+            </a:r>
+          </a:p>
+        </p:txBody>
+      </p:sp>
+      <p:sp>
+        <p:nvSpPr>
+          <p:cNvPr id="5" name="Date Placeholder 4"/>
+          <p:cNvSpPr>
+            <a:spLocks noGrp="1"/>
+          </p:cNvSpPr>
+          <p:nvPr>
+            <p:ph type="dt" sz="half" idx="10"/>
+          </p:nvPr>
+        </p:nvSpPr>
+        <p:spPr/>
+        <p:txBody>
+          <a:bodyPr/>
+          <a:lstStyle/>
+          <a:p>
+            <a:fld id="{B01DF34C-C71B-4C66-BAEC-520F56FED4A4}" type="datetimeFigureOut">
+              <a:rPr lang="de-CH" smtClean="0"/>
+              <a:t>02.12.2018</a:t>
+            </a:fld>
+            <a:endParaRPr lang="de-CH"/>
+          </a:p>
+        </p:txBody>
+      </p:sp>
+      <p:sp>
+        <p:nvSpPr>
+          <p:cNvPr id="6" name="Footer Placeholder 5"/>
+          <p:cNvSpPr>
+            <a:spLocks noGrp="1"/>
+          </p:cNvSpPr>
+          <p:nvPr>
+            <p:ph type="ftr" sz="quarter" idx="11"/>
+          </p:nvPr>
+        </p:nvSpPr>
+        <p:spPr/>
+        <p:txBody>
+          <a:bodyPr/>
+          <a:lstStyle/>
+          <a:p>
+            <a:endParaRPr lang="de-CH"/>
+          </a:p>
+        </p:txBody>
+      </p:sp>
+      <p:sp>
+        <p:nvSpPr>
+          <p:cNvPr id="7" name="Slide Number Placeholder 6"/>
+          <p:cNvSpPr>
+            <a:spLocks noGrp="1"/>
+          </p:cNvSpPr>
+          <p:nvPr>
+            <p:ph type="sldNum" sz="quarter" idx="12"/>
+          </p:nvPr>
+        </p:nvSpPr>
+        <p:spPr/>
+        <p:txBody>
+          <a:bodyPr/>
+          <a:lstStyle/>
+          <a:p>
+            <a:fld id="{3C4A421A-EB0D-452B-A542-BA8617D71948}" type="slidenum">
+              <a:rPr lang="de-CH" smtClean="0"/>
+              <a:t>‹Nr.›</a:t>
+            </a:fld>
+            <a:endParaRPr lang="de-CH"/>
+          </a:p>
+        </p:txBody>
+      </p:sp>
+    </p:spTree>
+    <p:extLst>
+      <p:ext uri="{BB962C8B-B14F-4D97-AF65-F5344CB8AC3E}">
+        <p14:creationId xmlns:p14="http://schemas.microsoft.com/office/powerpoint/2010/main" val="1791315885"/>
+      </p:ext>
+    </p:extLst>
+  </p:cSld>
+  <p:clrMapOvr>
+    <a:masterClrMapping/>
+  </p:clrMapOvr>
+</p:sldLayout>
+</file>
+
+<file path=ppt/slideLayouts/slideLayout11.xml><?xml version="1.0" encoding="utf-8"?>
+<p:sldLayout xmlns:a="http://schemas.openxmlformats.org/drawingml/2006/main" xmlns:r="http://schemas.openxmlformats.org/officeDocument/2006/relationships" xmlns:p="http://schemas.openxmlformats.org/presentationml/2006/main" preserve="1">
+  <p:cSld name="Titel und Beschriftung">
+    <p:spTree>
+      <p:nvGrpSpPr>
+        <p:cNvPr id="1" name=""/>
+        <p:cNvGrpSpPr/>
+        <p:nvPr/>
+      </p:nvGrpSpPr>
+      <p:grpSpPr>
+        <a:xfrm>
+          <a:off x="0" y="0"/>
+          <a:ext cx="0" cy="0"/>
+          <a:chOff x="0" y="0"/>
+          <a:chExt cx="0" cy="0"/>
+        </a:xfrm>
+      </p:grpSpPr>
+      <p:sp>
+        <p:nvSpPr>
+          <p:cNvPr id="2" name="Title 1"/>
+          <p:cNvSpPr>
+            <a:spLocks noGrp="1"/>
+          </p:cNvSpPr>
+          <p:nvPr>
+            <p:ph type="title"/>
+          </p:nvPr>
+        </p:nvSpPr>
+        <p:spPr>
+          <a:xfrm>
+            <a:off x="839788" y="365125"/>
+            <a:ext cx="10515600" cy="3534344"/>
+          </a:xfrm>
+        </p:spPr>
+        <p:txBody>
+          <a:bodyPr anchor="ctr"/>
+          <a:lstStyle>
+            <a:lvl1pPr>
+              <a:defRPr sz="3200"/>
+            </a:lvl1pPr>
+          </a:lstStyle>
+          <a:p>
+            <a:r>
+              <a:rPr lang="de-DE"/>
+              <a:t>Mastertitelformat bearbeiten</a:t>
+            </a:r>
+            <a:endParaRPr lang="en-US" dirty="0"/>
+          </a:p>
+        </p:txBody>
+      </p:sp>
+      <p:sp>
+        <p:nvSpPr>
+          <p:cNvPr id="4" name="Text Placeholder 3"/>
+          <p:cNvSpPr>
+            <a:spLocks noGrp="1"/>
+          </p:cNvSpPr>
+          <p:nvPr>
+            <p:ph type="body" sz="half" idx="2"/>
+          </p:nvPr>
+        </p:nvSpPr>
+        <p:spPr>
+          <a:xfrm>
+            <a:off x="839788" y="4489399"/>
+            <a:ext cx="10514012" cy="1501826"/>
+          </a:xfrm>
+        </p:spPr>
+        <p:txBody>
+          <a:bodyPr anchor="ctr"/>
+          <a:lstStyle>
+            <a:lvl1pPr marL="0" indent="0">
+              <a:buNone/>
+              <a:defRPr sz="1600"/>
+            </a:lvl1pPr>
+            <a:lvl2pPr marL="457200" indent="0">
+              <a:buNone/>
+              <a:defRPr sz="1400"/>
+            </a:lvl2pPr>
+            <a:lvl3pPr marL="914400" indent="0">
+              <a:buNone/>
+              <a:defRPr sz="1200"/>
+            </a:lvl3pPr>
+            <a:lvl4pPr marL="1371600" indent="0">
+              <a:buNone/>
+              <a:defRPr sz="1000"/>
+            </a:lvl4pPr>
+            <a:lvl5pPr marL="1828800" indent="0">
+              <a:buNone/>
+              <a:defRPr sz="1000"/>
+            </a:lvl5pPr>
+            <a:lvl6pPr marL="2286000" indent="0">
+              <a:buNone/>
+              <a:defRPr sz="1000"/>
+            </a:lvl6pPr>
+            <a:lvl7pPr marL="2743200" indent="0">
+              <a:buNone/>
+              <a:defRPr sz="1000"/>
+            </a:lvl7pPr>
+            <a:lvl8pPr marL="3200400" indent="0">
+              <a:buNone/>
+              <a:defRPr sz="1000"/>
+            </a:lvl8pPr>
+            <a:lvl9pPr marL="3657600" indent="0">
+              <a:buNone/>
+              <a:defRPr sz="1000"/>
+            </a:lvl9pPr>
+          </a:lstStyle>
+          <a:p>
+            <a:pPr lvl="0"/>
+            <a:r>
+              <a:rPr lang="de-DE"/>
+              <a:t>Mastertextformat bearbeiten</a:t>
+            </a:r>
+          </a:p>
+        </p:txBody>
+      </p:sp>
+      <p:sp>
+        <p:nvSpPr>
+          <p:cNvPr id="5" name="Date Placeholder 4"/>
+          <p:cNvSpPr>
+            <a:spLocks noGrp="1"/>
+          </p:cNvSpPr>
+          <p:nvPr>
+            <p:ph type="dt" sz="half" idx="10"/>
+          </p:nvPr>
+        </p:nvSpPr>
+        <p:spPr/>
+        <p:txBody>
+          <a:bodyPr/>
+          <a:lstStyle/>
+          <a:p>
+            <a:fld id="{B01DF34C-C71B-4C66-BAEC-520F56FED4A4}" type="datetimeFigureOut">
+              <a:rPr lang="de-CH" smtClean="0"/>
+              <a:t>02.12.2018</a:t>
+            </a:fld>
+            <a:endParaRPr lang="de-CH"/>
+          </a:p>
+        </p:txBody>
+      </p:sp>
+      <p:sp>
+        <p:nvSpPr>
+          <p:cNvPr id="6" name="Footer Placeholder 5"/>
+          <p:cNvSpPr>
+            <a:spLocks noGrp="1"/>
+          </p:cNvSpPr>
+          <p:nvPr>
+            <p:ph type="ftr" sz="quarter" idx="11"/>
+          </p:nvPr>
+        </p:nvSpPr>
+        <p:spPr/>
+        <p:txBody>
+          <a:bodyPr/>
+          <a:lstStyle/>
+          <a:p>
+            <a:endParaRPr lang="de-CH"/>
+          </a:p>
+        </p:txBody>
+      </p:sp>
+      <p:sp>
+        <p:nvSpPr>
+          <p:cNvPr id="7" name="Slide Number Placeholder 6"/>
+          <p:cNvSpPr>
+            <a:spLocks noGrp="1"/>
+          </p:cNvSpPr>
+          <p:nvPr>
+            <p:ph type="sldNum" sz="quarter" idx="12"/>
+          </p:nvPr>
+        </p:nvSpPr>
+        <p:spPr/>
+        <p:txBody>
+          <a:bodyPr/>
+          <a:lstStyle/>
+          <a:p>
+            <a:fld id="{3C4A421A-EB0D-452B-A542-BA8617D71948}" type="slidenum">
+              <a:rPr lang="de-CH" smtClean="0"/>
+              <a:t>‹Nr.›</a:t>
+            </a:fld>
+            <a:endParaRPr lang="de-CH"/>
+          </a:p>
+        </p:txBody>
+      </p:sp>
+    </p:spTree>
+    <p:extLst>
+      <p:ext uri="{BB962C8B-B14F-4D97-AF65-F5344CB8AC3E}">
+        <p14:creationId xmlns:p14="http://schemas.microsoft.com/office/powerpoint/2010/main" val="3838075492"/>
+      </p:ext>
+    </p:extLst>
+  </p:cSld>
+  <p:clrMapOvr>
+    <a:masterClrMapping/>
+  </p:clrMapOvr>
+</p:sldLayout>
+</file>
+
+<file path=ppt/slideLayouts/slideLayout12.xml><?xml version="1.0" encoding="utf-8"?>
+<p:sldLayout xmlns:a="http://schemas.openxmlformats.org/drawingml/2006/main" xmlns:r="http://schemas.openxmlformats.org/officeDocument/2006/relationships" xmlns:p="http://schemas.openxmlformats.org/presentationml/2006/main" preserve="1">
+  <p:cSld name="Zitat mit Beschriftung">
+    <p:spTree>
+      <p:nvGrpSpPr>
+        <p:cNvPr id="1" name=""/>
+        <p:cNvGrpSpPr/>
+        <p:nvPr/>
+      </p:nvGrpSpPr>
+      <p:grpSpPr>
+        <a:xfrm>
+          <a:off x="0" y="0"/>
+          <a:ext cx="0" cy="0"/>
+          <a:chOff x="0" y="0"/>
+          <a:chExt cx="0" cy="0"/>
+        </a:xfrm>
+      </p:grpSpPr>
+      <p:sp>
+        <p:nvSpPr>
+          <p:cNvPr id="2" name="Title 1"/>
+          <p:cNvSpPr>
+            <a:spLocks noGrp="1"/>
+          </p:cNvSpPr>
+          <p:nvPr>
+            <p:ph type="title"/>
+          </p:nvPr>
+        </p:nvSpPr>
+        <p:spPr>
+          <a:xfrm>
+            <a:off x="1446212" y="365125"/>
+            <a:ext cx="9302752" cy="2992904"/>
+          </a:xfrm>
+        </p:spPr>
+        <p:txBody>
+          <a:bodyPr anchor="ctr"/>
+          <a:lstStyle>
+            <a:lvl1pPr>
+              <a:defRPr sz="4400"/>
+            </a:lvl1pPr>
+          </a:lstStyle>
+          <a:p>
+            <a:r>
+              <a:rPr lang="de-DE"/>
+              <a:t>Mastertitelformat bearbeiten</a:t>
+            </a:r>
+            <a:endParaRPr lang="en-US" dirty="0"/>
+          </a:p>
+        </p:txBody>
+      </p:sp>
+      <p:sp>
+        <p:nvSpPr>
+          <p:cNvPr id="12" name="Text Placeholder 3"/>
+          <p:cNvSpPr>
+            <a:spLocks noGrp="1"/>
+          </p:cNvSpPr>
+          <p:nvPr>
+            <p:ph type="body" sz="half" idx="13"/>
+          </p:nvPr>
+        </p:nvSpPr>
+        <p:spPr>
+          <a:xfrm>
+            <a:off x="1720644" y="3365557"/>
+            <a:ext cx="8752299" cy="548968"/>
+          </a:xfrm>
+        </p:spPr>
+        <p:txBody>
+          <a:bodyPr anchor="t">
+            <a:normAutofit/>
+          </a:bodyPr>
+          <a:lstStyle>
+            <a:lvl1pPr marL="0" indent="0">
+              <a:buNone/>
+              <a:defRPr sz="1400"/>
+            </a:lvl1pPr>
+            <a:lvl2pPr marL="457200" indent="0">
+              <a:buNone/>
+              <a:defRPr sz="1400"/>
+            </a:lvl2pPr>
+            <a:lvl3pPr marL="914400" indent="0">
+              <a:buNone/>
+              <a:defRPr sz="1200"/>
+            </a:lvl3pPr>
+            <a:lvl4pPr marL="1371600" indent="0">
+              <a:buNone/>
+              <a:defRPr sz="1000"/>
+            </a:lvl4pPr>
+            <a:lvl5pPr marL="1828800" indent="0">
+              <a:buNone/>
+              <a:defRPr sz="1000"/>
+            </a:lvl5pPr>
+            <a:lvl6pPr marL="2286000" indent="0">
+              <a:buNone/>
+              <a:defRPr sz="1000"/>
+            </a:lvl6pPr>
+            <a:lvl7pPr marL="2743200" indent="0">
+              <a:buNone/>
+              <a:defRPr sz="1000"/>
+            </a:lvl7pPr>
+            <a:lvl8pPr marL="3200400" indent="0">
+              <a:buNone/>
+              <a:defRPr sz="1000"/>
+            </a:lvl8pPr>
+            <a:lvl9pPr marL="3657600" indent="0">
+              <a:buNone/>
+              <a:defRPr sz="1000"/>
+            </a:lvl9pPr>
+          </a:lstStyle>
+          <a:p>
+            <a:pPr lvl="0"/>
+            <a:r>
+              <a:rPr lang="de-DE"/>
+              <a:t>Mastertextformat bearbeiten</a:t>
+            </a:r>
+          </a:p>
+        </p:txBody>
+      </p:sp>
+      <p:sp>
+        <p:nvSpPr>
+          <p:cNvPr id="4" name="Text Placeholder 3"/>
+          <p:cNvSpPr>
+            <a:spLocks noGrp="1"/>
+          </p:cNvSpPr>
+          <p:nvPr>
+            <p:ph type="body" sz="half" idx="2"/>
+          </p:nvPr>
+        </p:nvSpPr>
+        <p:spPr>
+          <a:xfrm>
+            <a:off x="838200" y="4501729"/>
+            <a:ext cx="10512424" cy="1489496"/>
+          </a:xfrm>
+        </p:spPr>
+        <p:txBody>
+          <a:bodyPr anchor="ctr">
+            <a:normAutofit/>
+          </a:bodyPr>
+          <a:lstStyle>
+            <a:lvl1pPr marL="0" indent="0">
+              <a:buNone/>
+              <a:defRPr sz="1600"/>
+            </a:lvl1pPr>
+            <a:lvl2pPr marL="457200" indent="0">
+              <a:buNone/>
+              <a:defRPr sz="1400"/>
+            </a:lvl2pPr>
+            <a:lvl3pPr marL="914400" indent="0">
+              <a:buNone/>
+              <a:defRPr sz="1200"/>
+            </a:lvl3pPr>
+            <a:lvl4pPr marL="1371600" indent="0">
+              <a:buNone/>
+              <a:defRPr sz="1000"/>
+            </a:lvl4pPr>
+            <a:lvl5pPr marL="1828800" indent="0">
+              <a:buNone/>
+              <a:defRPr sz="1000"/>
+            </a:lvl5pPr>
+            <a:lvl6pPr marL="2286000" indent="0">
+              <a:buNone/>
+              <a:defRPr sz="1000"/>
+            </a:lvl6pPr>
+            <a:lvl7pPr marL="2743200" indent="0">
+              <a:buNone/>
+              <a:defRPr sz="1000"/>
+            </a:lvl7pPr>
+            <a:lvl8pPr marL="3200400" indent="0">
+              <a:buNone/>
+              <a:defRPr sz="1000"/>
+            </a:lvl8pPr>
+            <a:lvl9pPr marL="3657600" indent="0">
+              <a:buNone/>
+              <a:defRPr sz="1000"/>
+            </a:lvl9pPr>
+          </a:lstStyle>
+          <a:p>
+            <a:pPr lvl="0"/>
+            <a:r>
+              <a:rPr lang="de-DE"/>
+              <a:t>Mastertextformat bearbeiten</a:t>
+            </a:r>
+          </a:p>
+        </p:txBody>
+      </p:sp>
+      <p:sp>
+        <p:nvSpPr>
+          <p:cNvPr id="5" name="Date Placeholder 4"/>
+          <p:cNvSpPr>
+            <a:spLocks noGrp="1"/>
+          </p:cNvSpPr>
+          <p:nvPr>
+            <p:ph type="dt" sz="half" idx="10"/>
+          </p:nvPr>
+        </p:nvSpPr>
+        <p:spPr/>
+        <p:txBody>
+          <a:bodyPr/>
+          <a:lstStyle/>
+          <a:p>
+            <a:fld id="{B01DF34C-C71B-4C66-BAEC-520F56FED4A4}" type="datetimeFigureOut">
+              <a:rPr lang="de-CH" smtClean="0"/>
+              <a:t>02.12.2018</a:t>
+            </a:fld>
+            <a:endParaRPr lang="de-CH"/>
+          </a:p>
+        </p:txBody>
+      </p:sp>
+      <p:sp>
+        <p:nvSpPr>
+          <p:cNvPr id="6" name="Footer Placeholder 5"/>
+          <p:cNvSpPr>
+            <a:spLocks noGrp="1"/>
+          </p:cNvSpPr>
+          <p:nvPr>
+            <p:ph type="ftr" sz="quarter" idx="11"/>
+          </p:nvPr>
+        </p:nvSpPr>
+        <p:spPr/>
+        <p:txBody>
+          <a:bodyPr/>
+          <a:lstStyle/>
+          <a:p>
+            <a:endParaRPr lang="de-CH"/>
+          </a:p>
+        </p:txBody>
+      </p:sp>
+      <p:sp>
+        <p:nvSpPr>
+          <p:cNvPr id="7" name="Slide Number Placeholder 6"/>
+          <p:cNvSpPr>
+            <a:spLocks noGrp="1"/>
+          </p:cNvSpPr>
+          <p:nvPr>
+            <p:ph type="sldNum" sz="quarter" idx="12"/>
+          </p:nvPr>
+        </p:nvSpPr>
+        <p:spPr/>
+        <p:txBody>
+          <a:bodyPr/>
+          <a:lstStyle/>
+          <a:p>
+            <a:fld id="{3C4A421A-EB0D-452B-A542-BA8617D71948}" type="slidenum">
+              <a:rPr lang="de-CH" smtClean="0"/>
+              <a:t>‹Nr.›</a:t>
+            </a:fld>
+            <a:endParaRPr lang="de-CH"/>
+          </a:p>
+        </p:txBody>
+      </p:sp>
+      <p:sp>
+        <p:nvSpPr>
+          <p:cNvPr id="9" name="TextBox 8"/>
+          <p:cNvSpPr txBox="1"/>
+          <p:nvPr/>
+        </p:nvSpPr>
+        <p:spPr>
+          <a:xfrm>
+            <a:off x="1111044" y="786824"/>
+            <a:ext cx="609600" cy="584776"/>
+          </a:xfrm>
+          <a:prstGeom prst="rect">
+            <a:avLst/>
+          </a:prstGeom>
+        </p:spPr>
+        <p:txBody>
+          <a:bodyPr vert="horz" lIns="91440" tIns="45720" rIns="91440" bIns="45720" rtlCol="0" anchor="ctr">
+            <a:noAutofit/>
+          </a:bodyPr>
+          <a:lstStyle>
+            <a:lvl1pPr>
+              <a:spcBef>
+                <a:spcPct val="0"/>
+              </a:spcBef>
+              <a:buNone/>
+              <a:defRPr sz="3200" b="0" cap="all">
+                <a:ln w="3175" cmpd="sng">
+                  <a:noFill/>
+                </a:ln>
+                <a:effectLst>
+                  <a:glow rad="38100">
+                    <a:schemeClr val="bg1">
+                      <a:lumMod val="65000"/>
+                      <a:lumOff val="35000"/>
+                      <a:alpha val="40000"/>
+                    </a:schemeClr>
+                  </a:glow>
+                  <a:outerShdw blurRad="28575" dist="38100" dir="14040000" algn="tl" rotWithShape="0">
+                    <a:srgbClr val="000000">
+                      <a:alpha val="25000"/>
+                    </a:srgbClr>
+                  </a:outerShdw>
+                </a:effectLst>
+              </a:defRPr>
+            </a:lvl1pPr>
+            <a:lvl2pPr>
+              <a:defRPr>
+                <a:solidFill>
+                  <a:schemeClr val="tx2"/>
+                </a:solidFill>
+              </a:defRPr>
+            </a:lvl2pPr>
+            <a:lvl3pPr>
+              <a:defRPr>
+                <a:solidFill>
+                  <a:schemeClr val="tx2"/>
+                </a:solidFill>
+              </a:defRPr>
+            </a:lvl3pPr>
+            <a:lvl4pPr>
+              <a:defRPr>
+                <a:solidFill>
+                  <a:schemeClr val="tx2"/>
+                </a:solidFill>
+              </a:defRPr>
+            </a:lvl4pPr>
+            <a:lvl5pPr>
+              <a:defRPr>
+                <a:solidFill>
+                  <a:schemeClr val="tx2"/>
+                </a:solidFill>
+              </a:defRPr>
+            </a:lvl5pPr>
+            <a:lvl6pPr>
+              <a:defRPr>
+                <a:solidFill>
+                  <a:schemeClr val="tx2"/>
+                </a:solidFill>
+              </a:defRPr>
+            </a:lvl6pPr>
+            <a:lvl7pPr>
+              <a:defRPr>
+                <a:solidFill>
+                  <a:schemeClr val="tx2"/>
+                </a:solidFill>
+              </a:defRPr>
+            </a:lvl7pPr>
+            <a:lvl8pPr>
+              <a:defRPr>
+                <a:solidFill>
+                  <a:schemeClr val="tx2"/>
+                </a:solidFill>
+              </a:defRPr>
+            </a:lvl8pPr>
+            <a:lvl9pPr>
+              <a:defRPr>
+                <a:solidFill>
+                  <a:schemeClr val="tx2"/>
+                </a:solidFill>
+              </a:defRPr>
+            </a:lvl9pPr>
+          </a:lstStyle>
+          <a:p>
+            <a:pPr lvl="0"/>
+            <a:r>
+              <a:rPr lang="en-US" sz="8000" dirty="0">
+                <a:solidFill>
+                  <a:schemeClr val="tx1"/>
+                </a:solidFill>
+                <a:effectLst/>
+              </a:rPr>
+              <a:t>“</a:t>
+            </a:r>
+          </a:p>
+        </p:txBody>
+      </p:sp>
+      <p:sp>
+        <p:nvSpPr>
+          <p:cNvPr id="10" name="TextBox 9"/>
+          <p:cNvSpPr txBox="1"/>
+          <p:nvPr/>
+        </p:nvSpPr>
+        <p:spPr>
+          <a:xfrm>
+            <a:off x="10437812" y="2743200"/>
+            <a:ext cx="609600" cy="584776"/>
+          </a:xfrm>
+          <a:prstGeom prst="rect">
+            <a:avLst/>
+          </a:prstGeom>
+        </p:spPr>
+        <p:txBody>
+          <a:bodyPr vert="horz" lIns="91440" tIns="45720" rIns="91440" bIns="45720" rtlCol="0" anchor="ctr">
+            <a:noAutofit/>
+          </a:bodyPr>
+          <a:lstStyle>
+            <a:lvl1pPr>
+              <a:spcBef>
+                <a:spcPct val="0"/>
+              </a:spcBef>
+              <a:buNone/>
+              <a:defRPr sz="3200" b="0" cap="all">
+                <a:ln w="3175" cmpd="sng">
+                  <a:noFill/>
+                </a:ln>
+                <a:effectLst>
+                  <a:glow rad="38100">
+                    <a:schemeClr val="bg1">
+                      <a:lumMod val="65000"/>
+                      <a:lumOff val="35000"/>
+                      <a:alpha val="40000"/>
+                    </a:schemeClr>
+                  </a:glow>
+                  <a:outerShdw blurRad="28575" dist="38100" dir="14040000" algn="tl" rotWithShape="0">
+                    <a:srgbClr val="000000">
+                      <a:alpha val="25000"/>
+                    </a:srgbClr>
+                  </a:outerShdw>
+                </a:effectLst>
+              </a:defRPr>
+            </a:lvl1pPr>
+            <a:lvl2pPr>
+              <a:defRPr>
+                <a:solidFill>
+                  <a:schemeClr val="tx2"/>
+                </a:solidFill>
+              </a:defRPr>
+            </a:lvl2pPr>
+            <a:lvl3pPr>
+              <a:defRPr>
+                <a:solidFill>
+                  <a:schemeClr val="tx2"/>
+                </a:solidFill>
+              </a:defRPr>
+            </a:lvl3pPr>
+            <a:lvl4pPr>
+              <a:defRPr>
+                <a:solidFill>
+                  <a:schemeClr val="tx2"/>
+                </a:solidFill>
+              </a:defRPr>
+            </a:lvl4pPr>
+            <a:lvl5pPr>
+              <a:defRPr>
+                <a:solidFill>
+                  <a:schemeClr val="tx2"/>
+                </a:solidFill>
+              </a:defRPr>
+            </a:lvl5pPr>
+            <a:lvl6pPr>
+              <a:defRPr>
+                <a:solidFill>
+                  <a:schemeClr val="tx2"/>
+                </a:solidFill>
+              </a:defRPr>
+            </a:lvl6pPr>
+            <a:lvl7pPr>
+              <a:defRPr>
+                <a:solidFill>
+                  <a:schemeClr val="tx2"/>
+                </a:solidFill>
+              </a:defRPr>
+            </a:lvl7pPr>
+            <a:lvl8pPr>
+              <a:defRPr>
+                <a:solidFill>
+                  <a:schemeClr val="tx2"/>
+                </a:solidFill>
+              </a:defRPr>
+            </a:lvl8pPr>
+            <a:lvl9pPr>
+              <a:defRPr>
+                <a:solidFill>
+                  <a:schemeClr val="tx2"/>
+                </a:solidFill>
+              </a:defRPr>
+            </a:lvl9pPr>
+          </a:lstStyle>
+          <a:p>
+            <a:pPr lvl="0" algn="r"/>
+            <a:r>
+              <a:rPr lang="en-US" sz="8000" dirty="0">
+                <a:solidFill>
+                  <a:schemeClr val="tx1"/>
+                </a:solidFill>
+                <a:effectLst/>
+              </a:rPr>
+              <a:t>”</a:t>
+            </a:r>
+          </a:p>
+        </p:txBody>
+      </p:sp>
+    </p:spTree>
+    <p:extLst>
+      <p:ext uri="{BB962C8B-B14F-4D97-AF65-F5344CB8AC3E}">
+        <p14:creationId xmlns:p14="http://schemas.microsoft.com/office/powerpoint/2010/main" val="3356148743"/>
+      </p:ext>
+    </p:extLst>
+  </p:cSld>
+  <p:clrMapOvr>
+    <a:masterClrMapping/>
+  </p:clrMapOvr>
+</p:sldLayout>
+</file>
+
+<file path=ppt/slideLayouts/slideLayout13.xml><?xml version="1.0" encoding="utf-8"?>
+<p:sldLayout xmlns:a="http://schemas.openxmlformats.org/drawingml/2006/main" xmlns:r="http://schemas.openxmlformats.org/officeDocument/2006/relationships" xmlns:p="http://schemas.openxmlformats.org/presentationml/2006/main" preserve="1">
+  <p:cSld name="Namenskarte">
+    <p:spTree>
+      <p:nvGrpSpPr>
+        <p:cNvPr id="1" name=""/>
+        <p:cNvGrpSpPr/>
+        <p:nvPr/>
+      </p:nvGrpSpPr>
+      <p:grpSpPr>
+        <a:xfrm>
+          <a:off x="0" y="0"/>
+          <a:ext cx="0" cy="0"/>
+          <a:chOff x="0" y="0"/>
+          <a:chExt cx="0" cy="0"/>
+        </a:xfrm>
+      </p:grpSpPr>
+      <p:sp>
+        <p:nvSpPr>
+          <p:cNvPr id="2" name="Title 1"/>
+          <p:cNvSpPr>
+            <a:spLocks noGrp="1"/>
+          </p:cNvSpPr>
+          <p:nvPr>
+            <p:ph type="title"/>
+          </p:nvPr>
+        </p:nvSpPr>
+        <p:spPr>
+          <a:xfrm>
+            <a:off x="839788" y="2326967"/>
+            <a:ext cx="10515600" cy="2511835"/>
+          </a:xfrm>
+        </p:spPr>
+        <p:txBody>
+          <a:bodyPr anchor="b">
+            <a:normAutofit/>
+          </a:bodyPr>
+          <a:lstStyle>
+            <a:lvl1pPr>
+              <a:defRPr sz="5400"/>
+            </a:lvl1pPr>
+          </a:lstStyle>
+          <a:p>
+            <a:r>
+              <a:rPr lang="de-DE"/>
+              <a:t>Mastertitelformat bearbeiten</a:t>
+            </a:r>
+            <a:endParaRPr lang="en-US" dirty="0"/>
+          </a:p>
+        </p:txBody>
+      </p:sp>
+      <p:sp>
+        <p:nvSpPr>
+          <p:cNvPr id="4" name="Text Placeholder 3"/>
+          <p:cNvSpPr>
+            <a:spLocks noGrp="1"/>
+          </p:cNvSpPr>
+          <p:nvPr>
+            <p:ph type="body" sz="half" idx="2"/>
+          </p:nvPr>
+        </p:nvSpPr>
+        <p:spPr>
+          <a:xfrm>
+            <a:off x="839788" y="4850581"/>
+            <a:ext cx="10514012" cy="1140644"/>
+          </a:xfrm>
+        </p:spPr>
+        <p:txBody>
+          <a:bodyPr anchor="t"/>
+          <a:lstStyle>
+            <a:lvl1pPr marL="0" indent="0">
+              <a:buNone/>
+              <a:defRPr sz="1600"/>
+            </a:lvl1pPr>
+            <a:lvl2pPr marL="457200" indent="0">
+              <a:buNone/>
+              <a:defRPr sz="1400"/>
+            </a:lvl2pPr>
+            <a:lvl3pPr marL="914400" indent="0">
+              <a:buNone/>
+              <a:defRPr sz="1200"/>
+            </a:lvl3pPr>
+            <a:lvl4pPr marL="1371600" indent="0">
+              <a:buNone/>
+              <a:defRPr sz="1000"/>
+            </a:lvl4pPr>
+            <a:lvl5pPr marL="1828800" indent="0">
+              <a:buNone/>
+              <a:defRPr sz="1000"/>
+            </a:lvl5pPr>
+            <a:lvl6pPr marL="2286000" indent="0">
+              <a:buNone/>
+              <a:defRPr sz="1000"/>
+            </a:lvl6pPr>
+            <a:lvl7pPr marL="2743200" indent="0">
+              <a:buNone/>
+              <a:defRPr sz="1000"/>
+            </a:lvl7pPr>
+            <a:lvl8pPr marL="3200400" indent="0">
+              <a:buNone/>
+              <a:defRPr sz="1000"/>
+            </a:lvl8pPr>
+            <a:lvl9pPr marL="3657600" indent="0">
+              <a:buNone/>
+              <a:defRPr sz="1000"/>
+            </a:lvl9pPr>
+          </a:lstStyle>
+          <a:p>
+            <a:pPr lvl="0"/>
+            <a:r>
+              <a:rPr lang="de-DE"/>
+              <a:t>Mastertextformat bearbeiten</a:t>
+            </a:r>
+          </a:p>
+        </p:txBody>
+      </p:sp>
+      <p:sp>
+        <p:nvSpPr>
+          <p:cNvPr id="5" name="Date Placeholder 4"/>
+          <p:cNvSpPr>
+            <a:spLocks noGrp="1"/>
+          </p:cNvSpPr>
+          <p:nvPr>
+            <p:ph type="dt" sz="half" idx="10"/>
+          </p:nvPr>
+        </p:nvSpPr>
+        <p:spPr/>
+        <p:txBody>
+          <a:bodyPr/>
+          <a:lstStyle/>
+          <a:p>
+            <a:fld id="{B01DF34C-C71B-4C66-BAEC-520F56FED4A4}" type="datetimeFigureOut">
+              <a:rPr lang="de-CH" smtClean="0"/>
+              <a:t>02.12.2018</a:t>
+            </a:fld>
+            <a:endParaRPr lang="de-CH"/>
+          </a:p>
+        </p:txBody>
+      </p:sp>
+      <p:sp>
+        <p:nvSpPr>
+          <p:cNvPr id="6" name="Footer Placeholder 5"/>
+          <p:cNvSpPr>
+            <a:spLocks noGrp="1"/>
+          </p:cNvSpPr>
+          <p:nvPr>
+            <p:ph type="ftr" sz="quarter" idx="11"/>
+          </p:nvPr>
+        </p:nvSpPr>
+        <p:spPr/>
+        <p:txBody>
+          <a:bodyPr/>
+          <a:lstStyle/>
+          <a:p>
+            <a:endParaRPr lang="de-CH"/>
+          </a:p>
+        </p:txBody>
+      </p:sp>
+      <p:sp>
+        <p:nvSpPr>
+          <p:cNvPr id="7" name="Slide Number Placeholder 6"/>
+          <p:cNvSpPr>
+            <a:spLocks noGrp="1"/>
+          </p:cNvSpPr>
+          <p:nvPr>
+            <p:ph type="sldNum" sz="quarter" idx="12"/>
+          </p:nvPr>
+        </p:nvSpPr>
+        <p:spPr/>
+        <p:txBody>
+          <a:bodyPr/>
+          <a:lstStyle/>
+          <a:p>
+            <a:fld id="{3C4A421A-EB0D-452B-A542-BA8617D71948}" type="slidenum">
+              <a:rPr lang="de-CH" smtClean="0"/>
+              <a:t>‹Nr.›</a:t>
+            </a:fld>
+            <a:endParaRPr lang="de-CH"/>
+          </a:p>
+        </p:txBody>
+      </p:sp>
+    </p:spTree>
+    <p:extLst>
+      <p:ext uri="{BB962C8B-B14F-4D97-AF65-F5344CB8AC3E}">
+        <p14:creationId xmlns:p14="http://schemas.microsoft.com/office/powerpoint/2010/main" val="2602030875"/>
+      </p:ext>
+    </p:extLst>
+  </p:cSld>
+  <p:clrMapOvr>
+    <a:masterClrMapping/>
+  </p:clrMapOvr>
+</p:sldLayout>
+</file>
+
+<file path=ppt/slideLayouts/slideLayout14.xml><?xml version="1.0" encoding="utf-8"?>
+<p:sldLayout xmlns:a="http://schemas.openxmlformats.org/drawingml/2006/main" xmlns:r="http://schemas.openxmlformats.org/officeDocument/2006/relationships" xmlns:p="http://schemas.openxmlformats.org/presentationml/2006/main" preserve="1">
+  <p:cSld name="3 Spalte">
+    <p:spTree>
+      <p:nvGrpSpPr>
+        <p:cNvPr id="1" name=""/>
+        <p:cNvGrpSpPr/>
+        <p:nvPr/>
+      </p:nvGrpSpPr>
+      <p:grpSpPr>
+        <a:xfrm>
+          <a:off x="0" y="0"/>
+          <a:ext cx="0" cy="0"/>
+          <a:chOff x="0" y="0"/>
+          <a:chExt cx="0" cy="0"/>
+        </a:xfrm>
+      </p:grpSpPr>
+      <p:sp>
+        <p:nvSpPr>
+          <p:cNvPr id="15" name="Title 1"/>
+          <p:cNvSpPr>
+            <a:spLocks noGrp="1"/>
+          </p:cNvSpPr>
+          <p:nvPr>
+            <p:ph type="title"/>
+          </p:nvPr>
+        </p:nvSpPr>
+        <p:spPr>
+          <a:xfrm>
+            <a:off x="838200" y="365125"/>
+            <a:ext cx="10515600" cy="1325563"/>
+          </a:xfrm>
+        </p:spPr>
+        <p:txBody>
+          <a:bodyPr/>
+          <a:lstStyle/>
+          <a:p>
+            <a:r>
+              <a:rPr lang="de-DE"/>
+              <a:t>Mastertitelformat bearbeiten</a:t>
+            </a:r>
+            <a:endParaRPr lang="en-US" dirty="0"/>
+          </a:p>
+        </p:txBody>
+      </p:sp>
+      <p:sp>
+        <p:nvSpPr>
+          <p:cNvPr id="7" name="Text Placeholder 2"/>
+          <p:cNvSpPr>
+            <a:spLocks noGrp="1"/>
+          </p:cNvSpPr>
+          <p:nvPr>
+            <p:ph type="body" idx="1"/>
+          </p:nvPr>
+        </p:nvSpPr>
+        <p:spPr>
+          <a:xfrm>
+            <a:off x="1337282" y="1885950"/>
+            <a:ext cx="2946866" cy="576262"/>
+          </a:xfrm>
+        </p:spPr>
+        <p:txBody>
+          <a:bodyPr anchor="b">
+            <a:noAutofit/>
+          </a:bodyPr>
+          <a:lstStyle>
+            <a:lvl1pPr marL="0" indent="0">
+              <a:buNone/>
+              <a:defRPr sz="2400" b="0">
+                <a:gradFill>
+                  <a:gsLst>
+                    <a:gs pos="15000">
+                      <a:schemeClr val="tx2"/>
+                    </a:gs>
+                    <a:gs pos="73000">
+                      <a:schemeClr val="tx2">
+                        <a:lumMod val="60000"/>
+                        <a:lumOff val="40000"/>
+                      </a:schemeClr>
+                    </a:gs>
+                    <a:gs pos="0">
+                      <a:schemeClr val="tx2">
+                        <a:lumMod val="90000"/>
+                        <a:lumOff val="10000"/>
+                      </a:schemeClr>
+                    </a:gs>
+                    <a:gs pos="100000">
+                      <a:schemeClr val="tx2">
+                        <a:lumMod val="0"/>
+                        <a:lumOff val="100000"/>
+                      </a:schemeClr>
+                    </a:gs>
+                  </a:gsLst>
+                  <a:lin ang="16200000" scaled="1"/>
+                </a:gradFill>
+              </a:defRPr>
+            </a:lvl1pPr>
+            <a:lvl2pPr marL="457200" indent="0">
+              <a:buNone/>
+              <a:defRPr sz="2000" b="1"/>
+            </a:lvl2pPr>
+            <a:lvl3pPr marL="914400" indent="0">
+              <a:buNone/>
+              <a:defRPr sz="1800" b="1"/>
+            </a:lvl3pPr>
+            <a:lvl4pPr marL="1371600" indent="0">
+              <a:buNone/>
+              <a:defRPr sz="1600" b="1"/>
+            </a:lvl4pPr>
+            <a:lvl5pPr marL="1828800" indent="0">
+              <a:buNone/>
+              <a:defRPr sz="1600" b="1"/>
+            </a:lvl5pPr>
+            <a:lvl6pPr marL="2286000" indent="0">
+              <a:buNone/>
+              <a:defRPr sz="1600" b="1"/>
+            </a:lvl6pPr>
+            <a:lvl7pPr marL="2743200" indent="0">
+              <a:buNone/>
+              <a:defRPr sz="1600" b="1"/>
+            </a:lvl7pPr>
+            <a:lvl8pPr marL="3200400" indent="0">
+              <a:buNone/>
+              <a:defRPr sz="1600" b="1"/>
+            </a:lvl8pPr>
+            <a:lvl9pPr marL="3657600" indent="0">
+              <a:buNone/>
+              <a:defRPr sz="1600" b="1"/>
+            </a:lvl9pPr>
+          </a:lstStyle>
+          <a:p>
+            <a:pPr lvl="0"/>
+            <a:r>
+              <a:rPr lang="de-DE"/>
+              <a:t>Mastertextformat bearbeiten</a:t>
+            </a:r>
+          </a:p>
+        </p:txBody>
+      </p:sp>
+      <p:sp>
+        <p:nvSpPr>
+          <p:cNvPr id="8" name="Text Placeholder 3"/>
+          <p:cNvSpPr>
+            <a:spLocks noGrp="1"/>
+          </p:cNvSpPr>
+          <p:nvPr>
+            <p:ph type="body" sz="half" idx="15"/>
+          </p:nvPr>
+        </p:nvSpPr>
+        <p:spPr>
+          <a:xfrm>
+            <a:off x="1356798" y="2571750"/>
+            <a:ext cx="2927350" cy="3589338"/>
+          </a:xfrm>
+        </p:spPr>
+        <p:txBody>
+          <a:bodyPr anchor="t">
+            <a:normAutofit/>
+          </a:bodyPr>
+          <a:lstStyle>
+            <a:lvl1pPr marL="0" indent="0">
+              <a:buNone/>
+              <a:defRPr sz="1400"/>
+            </a:lvl1pPr>
+            <a:lvl2pPr marL="457200" indent="0">
+              <a:buNone/>
+              <a:defRPr sz="1200"/>
+            </a:lvl2pPr>
+            <a:lvl3pPr marL="914400" indent="0">
+              <a:buNone/>
+              <a:defRPr sz="1000"/>
+            </a:lvl3pPr>
+            <a:lvl4pPr marL="1371600" indent="0">
+              <a:buNone/>
+              <a:defRPr sz="900"/>
+            </a:lvl4pPr>
+            <a:lvl5pPr marL="1828800" indent="0">
+              <a:buNone/>
+              <a:defRPr sz="900"/>
+            </a:lvl5pPr>
+            <a:lvl6pPr marL="2286000" indent="0">
+              <a:buNone/>
+              <a:defRPr sz="900"/>
+            </a:lvl6pPr>
+            <a:lvl7pPr marL="2743200" indent="0">
+              <a:buNone/>
+              <a:defRPr sz="900"/>
+            </a:lvl7pPr>
+            <a:lvl8pPr marL="3200400" indent="0">
+              <a:buNone/>
+              <a:defRPr sz="900"/>
+            </a:lvl8pPr>
+            <a:lvl9pPr marL="3657600" indent="0">
+              <a:buNone/>
+              <a:defRPr sz="900"/>
+            </a:lvl9pPr>
+          </a:lstStyle>
+          <a:p>
+            <a:pPr lvl="0"/>
+            <a:r>
+              <a:rPr lang="de-DE"/>
+              <a:t>Mastertextformat bearbeiten</a:t>
+            </a:r>
+          </a:p>
+        </p:txBody>
+      </p:sp>
+      <p:sp>
+        <p:nvSpPr>
+          <p:cNvPr id="9" name="Text Placeholder 4"/>
+          <p:cNvSpPr>
+            <a:spLocks noGrp="1"/>
+          </p:cNvSpPr>
+          <p:nvPr>
+            <p:ph type="body" sz="quarter" idx="3"/>
+          </p:nvPr>
+        </p:nvSpPr>
+        <p:spPr>
+          <a:xfrm>
+            <a:off x="4587994" y="1885950"/>
+            <a:ext cx="2936241" cy="576262"/>
+          </a:xfrm>
+        </p:spPr>
+        <p:txBody>
+          <a:bodyPr vert="horz" lIns="91440" tIns="45720" rIns="91440" bIns="45720" rtlCol="0" anchor="b">
+            <a:noAutofit/>
+          </a:bodyPr>
+          <a:lstStyle>
+            <a:lvl1pPr>
+              <a:buNone/>
+              <a:defRPr lang="en-US" sz="2400" b="0">
+                <a:gradFill>
+                  <a:gsLst>
+                    <a:gs pos="15000">
+                      <a:schemeClr val="tx2"/>
+                    </a:gs>
+                    <a:gs pos="73000">
+                      <a:schemeClr val="tx2">
+                        <a:lumMod val="60000"/>
+                        <a:lumOff val="40000"/>
+                      </a:schemeClr>
+                    </a:gs>
+                    <a:gs pos="0">
+                      <a:schemeClr val="tx2">
+                        <a:lumMod val="90000"/>
+                        <a:lumOff val="10000"/>
+                      </a:schemeClr>
+                    </a:gs>
+                    <a:gs pos="100000">
+                      <a:schemeClr val="tx2">
+                        <a:lumMod val="0"/>
+                        <a:lumOff val="100000"/>
+                      </a:schemeClr>
+                    </a:gs>
+                  </a:gsLst>
+                  <a:lin ang="16200000" scaled="1"/>
+                </a:gradFill>
+              </a:defRPr>
+            </a:lvl1pPr>
+          </a:lstStyle>
+          <a:p>
+            <a:pPr marL="0" lvl="0" indent="0">
+              <a:buNone/>
+            </a:pPr>
+            <a:r>
+              <a:rPr lang="de-DE"/>
+              <a:t>Mastertextformat bearbeiten</a:t>
+            </a:r>
+          </a:p>
+        </p:txBody>
+      </p:sp>
+      <p:sp>
+        <p:nvSpPr>
+          <p:cNvPr id="10" name="Text Placeholder 3"/>
+          <p:cNvSpPr>
+            <a:spLocks noGrp="1"/>
+          </p:cNvSpPr>
+          <p:nvPr>
+            <p:ph type="body" sz="half" idx="16"/>
+          </p:nvPr>
+        </p:nvSpPr>
+        <p:spPr>
+          <a:xfrm>
+            <a:off x="4577441" y="2571750"/>
+            <a:ext cx="2946794" cy="3589338"/>
+          </a:xfrm>
+        </p:spPr>
+        <p:txBody>
+          <a:bodyPr anchor="t">
+            <a:normAutofit/>
+          </a:bodyPr>
+          <a:lstStyle>
+            <a:lvl1pPr marL="0" indent="0">
+              <a:buNone/>
+              <a:defRPr sz="1400"/>
+            </a:lvl1pPr>
+            <a:lvl2pPr marL="457200" indent="0">
+              <a:buNone/>
+              <a:defRPr sz="1200"/>
+            </a:lvl2pPr>
+            <a:lvl3pPr marL="914400" indent="0">
+              <a:buNone/>
+              <a:defRPr sz="1000"/>
+            </a:lvl3pPr>
+            <a:lvl4pPr marL="1371600" indent="0">
+              <a:buNone/>
+              <a:defRPr sz="900"/>
+            </a:lvl4pPr>
+            <a:lvl5pPr marL="1828800" indent="0">
+              <a:buNone/>
+              <a:defRPr sz="900"/>
+            </a:lvl5pPr>
+            <a:lvl6pPr marL="2286000" indent="0">
+              <a:buNone/>
+              <a:defRPr sz="900"/>
+            </a:lvl6pPr>
+            <a:lvl7pPr marL="2743200" indent="0">
+              <a:buNone/>
+              <a:defRPr sz="900"/>
+            </a:lvl7pPr>
+            <a:lvl8pPr marL="3200400" indent="0">
+              <a:buNone/>
+              <a:defRPr sz="900"/>
+            </a:lvl8pPr>
+            <a:lvl9pPr marL="3657600" indent="0">
+              <a:buNone/>
+              <a:defRPr sz="900"/>
+            </a:lvl9pPr>
+          </a:lstStyle>
+          <a:p>
+            <a:pPr lvl="0"/>
+            <a:r>
+              <a:rPr lang="de-DE"/>
+              <a:t>Mastertextformat bearbeiten</a:t>
+            </a:r>
+          </a:p>
+        </p:txBody>
+      </p:sp>
+      <p:sp>
+        <p:nvSpPr>
+          <p:cNvPr id="11" name="Text Placeholder 4"/>
+          <p:cNvSpPr>
+            <a:spLocks noGrp="1"/>
+          </p:cNvSpPr>
+          <p:nvPr>
+            <p:ph type="body" sz="quarter" idx="13"/>
+          </p:nvPr>
+        </p:nvSpPr>
+        <p:spPr>
+          <a:xfrm>
+            <a:off x="7829035" y="1885950"/>
+            <a:ext cx="2932113" cy="576262"/>
+          </a:xfrm>
+        </p:spPr>
+        <p:txBody>
+          <a:bodyPr vert="horz" lIns="91440" tIns="45720" rIns="91440" bIns="45720" rtlCol="0" anchor="b">
+            <a:noAutofit/>
+          </a:bodyPr>
+          <a:lstStyle>
+            <a:lvl1pPr>
+              <a:buNone/>
+              <a:defRPr lang="en-US" sz="2400" b="0" dirty="0">
+                <a:gradFill>
+                  <a:gsLst>
+                    <a:gs pos="15000">
+                      <a:schemeClr val="tx2"/>
+                    </a:gs>
+                    <a:gs pos="73000">
+                      <a:schemeClr val="tx2">
+                        <a:lumMod val="60000"/>
+                        <a:lumOff val="40000"/>
+                      </a:schemeClr>
+                    </a:gs>
+                    <a:gs pos="0">
+                      <a:schemeClr val="tx2">
+                        <a:lumMod val="90000"/>
+                        <a:lumOff val="10000"/>
+                      </a:schemeClr>
+                    </a:gs>
+                    <a:gs pos="100000">
+                      <a:schemeClr val="tx2">
+                        <a:lumMod val="0"/>
+                        <a:lumOff val="100000"/>
+                      </a:schemeClr>
+                    </a:gs>
+                  </a:gsLst>
+                  <a:lin ang="16200000" scaled="1"/>
+                </a:gradFill>
+              </a:defRPr>
+            </a:lvl1pPr>
+          </a:lstStyle>
+          <a:p>
+            <a:pPr marL="0" lvl="0" indent="0">
+              <a:buNone/>
+            </a:pPr>
+            <a:r>
+              <a:rPr lang="de-DE"/>
+              <a:t>Mastertextformat bearbeiten</a:t>
+            </a:r>
+          </a:p>
+        </p:txBody>
+      </p:sp>
+      <p:sp>
+        <p:nvSpPr>
+          <p:cNvPr id="12" name="Text Placeholder 3"/>
+          <p:cNvSpPr>
+            <a:spLocks noGrp="1"/>
+          </p:cNvSpPr>
+          <p:nvPr>
+            <p:ph type="body" sz="half" idx="17"/>
+          </p:nvPr>
+        </p:nvSpPr>
+        <p:spPr>
+          <a:xfrm>
+            <a:off x="7829035" y="2571750"/>
+            <a:ext cx="2932113" cy="3589338"/>
+          </a:xfrm>
+        </p:spPr>
+        <p:txBody>
+          <a:bodyPr anchor="t">
+            <a:normAutofit/>
+          </a:bodyPr>
+          <a:lstStyle>
+            <a:lvl1pPr marL="0" indent="0">
+              <a:buNone/>
+              <a:defRPr sz="1400"/>
+            </a:lvl1pPr>
+            <a:lvl2pPr marL="457200" indent="0">
+              <a:buNone/>
+              <a:defRPr sz="1200"/>
+            </a:lvl2pPr>
+            <a:lvl3pPr marL="914400" indent="0">
+              <a:buNone/>
+              <a:defRPr sz="1000"/>
+            </a:lvl3pPr>
+            <a:lvl4pPr marL="1371600" indent="0">
+              <a:buNone/>
+              <a:defRPr sz="900"/>
+            </a:lvl4pPr>
+            <a:lvl5pPr marL="1828800" indent="0">
+              <a:buNone/>
+              <a:defRPr sz="900"/>
+            </a:lvl5pPr>
+            <a:lvl6pPr marL="2286000" indent="0">
+              <a:buNone/>
+              <a:defRPr sz="900"/>
+            </a:lvl6pPr>
+            <a:lvl7pPr marL="2743200" indent="0">
+              <a:buNone/>
+              <a:defRPr sz="900"/>
+            </a:lvl7pPr>
+            <a:lvl8pPr marL="3200400" indent="0">
+              <a:buNone/>
+              <a:defRPr sz="900"/>
+            </a:lvl8pPr>
+            <a:lvl9pPr marL="3657600" indent="0">
+              <a:buNone/>
+              <a:defRPr sz="900"/>
+            </a:lvl9pPr>
+          </a:lstStyle>
+          <a:p>
+            <a:pPr lvl="0"/>
+            <a:r>
+              <a:rPr lang="de-DE"/>
+              <a:t>Mastertextformat bearbeiten</a:t>
+            </a:r>
+          </a:p>
+        </p:txBody>
+      </p:sp>
+      <p:sp>
+        <p:nvSpPr>
+          <p:cNvPr id="3" name="Date Placeholder 2"/>
+          <p:cNvSpPr>
+            <a:spLocks noGrp="1"/>
+          </p:cNvSpPr>
+          <p:nvPr>
+            <p:ph type="dt" sz="half" idx="10"/>
+          </p:nvPr>
+        </p:nvSpPr>
+        <p:spPr/>
+        <p:txBody>
+          <a:bodyPr/>
+          <a:lstStyle/>
+          <a:p>
+            <a:fld id="{B01DF34C-C71B-4C66-BAEC-520F56FED4A4}" type="datetimeFigureOut">
+              <a:rPr lang="de-CH" smtClean="0"/>
+              <a:t>02.12.2018</a:t>
+            </a:fld>
+            <a:endParaRPr lang="de-CH"/>
+          </a:p>
+        </p:txBody>
+      </p:sp>
+      <p:sp>
+        <p:nvSpPr>
+          <p:cNvPr id="4" name="Footer Placeholder 3"/>
+          <p:cNvSpPr>
+            <a:spLocks noGrp="1"/>
+          </p:cNvSpPr>
+          <p:nvPr>
+            <p:ph type="ftr" sz="quarter" idx="11"/>
+          </p:nvPr>
+        </p:nvSpPr>
+        <p:spPr/>
+        <p:txBody>
+          <a:bodyPr/>
+          <a:lstStyle/>
+          <a:p>
+            <a:endParaRPr lang="de-CH"/>
+          </a:p>
+        </p:txBody>
+      </p:sp>
+      <p:sp>
+        <p:nvSpPr>
+          <p:cNvPr id="5" name="Slide Number Placeholder 4"/>
+          <p:cNvSpPr>
+            <a:spLocks noGrp="1"/>
+          </p:cNvSpPr>
+          <p:nvPr>
+            <p:ph type="sldNum" sz="quarter" idx="12"/>
+          </p:nvPr>
+        </p:nvSpPr>
+        <p:spPr/>
+        <p:txBody>
+          <a:bodyPr/>
+          <a:lstStyle/>
+          <a:p>
+            <a:fld id="{3C4A421A-EB0D-452B-A542-BA8617D71948}" type="slidenum">
+              <a:rPr lang="de-CH" smtClean="0"/>
+              <a:t>‹Nr.›</a:t>
+            </a:fld>
+            <a:endParaRPr lang="de-CH"/>
+          </a:p>
+        </p:txBody>
+      </p:sp>
+    </p:spTree>
+    <p:extLst>
+      <p:ext uri="{BB962C8B-B14F-4D97-AF65-F5344CB8AC3E}">
+        <p14:creationId xmlns:p14="http://schemas.microsoft.com/office/powerpoint/2010/main" val="643687568"/>
+      </p:ext>
+    </p:extLst>
+  </p:cSld>
+  <p:clrMapOvr>
+    <a:masterClrMapping/>
+  </p:clrMapOvr>
+</p:sldLayout>
+</file>
+
+<file path=ppt/slideLayouts/slideLayout15.xml><?xml version="1.0" encoding="utf-8"?>
+<p:sldLayout xmlns:a="http://schemas.openxmlformats.org/drawingml/2006/main" xmlns:r="http://schemas.openxmlformats.org/officeDocument/2006/relationships" xmlns:p="http://schemas.openxmlformats.org/presentationml/2006/main" preserve="1">
+  <p:cSld name="3 Bildspalte">
+    <p:spTree>
+      <p:nvGrpSpPr>
+        <p:cNvPr id="1" name=""/>
+        <p:cNvGrpSpPr/>
+        <p:nvPr/>
+      </p:nvGrpSpPr>
+      <p:grpSpPr>
+        <a:xfrm>
+          <a:off x="0" y="0"/>
+          <a:ext cx="0" cy="0"/>
+          <a:chOff x="0" y="0"/>
+          <a:chExt cx="0" cy="0"/>
+        </a:xfrm>
+      </p:grpSpPr>
+      <p:sp>
+        <p:nvSpPr>
+          <p:cNvPr id="30" name="Title 1"/>
+          <p:cNvSpPr>
+            <a:spLocks noGrp="1"/>
+          </p:cNvSpPr>
+          <p:nvPr>
+            <p:ph type="title"/>
+          </p:nvPr>
+        </p:nvSpPr>
+        <p:spPr>
+          <a:xfrm>
+            <a:off x="838200" y="365125"/>
+            <a:ext cx="10515600" cy="1325563"/>
+          </a:xfrm>
+        </p:spPr>
+        <p:txBody>
+          <a:bodyPr/>
+          <a:lstStyle/>
+          <a:p>
+            <a:r>
+              <a:rPr lang="de-DE"/>
+              <a:t>Mastertitelformat bearbeiten</a:t>
+            </a:r>
+            <a:endParaRPr lang="en-US" dirty="0"/>
+          </a:p>
+        </p:txBody>
+      </p:sp>
+      <p:sp>
+        <p:nvSpPr>
+          <p:cNvPr id="19" name="Text Placeholder 2"/>
+          <p:cNvSpPr>
+            <a:spLocks noGrp="1"/>
+          </p:cNvSpPr>
+          <p:nvPr>
+            <p:ph type="body" idx="1"/>
+          </p:nvPr>
+        </p:nvSpPr>
+        <p:spPr>
+          <a:xfrm>
+            <a:off x="1332085" y="4297503"/>
+            <a:ext cx="2940050" cy="576262"/>
+          </a:xfrm>
+        </p:spPr>
+        <p:txBody>
+          <a:bodyPr anchor="b">
+            <a:noAutofit/>
+          </a:bodyPr>
+          <a:lstStyle>
+            <a:lvl1pPr marL="0" indent="0">
+              <a:buNone/>
+              <a:defRPr sz="2400" b="0">
+                <a:gradFill>
+                  <a:gsLst>
+                    <a:gs pos="34000">
+                      <a:schemeClr val="tx1">
+                        <a:lumMod val="93000"/>
+                      </a:schemeClr>
+                    </a:gs>
+                    <a:gs pos="0">
+                      <a:schemeClr val="bg1">
+                        <a:lumMod val="41000"/>
+                        <a:lumOff val="59000"/>
+                      </a:schemeClr>
+                    </a:gs>
+                    <a:gs pos="100000">
+                      <a:schemeClr val="tx2">
+                        <a:lumMod val="0"/>
+                        <a:lumOff val="100000"/>
+                      </a:schemeClr>
+                    </a:gs>
+                  </a:gsLst>
+                  <a:lin ang="4800000" scaled="0"/>
+                </a:gradFill>
+              </a:defRPr>
+            </a:lvl1pPr>
+            <a:lvl2pPr marL="457200" indent="0">
+              <a:buNone/>
+              <a:defRPr sz="2000" b="1"/>
+            </a:lvl2pPr>
+            <a:lvl3pPr marL="914400" indent="0">
+              <a:buNone/>
+              <a:defRPr sz="1800" b="1"/>
+            </a:lvl3pPr>
+            <a:lvl4pPr marL="1371600" indent="0">
+              <a:buNone/>
+              <a:defRPr sz="1600" b="1"/>
+            </a:lvl4pPr>
+            <a:lvl5pPr marL="1828800" indent="0">
+              <a:buNone/>
+              <a:defRPr sz="1600" b="1"/>
+            </a:lvl5pPr>
+            <a:lvl6pPr marL="2286000" indent="0">
+              <a:buNone/>
+              <a:defRPr sz="1600" b="1"/>
+            </a:lvl6pPr>
+            <a:lvl7pPr marL="2743200" indent="0">
+              <a:buNone/>
+              <a:defRPr sz="1600" b="1"/>
+            </a:lvl7pPr>
+            <a:lvl8pPr marL="3200400" indent="0">
+              <a:buNone/>
+              <a:defRPr sz="1600" b="1"/>
+            </a:lvl8pPr>
+            <a:lvl9pPr marL="3657600" indent="0">
+              <a:buNone/>
+              <a:defRPr sz="1600" b="1"/>
+            </a:lvl9pPr>
+          </a:lstStyle>
+          <a:p>
+            <a:pPr lvl="0"/>
+            <a:r>
+              <a:rPr lang="de-DE"/>
+              <a:t>Mastertextformat bearbeiten</a:t>
+            </a:r>
+          </a:p>
+        </p:txBody>
+      </p:sp>
+      <p:sp>
+        <p:nvSpPr>
+          <p:cNvPr id="20" name="Picture Placeholder 2"/>
+          <p:cNvSpPr>
+            <a:spLocks noGrp="1" noChangeAspect="1"/>
+          </p:cNvSpPr>
+          <p:nvPr>
+            <p:ph type="pic" idx="15"/>
+          </p:nvPr>
+        </p:nvSpPr>
+        <p:spPr>
+          <a:xfrm>
+            <a:off x="1332085" y="2256354"/>
+            <a:ext cx="2940050" cy="1524000"/>
+          </a:xfrm>
+          <a:prstGeom prst="roundRect">
+            <a:avLst>
+              <a:gd name="adj" fmla="val 1858"/>
+            </a:avLst>
+          </a:prstGeom>
+          <a:effectLst>
+            <a:outerShdw blurRad="50800" dist="50800" dir="5400000" algn="tl" rotWithShape="0">
+              <a:srgbClr val="000000">
+                <a:alpha val="43000"/>
+              </a:srgbClr>
+            </a:outerShdw>
+          </a:effectLst>
+        </p:spPr>
+        <p:txBody>
+          <a:bodyPr anchor="t">
+            <a:normAutofit/>
+          </a:bodyPr>
+          <a:lstStyle>
+            <a:lvl1pPr marL="0" indent="0" algn="ctr">
+              <a:buNone/>
+              <a:defRPr sz="1600"/>
+            </a:lvl1pPr>
+            <a:lvl2pPr marL="457200" indent="0">
+              <a:buNone/>
+              <a:defRPr sz="1600"/>
+            </a:lvl2pPr>
+            <a:lvl3pPr marL="914400" indent="0">
+              <a:buNone/>
+              <a:defRPr sz="1600"/>
+            </a:lvl3pPr>
+            <a:lvl4pPr marL="1371600" indent="0">
+              <a:buNone/>
+              <a:defRPr sz="1600"/>
+            </a:lvl4pPr>
+            <a:lvl5pPr marL="1828800" indent="0">
+              <a:buNone/>
+              <a:defRPr sz="1600"/>
+            </a:lvl5pPr>
+            <a:lvl6pPr marL="2286000" indent="0">
+              <a:buNone/>
+              <a:defRPr sz="1600"/>
+            </a:lvl6pPr>
+            <a:lvl7pPr marL="2743200" indent="0">
+              <a:buNone/>
+              <a:defRPr sz="1600"/>
+            </a:lvl7pPr>
+            <a:lvl8pPr marL="3200400" indent="0">
+              <a:buNone/>
+              <a:defRPr sz="1600"/>
+            </a:lvl8pPr>
+            <a:lvl9pPr marL="3657600" indent="0">
+              <a:buNone/>
+              <a:defRPr sz="1600"/>
+            </a:lvl9pPr>
+          </a:lstStyle>
+          <a:p>
+            <a:r>
+              <a:rPr lang="de-DE"/>
+              <a:t>Bild durch Klicken auf Symbol hinzufügen</a:t>
+            </a:r>
+            <a:endParaRPr lang="en-US" dirty="0"/>
+          </a:p>
+        </p:txBody>
+      </p:sp>
+      <p:sp>
+        <p:nvSpPr>
+          <p:cNvPr id="21" name="Text Placeholder 3"/>
+          <p:cNvSpPr>
+            <a:spLocks noGrp="1"/>
+          </p:cNvSpPr>
+          <p:nvPr>
+            <p:ph type="body" sz="half" idx="18"/>
+          </p:nvPr>
+        </p:nvSpPr>
+        <p:spPr>
+          <a:xfrm>
+            <a:off x="1332085" y="4873765"/>
+            <a:ext cx="2940050" cy="659189"/>
+          </a:xfrm>
+        </p:spPr>
+        <p:txBody>
+          <a:bodyPr anchor="t">
+            <a:normAutofit/>
+          </a:bodyPr>
+          <a:lstStyle>
+            <a:lvl1pPr marL="0" indent="0">
+              <a:buNone/>
+              <a:defRPr sz="1400"/>
+            </a:lvl1pPr>
+            <a:lvl2pPr marL="457200" indent="0">
+              <a:buNone/>
+              <a:defRPr sz="1200"/>
+            </a:lvl2pPr>
+            <a:lvl3pPr marL="914400" indent="0">
+              <a:buNone/>
+              <a:defRPr sz="1000"/>
+            </a:lvl3pPr>
+            <a:lvl4pPr marL="1371600" indent="0">
+              <a:buNone/>
+              <a:defRPr sz="900"/>
+            </a:lvl4pPr>
+            <a:lvl5pPr marL="1828800" indent="0">
+              <a:buNone/>
+              <a:defRPr sz="900"/>
+            </a:lvl5pPr>
+            <a:lvl6pPr marL="2286000" indent="0">
+              <a:buNone/>
+              <a:defRPr sz="900"/>
+            </a:lvl6pPr>
+            <a:lvl7pPr marL="2743200" indent="0">
+              <a:buNone/>
+              <a:defRPr sz="900"/>
+            </a:lvl7pPr>
+            <a:lvl8pPr marL="3200400" indent="0">
+              <a:buNone/>
+              <a:defRPr sz="900"/>
+            </a:lvl8pPr>
+            <a:lvl9pPr marL="3657600" indent="0">
+              <a:buNone/>
+              <a:defRPr sz="900"/>
+            </a:lvl9pPr>
+          </a:lstStyle>
+          <a:p>
+            <a:pPr lvl="0"/>
+            <a:r>
+              <a:rPr lang="de-DE"/>
+              <a:t>Mastertextformat bearbeiten</a:t>
+            </a:r>
+          </a:p>
+        </p:txBody>
+      </p:sp>
+      <p:sp>
+        <p:nvSpPr>
+          <p:cNvPr id="22" name="Text Placeholder 4"/>
+          <p:cNvSpPr>
+            <a:spLocks noGrp="1"/>
+          </p:cNvSpPr>
+          <p:nvPr>
+            <p:ph type="body" sz="quarter" idx="3"/>
+          </p:nvPr>
+        </p:nvSpPr>
+        <p:spPr>
+          <a:xfrm>
+            <a:off x="4568997" y="4297503"/>
+            <a:ext cx="2930525" cy="576262"/>
+          </a:xfrm>
+        </p:spPr>
+        <p:txBody>
+          <a:bodyPr anchor="b">
+            <a:noAutofit/>
+          </a:bodyPr>
+          <a:lstStyle>
+            <a:lvl1pPr marL="0" indent="0">
+              <a:buNone/>
+              <a:defRPr sz="2400" b="0">
+                <a:gradFill>
+                  <a:gsLst>
+                    <a:gs pos="34000">
+                      <a:schemeClr val="tx1">
+                        <a:lumMod val="93000"/>
+                      </a:schemeClr>
+                    </a:gs>
+                    <a:gs pos="0">
+                      <a:schemeClr val="bg1">
+                        <a:lumMod val="41000"/>
+                        <a:lumOff val="59000"/>
+                      </a:schemeClr>
+                    </a:gs>
+                    <a:gs pos="100000">
+                      <a:schemeClr val="tx2">
+                        <a:lumMod val="0"/>
+                        <a:lumOff val="100000"/>
+                      </a:schemeClr>
+                    </a:gs>
+                  </a:gsLst>
+                  <a:lin ang="4800000" scaled="0"/>
+                </a:gradFill>
+              </a:defRPr>
+            </a:lvl1pPr>
+            <a:lvl2pPr marL="457200" indent="0">
+              <a:buNone/>
+              <a:defRPr sz="2000" b="1"/>
+            </a:lvl2pPr>
+            <a:lvl3pPr marL="914400" indent="0">
+              <a:buNone/>
+              <a:defRPr sz="1800" b="1"/>
+            </a:lvl3pPr>
+            <a:lvl4pPr marL="1371600" indent="0">
+              <a:buNone/>
+              <a:defRPr sz="1600" b="1"/>
+            </a:lvl4pPr>
+            <a:lvl5pPr marL="1828800" indent="0">
+              <a:buNone/>
+              <a:defRPr sz="1600" b="1"/>
+            </a:lvl5pPr>
+            <a:lvl6pPr marL="2286000" indent="0">
+              <a:buNone/>
+              <a:defRPr sz="1600" b="1"/>
+            </a:lvl6pPr>
+            <a:lvl7pPr marL="2743200" indent="0">
+              <a:buNone/>
+              <a:defRPr sz="1600" b="1"/>
+            </a:lvl7pPr>
+            <a:lvl8pPr marL="3200400" indent="0">
+              <a:buNone/>
+              <a:defRPr sz="1600" b="1"/>
+            </a:lvl8pPr>
+            <a:lvl9pPr marL="3657600" indent="0">
+              <a:buNone/>
+              <a:defRPr sz="1600" b="1"/>
+            </a:lvl9pPr>
+          </a:lstStyle>
+          <a:p>
+            <a:pPr lvl="0"/>
+            <a:r>
+              <a:rPr lang="de-DE"/>
+              <a:t>Mastertextformat bearbeiten</a:t>
+            </a:r>
+          </a:p>
+        </p:txBody>
+      </p:sp>
+      <p:sp>
+        <p:nvSpPr>
+          <p:cNvPr id="23" name="Picture Placeholder 2"/>
+          <p:cNvSpPr>
+            <a:spLocks noGrp="1" noChangeAspect="1"/>
+          </p:cNvSpPr>
+          <p:nvPr>
+            <p:ph type="pic" idx="21"/>
+          </p:nvPr>
+        </p:nvSpPr>
+        <p:spPr>
+          <a:xfrm>
+            <a:off x="4568996" y="2256354"/>
+            <a:ext cx="2930525" cy="1524000"/>
+          </a:xfrm>
+          <a:prstGeom prst="roundRect">
+            <a:avLst>
+              <a:gd name="adj" fmla="val 1858"/>
+            </a:avLst>
+          </a:prstGeom>
+          <a:effectLst>
+            <a:outerShdw blurRad="50800" dist="50800" dir="5400000" algn="tl" rotWithShape="0">
+              <a:srgbClr val="000000">
+                <a:alpha val="43000"/>
+              </a:srgbClr>
+            </a:outerShdw>
+          </a:effectLst>
+        </p:spPr>
+        <p:txBody>
+          <a:bodyPr anchor="t">
+            <a:normAutofit/>
+          </a:bodyPr>
+          <a:lstStyle>
+            <a:lvl1pPr marL="0" indent="0" algn="ctr">
+              <a:buNone/>
+              <a:defRPr sz="1600"/>
+            </a:lvl1pPr>
+            <a:lvl2pPr marL="457200" indent="0">
+              <a:buNone/>
+              <a:defRPr sz="1600"/>
+            </a:lvl2pPr>
+            <a:lvl3pPr marL="914400" indent="0">
+              <a:buNone/>
+              <a:defRPr sz="1600"/>
+            </a:lvl3pPr>
+            <a:lvl4pPr marL="1371600" indent="0">
+              <a:buNone/>
+              <a:defRPr sz="1600"/>
+            </a:lvl4pPr>
+            <a:lvl5pPr marL="1828800" indent="0">
+              <a:buNone/>
+              <a:defRPr sz="1600"/>
+            </a:lvl5pPr>
+            <a:lvl6pPr marL="2286000" indent="0">
+              <a:buNone/>
+              <a:defRPr sz="1600"/>
+            </a:lvl6pPr>
+            <a:lvl7pPr marL="2743200" indent="0">
+              <a:buNone/>
+              <a:defRPr sz="1600"/>
+            </a:lvl7pPr>
+            <a:lvl8pPr marL="3200400" indent="0">
+              <a:buNone/>
+              <a:defRPr sz="1600"/>
+            </a:lvl8pPr>
+            <a:lvl9pPr marL="3657600" indent="0">
+              <a:buNone/>
+              <a:defRPr sz="1600"/>
+            </a:lvl9pPr>
+          </a:lstStyle>
+          <a:p>
+            <a:r>
+              <a:rPr lang="de-DE"/>
+              <a:t>Bild durch Klicken auf Symbol hinzufügen</a:t>
+            </a:r>
+            <a:endParaRPr lang="en-US" dirty="0"/>
+          </a:p>
+        </p:txBody>
+      </p:sp>
+      <p:sp>
+        <p:nvSpPr>
+          <p:cNvPr id="24" name="Text Placeholder 3"/>
+          <p:cNvSpPr>
+            <a:spLocks noGrp="1"/>
+          </p:cNvSpPr>
+          <p:nvPr>
+            <p:ph type="body" sz="half" idx="19"/>
+          </p:nvPr>
+        </p:nvSpPr>
+        <p:spPr>
+          <a:xfrm>
+            <a:off x="4567644" y="4873764"/>
+            <a:ext cx="2934406" cy="659189"/>
+          </a:xfrm>
+        </p:spPr>
+        <p:txBody>
+          <a:bodyPr anchor="t">
+            <a:normAutofit/>
+          </a:bodyPr>
+          <a:lstStyle>
+            <a:lvl1pPr marL="0" indent="0">
+              <a:buNone/>
+              <a:defRPr sz="1400"/>
+            </a:lvl1pPr>
+            <a:lvl2pPr marL="457200" indent="0">
+              <a:buNone/>
+              <a:defRPr sz="1200"/>
+            </a:lvl2pPr>
+            <a:lvl3pPr marL="914400" indent="0">
+              <a:buNone/>
+              <a:defRPr sz="1000"/>
+            </a:lvl3pPr>
+            <a:lvl4pPr marL="1371600" indent="0">
+              <a:buNone/>
+              <a:defRPr sz="900"/>
+            </a:lvl4pPr>
+            <a:lvl5pPr marL="1828800" indent="0">
+              <a:buNone/>
+              <a:defRPr sz="900"/>
+            </a:lvl5pPr>
+            <a:lvl6pPr marL="2286000" indent="0">
+              <a:buNone/>
+              <a:defRPr sz="900"/>
+            </a:lvl6pPr>
+            <a:lvl7pPr marL="2743200" indent="0">
+              <a:buNone/>
+              <a:defRPr sz="900"/>
+            </a:lvl7pPr>
+            <a:lvl8pPr marL="3200400" indent="0">
+              <a:buNone/>
+              <a:defRPr sz="900"/>
+            </a:lvl8pPr>
+            <a:lvl9pPr marL="3657600" indent="0">
+              <a:buNone/>
+              <a:defRPr sz="900"/>
+            </a:lvl9pPr>
+          </a:lstStyle>
+          <a:p>
+            <a:pPr lvl="0"/>
+            <a:r>
+              <a:rPr lang="de-DE"/>
+              <a:t>Mastertextformat bearbeiten</a:t>
+            </a:r>
+          </a:p>
+        </p:txBody>
+      </p:sp>
+      <p:sp>
+        <p:nvSpPr>
+          <p:cNvPr id="25" name="Text Placeholder 4"/>
+          <p:cNvSpPr>
+            <a:spLocks noGrp="1"/>
+          </p:cNvSpPr>
+          <p:nvPr>
+            <p:ph type="body" sz="quarter" idx="13"/>
+          </p:nvPr>
+        </p:nvSpPr>
+        <p:spPr>
+          <a:xfrm>
+            <a:off x="7804322" y="4297503"/>
+            <a:ext cx="2932113" cy="576262"/>
+          </a:xfrm>
+        </p:spPr>
+        <p:txBody>
+          <a:bodyPr anchor="b">
+            <a:noAutofit/>
+          </a:bodyPr>
+          <a:lstStyle>
+            <a:lvl1pPr marL="0" indent="0">
+              <a:buNone/>
+              <a:defRPr sz="2400" b="0">
+                <a:gradFill>
+                  <a:gsLst>
+                    <a:gs pos="34000">
+                      <a:schemeClr val="tx1">
+                        <a:lumMod val="93000"/>
+                      </a:schemeClr>
+                    </a:gs>
+                    <a:gs pos="0">
+                      <a:schemeClr val="bg1">
+                        <a:lumMod val="41000"/>
+                        <a:lumOff val="59000"/>
+                      </a:schemeClr>
+                    </a:gs>
+                    <a:gs pos="100000">
+                      <a:schemeClr val="tx2">
+                        <a:lumMod val="0"/>
+                        <a:lumOff val="100000"/>
+                      </a:schemeClr>
+                    </a:gs>
+                  </a:gsLst>
+                  <a:lin ang="4800000" scaled="0"/>
+                </a:gradFill>
+              </a:defRPr>
+            </a:lvl1pPr>
+            <a:lvl2pPr marL="457200" indent="0">
+              <a:buNone/>
+              <a:defRPr sz="2000" b="1"/>
+            </a:lvl2pPr>
+            <a:lvl3pPr marL="914400" indent="0">
+              <a:buNone/>
+              <a:defRPr sz="1800" b="1"/>
+            </a:lvl3pPr>
+            <a:lvl4pPr marL="1371600" indent="0">
+              <a:buNone/>
+              <a:defRPr sz="1600" b="1"/>
+            </a:lvl4pPr>
+            <a:lvl5pPr marL="1828800" indent="0">
+              <a:buNone/>
+              <a:defRPr sz="1600" b="1"/>
+            </a:lvl5pPr>
+            <a:lvl6pPr marL="2286000" indent="0">
+              <a:buNone/>
+              <a:defRPr sz="1600" b="1"/>
+            </a:lvl6pPr>
+            <a:lvl7pPr marL="2743200" indent="0">
+              <a:buNone/>
+              <a:defRPr sz="1600" b="1"/>
+            </a:lvl7pPr>
+            <a:lvl8pPr marL="3200400" indent="0">
+              <a:buNone/>
+              <a:defRPr sz="1600" b="1"/>
+            </a:lvl8pPr>
+            <a:lvl9pPr marL="3657600" indent="0">
+              <a:buNone/>
+              <a:defRPr sz="1600" b="1"/>
+            </a:lvl9pPr>
+          </a:lstStyle>
+          <a:p>
+            <a:pPr lvl="0"/>
+            <a:r>
+              <a:rPr lang="de-DE"/>
+              <a:t>Mastertextformat bearbeiten</a:t>
+            </a:r>
+          </a:p>
+        </p:txBody>
+      </p:sp>
+      <p:sp>
+        <p:nvSpPr>
+          <p:cNvPr id="26" name="Picture Placeholder 2"/>
+          <p:cNvSpPr>
+            <a:spLocks noGrp="1" noChangeAspect="1"/>
+          </p:cNvSpPr>
+          <p:nvPr>
+            <p:ph type="pic" idx="22"/>
+          </p:nvPr>
+        </p:nvSpPr>
+        <p:spPr>
+          <a:xfrm>
+            <a:off x="7804321" y="2256354"/>
+            <a:ext cx="2932113" cy="1524000"/>
+          </a:xfrm>
+          <a:prstGeom prst="roundRect">
+            <a:avLst>
+              <a:gd name="adj" fmla="val 1858"/>
+            </a:avLst>
+          </a:prstGeom>
+          <a:effectLst>
+            <a:outerShdw blurRad="50800" dist="50800" dir="5400000" algn="tl" rotWithShape="0">
+              <a:srgbClr val="000000">
+                <a:alpha val="43000"/>
+              </a:srgbClr>
+            </a:outerShdw>
+          </a:effectLst>
+        </p:spPr>
+        <p:txBody>
+          <a:bodyPr anchor="t">
+            <a:normAutofit/>
+          </a:bodyPr>
+          <a:lstStyle>
+            <a:lvl1pPr marL="0" indent="0" algn="ctr">
+              <a:buNone/>
+              <a:defRPr sz="1600"/>
+            </a:lvl1pPr>
+            <a:lvl2pPr marL="457200" indent="0">
+              <a:buNone/>
+              <a:defRPr sz="1600"/>
+            </a:lvl2pPr>
+            <a:lvl3pPr marL="914400" indent="0">
+              <a:buNone/>
+              <a:defRPr sz="1600"/>
+            </a:lvl3pPr>
+            <a:lvl4pPr marL="1371600" indent="0">
+              <a:buNone/>
+              <a:defRPr sz="1600"/>
+            </a:lvl4pPr>
+            <a:lvl5pPr marL="1828800" indent="0">
+              <a:buNone/>
+              <a:defRPr sz="1600"/>
+            </a:lvl5pPr>
+            <a:lvl6pPr marL="2286000" indent="0">
+              <a:buNone/>
+              <a:defRPr sz="1600"/>
+            </a:lvl6pPr>
+            <a:lvl7pPr marL="2743200" indent="0">
+              <a:buNone/>
+              <a:defRPr sz="1600"/>
+            </a:lvl7pPr>
+            <a:lvl8pPr marL="3200400" indent="0">
+              <a:buNone/>
+              <a:defRPr sz="1600"/>
+            </a:lvl8pPr>
+            <a:lvl9pPr marL="3657600" indent="0">
+              <a:buNone/>
+              <a:defRPr sz="1600"/>
+            </a:lvl9pPr>
+          </a:lstStyle>
+          <a:p>
+            <a:r>
+              <a:rPr lang="de-DE"/>
+              <a:t>Bild durch Klicken auf Symbol hinzufügen</a:t>
+            </a:r>
+            <a:endParaRPr lang="en-US" dirty="0"/>
+          </a:p>
+        </p:txBody>
+      </p:sp>
+      <p:sp>
+        <p:nvSpPr>
+          <p:cNvPr id="27" name="Text Placeholder 3"/>
+          <p:cNvSpPr>
+            <a:spLocks noGrp="1"/>
+          </p:cNvSpPr>
+          <p:nvPr>
+            <p:ph type="body" sz="half" idx="20"/>
+          </p:nvPr>
+        </p:nvSpPr>
+        <p:spPr>
+          <a:xfrm>
+            <a:off x="7804197" y="4873762"/>
+            <a:ext cx="2935997" cy="659189"/>
+          </a:xfrm>
+        </p:spPr>
+        <p:txBody>
+          <a:bodyPr anchor="t">
+            <a:normAutofit/>
+          </a:bodyPr>
+          <a:lstStyle>
+            <a:lvl1pPr marL="0" indent="0">
+              <a:buNone/>
+              <a:defRPr sz="1400"/>
+            </a:lvl1pPr>
+            <a:lvl2pPr marL="457200" indent="0">
+              <a:buNone/>
+              <a:defRPr sz="1200"/>
+            </a:lvl2pPr>
+            <a:lvl3pPr marL="914400" indent="0">
+              <a:buNone/>
+              <a:defRPr sz="1000"/>
+            </a:lvl3pPr>
+            <a:lvl4pPr marL="1371600" indent="0">
+              <a:buNone/>
+              <a:defRPr sz="900"/>
+            </a:lvl4pPr>
+            <a:lvl5pPr marL="1828800" indent="0">
+              <a:buNone/>
+              <a:defRPr sz="900"/>
+            </a:lvl5pPr>
+            <a:lvl6pPr marL="2286000" indent="0">
+              <a:buNone/>
+              <a:defRPr sz="900"/>
+            </a:lvl6pPr>
+            <a:lvl7pPr marL="2743200" indent="0">
+              <a:buNone/>
+              <a:defRPr sz="900"/>
+            </a:lvl7pPr>
+            <a:lvl8pPr marL="3200400" indent="0">
+              <a:buNone/>
+              <a:defRPr sz="900"/>
+            </a:lvl8pPr>
+            <a:lvl9pPr marL="3657600" indent="0">
+              <a:buNone/>
+              <a:defRPr sz="900"/>
+            </a:lvl9pPr>
+          </a:lstStyle>
+          <a:p>
+            <a:pPr lvl="0"/>
+            <a:r>
+              <a:rPr lang="de-DE"/>
+              <a:t>Mastertextformat bearbeiten</a:t>
+            </a:r>
+          </a:p>
+        </p:txBody>
+      </p:sp>
+      <p:sp>
+        <p:nvSpPr>
+          <p:cNvPr id="3" name="Date Placeholder 2"/>
+          <p:cNvSpPr>
+            <a:spLocks noGrp="1"/>
+          </p:cNvSpPr>
+          <p:nvPr>
+            <p:ph type="dt" sz="half" idx="10"/>
+          </p:nvPr>
+        </p:nvSpPr>
+        <p:spPr/>
+        <p:txBody>
+          <a:bodyPr/>
+          <a:lstStyle/>
+          <a:p>
+            <a:fld id="{B01DF34C-C71B-4C66-BAEC-520F56FED4A4}" type="datetimeFigureOut">
+              <a:rPr lang="de-CH" smtClean="0"/>
+              <a:t>02.12.2018</a:t>
+            </a:fld>
+            <a:endParaRPr lang="de-CH"/>
+          </a:p>
+        </p:txBody>
+      </p:sp>
+      <p:sp>
+        <p:nvSpPr>
+          <p:cNvPr id="4" name="Footer Placeholder 3"/>
+          <p:cNvSpPr>
+            <a:spLocks noGrp="1"/>
+          </p:cNvSpPr>
+          <p:nvPr>
+            <p:ph type="ftr" sz="quarter" idx="11"/>
+          </p:nvPr>
+        </p:nvSpPr>
+        <p:spPr/>
+        <p:txBody>
+          <a:bodyPr/>
+          <a:lstStyle/>
+          <a:p>
+            <a:endParaRPr lang="de-CH"/>
+          </a:p>
+        </p:txBody>
+      </p:sp>
+      <p:sp>
+        <p:nvSpPr>
+          <p:cNvPr id="5" name="Slide Number Placeholder 4"/>
+          <p:cNvSpPr>
+            <a:spLocks noGrp="1"/>
+          </p:cNvSpPr>
+          <p:nvPr>
+            <p:ph type="sldNum" sz="quarter" idx="12"/>
+          </p:nvPr>
+        </p:nvSpPr>
+        <p:spPr/>
+        <p:txBody>
+          <a:bodyPr/>
+          <a:lstStyle/>
+          <a:p>
+            <a:fld id="{3C4A421A-EB0D-452B-A542-BA8617D71948}" type="slidenum">
+              <a:rPr lang="de-CH" smtClean="0"/>
+              <a:t>‹Nr.›</a:t>
+            </a:fld>
+            <a:endParaRPr lang="de-CH"/>
+          </a:p>
+        </p:txBody>
+      </p:sp>
+    </p:spTree>
+    <p:extLst>
+      <p:ext uri="{BB962C8B-B14F-4D97-AF65-F5344CB8AC3E}">
+        <p14:creationId xmlns:p14="http://schemas.microsoft.com/office/powerpoint/2010/main" val="1022596859"/>
+      </p:ext>
+    </p:extLst>
+  </p:cSld>
+  <p:clrMapOvr>
+    <a:masterClrMapping/>
+  </p:clrMapOvr>
+</p:sldLayout>
+</file>
+
+<file path=ppt/slideLayouts/slideLayout16.xml><?xml version="1.0" encoding="utf-8"?>
 <p:sldLayout xmlns:a="http://schemas.openxmlformats.org/drawingml/2006/main" xmlns:r="http://schemas.openxmlformats.org/officeDocument/2006/relationships" xmlns:p="http://schemas.openxmlformats.org/presentationml/2006/main" type="vertTx" preserve="1">
   <p:cSld name="Titel und vertikaler Text">
     <p:spTree>
@@ -360,13 +2899,7 @@
       </p:grpSpPr>
       <p:sp>
         <p:nvSpPr>
-          <p:cNvPr id="2" name="Titel 1">
-            <a:extLst>
-              <a:ext uri="{FF2B5EF4-FFF2-40B4-BE49-F238E27FC236}">
-                <a16:creationId xmlns:a16="http://schemas.microsoft.com/office/drawing/2014/main" id="{0BBC324D-BD95-4086-8442-EC67853B6656}"/>
-              </a:ext>
-            </a:extLst>
-          </p:cNvPr>
+          <p:cNvPr id="2" name="Title 1"/>
           <p:cNvSpPr>
             <a:spLocks noGrp="1"/>
           </p:cNvSpPr>
@@ -383,19 +2916,13 @@
               <a:rPr lang="de-DE"/>
               <a:t>Mastertitelformat bearbeiten</a:t>
             </a:r>
-            <a:endParaRPr lang="de-CH"/>
-          </a:p>
-        </p:txBody>
-      </p:sp>
-      <p:sp>
-        <p:nvSpPr>
-          <p:cNvPr id="3" name="Vertikaler Textplatzhalter 2">
-            <a:extLst>
-              <a:ext uri="{FF2B5EF4-FFF2-40B4-BE49-F238E27FC236}">
-                <a16:creationId xmlns:a16="http://schemas.microsoft.com/office/drawing/2014/main" id="{ED6B0993-EC61-4C93-A3C1-BD9B0766B01E}"/>
-              </a:ext>
-            </a:extLst>
-          </p:cNvPr>
+            <a:endParaRPr lang="en-US" dirty="0"/>
+          </a:p>
+        </p:txBody>
+      </p:sp>
+      <p:sp>
+        <p:nvSpPr>
+          <p:cNvPr id="3" name="Vertical Text Placeholder 2"/>
           <p:cNvSpPr>
             <a:spLocks noGrp="1"/>
           </p:cNvSpPr>
@@ -441,19 +2968,13 @@
               <a:rPr lang="de-DE"/>
               <a:t>Fünfte Ebene</a:t>
             </a:r>
-            <a:endParaRPr lang="de-CH"/>
-          </a:p>
-        </p:txBody>
-      </p:sp>
-      <p:sp>
-        <p:nvSpPr>
-          <p:cNvPr id="4" name="Datumsplatzhalter 3">
-            <a:extLst>
-              <a:ext uri="{FF2B5EF4-FFF2-40B4-BE49-F238E27FC236}">
-                <a16:creationId xmlns:a16="http://schemas.microsoft.com/office/drawing/2014/main" id="{1F5AC7C5-C65F-45EB-86E2-0AE458F966B5}"/>
-              </a:ext>
-            </a:extLst>
-          </p:cNvPr>
+            <a:endParaRPr lang="en-US" dirty="0"/>
+          </a:p>
+        </p:txBody>
+      </p:sp>
+      <p:sp>
+        <p:nvSpPr>
+          <p:cNvPr id="4" name="Date Placeholder 3"/>
           <p:cNvSpPr>
             <a:spLocks noGrp="1"/>
           </p:cNvSpPr>
@@ -476,13 +2997,7 @@
       </p:sp>
       <p:sp>
         <p:nvSpPr>
-          <p:cNvPr id="5" name="Fußzeilenplatzhalter 4">
-            <a:extLst>
-              <a:ext uri="{FF2B5EF4-FFF2-40B4-BE49-F238E27FC236}">
-                <a16:creationId xmlns:a16="http://schemas.microsoft.com/office/drawing/2014/main" id="{C6DE173E-643A-45B5-ABC7-131C28C32320}"/>
-              </a:ext>
-            </a:extLst>
-          </p:cNvPr>
+          <p:cNvPr id="5" name="Footer Placeholder 4"/>
           <p:cNvSpPr>
             <a:spLocks noGrp="1"/>
           </p:cNvSpPr>
@@ -501,13 +3016,7 @@
       </p:sp>
       <p:sp>
         <p:nvSpPr>
-          <p:cNvPr id="6" name="Foliennummernplatzhalter 5">
-            <a:extLst>
-              <a:ext uri="{FF2B5EF4-FFF2-40B4-BE49-F238E27FC236}">
-                <a16:creationId xmlns:a16="http://schemas.microsoft.com/office/drawing/2014/main" id="{950B1537-5E73-471F-BCB7-999853768FB0}"/>
-              </a:ext>
-            </a:extLst>
-          </p:cNvPr>
+          <p:cNvPr id="6" name="Slide Number Placeholder 5"/>
           <p:cNvSpPr>
             <a:spLocks noGrp="1"/>
           </p:cNvSpPr>
@@ -531,7 +3040,7 @@
     </p:spTree>
     <p:extLst>
       <p:ext uri="{BB962C8B-B14F-4D97-AF65-F5344CB8AC3E}">
-        <p14:creationId xmlns:p14="http://schemas.microsoft.com/office/powerpoint/2010/main" val="2392195334"/>
+        <p14:creationId xmlns:p14="http://schemas.microsoft.com/office/powerpoint/2010/main" val="1352681811"/>
       </p:ext>
     </p:extLst>
   </p:cSld>
@@ -541,7 +3050,7 @@
 </p:sldLayout>
 </file>
 
-<file path=ppt/slideLayouts/slideLayout11.xml><?xml version="1.0" encoding="utf-8"?>
+<file path=ppt/slideLayouts/slideLayout17.xml><?xml version="1.0" encoding="utf-8"?>
 <p:sldLayout xmlns:a="http://schemas.openxmlformats.org/drawingml/2006/main" xmlns:r="http://schemas.openxmlformats.org/officeDocument/2006/relationships" xmlns:p="http://schemas.openxmlformats.org/presentationml/2006/main" type="vertTitleAndTx" preserve="1">
   <p:cSld name="Vertikaler Titel und Text">
     <p:spTree>
@@ -560,13 +3069,7 @@
       </p:grpSpPr>
       <p:sp>
         <p:nvSpPr>
-          <p:cNvPr id="2" name="Vertikaler Titel 1">
-            <a:extLst>
-              <a:ext uri="{FF2B5EF4-FFF2-40B4-BE49-F238E27FC236}">
-                <a16:creationId xmlns:a16="http://schemas.microsoft.com/office/drawing/2014/main" id="{498556D6-C58A-43A7-BE13-A1E766E29858}"/>
-              </a:ext>
-            </a:extLst>
-          </p:cNvPr>
+          <p:cNvPr id="2" name="Vertical Title 1"/>
           <p:cNvSpPr>
             <a:spLocks noGrp="1"/>
           </p:cNvSpPr>
@@ -588,19 +3091,13 @@
               <a:rPr lang="de-DE"/>
               <a:t>Mastertitelformat bearbeiten</a:t>
             </a:r>
-            <a:endParaRPr lang="de-CH"/>
-          </a:p>
-        </p:txBody>
-      </p:sp>
-      <p:sp>
-        <p:nvSpPr>
-          <p:cNvPr id="3" name="Vertikaler Textplatzhalter 2">
-            <a:extLst>
-              <a:ext uri="{FF2B5EF4-FFF2-40B4-BE49-F238E27FC236}">
-                <a16:creationId xmlns:a16="http://schemas.microsoft.com/office/drawing/2014/main" id="{2A2DF567-D2A7-45D4-99F3-958A5A3A72FA}"/>
-              </a:ext>
-            </a:extLst>
-          </p:cNvPr>
+            <a:endParaRPr lang="en-US" dirty="0"/>
+          </a:p>
+        </p:txBody>
+      </p:sp>
+      <p:sp>
+        <p:nvSpPr>
+          <p:cNvPr id="3" name="Vertical Text Placeholder 2"/>
           <p:cNvSpPr>
             <a:spLocks noGrp="1"/>
           </p:cNvSpPr>
@@ -651,19 +3148,13 @@
               <a:rPr lang="de-DE"/>
               <a:t>Fünfte Ebene</a:t>
             </a:r>
-            <a:endParaRPr lang="de-CH"/>
-          </a:p>
-        </p:txBody>
-      </p:sp>
-      <p:sp>
-        <p:nvSpPr>
-          <p:cNvPr id="4" name="Datumsplatzhalter 3">
-            <a:extLst>
-              <a:ext uri="{FF2B5EF4-FFF2-40B4-BE49-F238E27FC236}">
-                <a16:creationId xmlns:a16="http://schemas.microsoft.com/office/drawing/2014/main" id="{79ECD214-8DE6-4968-A5D6-D62E2A8BC2F9}"/>
-              </a:ext>
-            </a:extLst>
-          </p:cNvPr>
+            <a:endParaRPr lang="en-US" dirty="0"/>
+          </a:p>
+        </p:txBody>
+      </p:sp>
+      <p:sp>
+        <p:nvSpPr>
+          <p:cNvPr id="4" name="Date Placeholder 3"/>
           <p:cNvSpPr>
             <a:spLocks noGrp="1"/>
           </p:cNvSpPr>
@@ -686,13 +3177,7 @@
       </p:sp>
       <p:sp>
         <p:nvSpPr>
-          <p:cNvPr id="5" name="Fußzeilenplatzhalter 4">
-            <a:extLst>
-              <a:ext uri="{FF2B5EF4-FFF2-40B4-BE49-F238E27FC236}">
-                <a16:creationId xmlns:a16="http://schemas.microsoft.com/office/drawing/2014/main" id="{9FDB7687-A7EE-4345-883B-E42AF1C7BFF8}"/>
-              </a:ext>
-            </a:extLst>
-          </p:cNvPr>
+          <p:cNvPr id="5" name="Footer Placeholder 4"/>
           <p:cNvSpPr>
             <a:spLocks noGrp="1"/>
           </p:cNvSpPr>
@@ -711,13 +3196,7 @@
       </p:sp>
       <p:sp>
         <p:nvSpPr>
-          <p:cNvPr id="6" name="Foliennummernplatzhalter 5">
-            <a:extLst>
-              <a:ext uri="{FF2B5EF4-FFF2-40B4-BE49-F238E27FC236}">
-                <a16:creationId xmlns:a16="http://schemas.microsoft.com/office/drawing/2014/main" id="{0B744E6B-BA84-417C-82CF-AB742F6BB4D1}"/>
-              </a:ext>
-            </a:extLst>
-          </p:cNvPr>
+          <p:cNvPr id="6" name="Slide Number Placeholder 5"/>
           <p:cNvSpPr>
             <a:spLocks noGrp="1"/>
           </p:cNvSpPr>
@@ -741,7 +3220,7 @@
     </p:spTree>
     <p:extLst>
       <p:ext uri="{BB962C8B-B14F-4D97-AF65-F5344CB8AC3E}">
-        <p14:creationId xmlns:p14="http://schemas.microsoft.com/office/powerpoint/2010/main" val="131343691"/>
+        <p14:creationId xmlns:p14="http://schemas.microsoft.com/office/powerpoint/2010/main" val="749740515"/>
       </p:ext>
     </p:extLst>
   </p:cSld>
@@ -770,13 +3249,7 @@
       </p:grpSpPr>
       <p:sp>
         <p:nvSpPr>
-          <p:cNvPr id="2" name="Titel 1">
-            <a:extLst>
-              <a:ext uri="{FF2B5EF4-FFF2-40B4-BE49-F238E27FC236}">
-                <a16:creationId xmlns:a16="http://schemas.microsoft.com/office/drawing/2014/main" id="{8D743362-F912-40A4-B099-841D019A089A}"/>
-              </a:ext>
-            </a:extLst>
-          </p:cNvPr>
+          <p:cNvPr id="8" name="Title 1"/>
           <p:cNvSpPr>
             <a:spLocks noGrp="1"/>
           </p:cNvSpPr>
@@ -793,19 +3266,13 @@
               <a:rPr lang="de-DE"/>
               <a:t>Mastertitelformat bearbeiten</a:t>
             </a:r>
-            <a:endParaRPr lang="de-CH"/>
-          </a:p>
-        </p:txBody>
-      </p:sp>
-      <p:sp>
-        <p:nvSpPr>
-          <p:cNvPr id="3" name="Inhaltsplatzhalter 2">
-            <a:extLst>
-              <a:ext uri="{FF2B5EF4-FFF2-40B4-BE49-F238E27FC236}">
-                <a16:creationId xmlns:a16="http://schemas.microsoft.com/office/drawing/2014/main" id="{CECF24BE-F1E6-4A6C-A4DB-054A5266B590}"/>
-              </a:ext>
-            </a:extLst>
-          </p:cNvPr>
+            <a:endParaRPr lang="en-US" dirty="0"/>
+          </a:p>
+        </p:txBody>
+      </p:sp>
+      <p:sp>
+        <p:nvSpPr>
+          <p:cNvPr id="3" name="Content Placeholder 2"/>
           <p:cNvSpPr>
             <a:spLocks noGrp="1"/>
           </p:cNvSpPr>
@@ -851,19 +3318,13 @@
               <a:rPr lang="de-DE"/>
               <a:t>Fünfte Ebene</a:t>
             </a:r>
-            <a:endParaRPr lang="de-CH"/>
-          </a:p>
-        </p:txBody>
-      </p:sp>
-      <p:sp>
-        <p:nvSpPr>
-          <p:cNvPr id="4" name="Datumsplatzhalter 3">
-            <a:extLst>
-              <a:ext uri="{FF2B5EF4-FFF2-40B4-BE49-F238E27FC236}">
-                <a16:creationId xmlns:a16="http://schemas.microsoft.com/office/drawing/2014/main" id="{1334D265-8BD6-4949-A646-4319F5E0D781}"/>
-              </a:ext>
-            </a:extLst>
-          </p:cNvPr>
+            <a:endParaRPr lang="en-US" dirty="0"/>
+          </a:p>
+        </p:txBody>
+      </p:sp>
+      <p:sp>
+        <p:nvSpPr>
+          <p:cNvPr id="4" name="Date Placeholder 3"/>
           <p:cNvSpPr>
             <a:spLocks noGrp="1"/>
           </p:cNvSpPr>
@@ -886,13 +3347,7 @@
       </p:sp>
       <p:sp>
         <p:nvSpPr>
-          <p:cNvPr id="5" name="Fußzeilenplatzhalter 4">
-            <a:extLst>
-              <a:ext uri="{FF2B5EF4-FFF2-40B4-BE49-F238E27FC236}">
-                <a16:creationId xmlns:a16="http://schemas.microsoft.com/office/drawing/2014/main" id="{5CDF5DDD-5DB9-451B-8C59-A3DE0402481E}"/>
-              </a:ext>
-            </a:extLst>
-          </p:cNvPr>
+          <p:cNvPr id="5" name="Footer Placeholder 4"/>
           <p:cNvSpPr>
             <a:spLocks noGrp="1"/>
           </p:cNvSpPr>
@@ -911,13 +3366,7 @@
       </p:sp>
       <p:sp>
         <p:nvSpPr>
-          <p:cNvPr id="6" name="Foliennummernplatzhalter 5">
-            <a:extLst>
-              <a:ext uri="{FF2B5EF4-FFF2-40B4-BE49-F238E27FC236}">
-                <a16:creationId xmlns:a16="http://schemas.microsoft.com/office/drawing/2014/main" id="{EF7749BC-CD34-4B03-A775-E3749E7B7C92}"/>
-              </a:ext>
-            </a:extLst>
-          </p:cNvPr>
+          <p:cNvPr id="6" name="Slide Number Placeholder 5"/>
           <p:cNvSpPr>
             <a:spLocks noGrp="1"/>
           </p:cNvSpPr>
@@ -941,7 +3390,7 @@
     </p:spTree>
     <p:extLst>
       <p:ext uri="{BB962C8B-B14F-4D97-AF65-F5344CB8AC3E}">
-        <p14:creationId xmlns:p14="http://schemas.microsoft.com/office/powerpoint/2010/main" val="2396417238"/>
+        <p14:creationId xmlns:p14="http://schemas.microsoft.com/office/powerpoint/2010/main" val="4276113513"/>
       </p:ext>
     </p:extLst>
   </p:cSld>
@@ -970,31 +3419,59 @@
       </p:grpSpPr>
       <p:sp>
         <p:nvSpPr>
-          <p:cNvPr id="2" name="Titel 1">
-            <a:extLst>
-              <a:ext uri="{FF2B5EF4-FFF2-40B4-BE49-F238E27FC236}">
-                <a16:creationId xmlns:a16="http://schemas.microsoft.com/office/drawing/2014/main" id="{531FDED1-C791-4635-A807-B67A9A9E3A0A}"/>
-              </a:ext>
-            </a:extLst>
-          </p:cNvPr>
-          <p:cNvSpPr>
-            <a:spLocks noGrp="1"/>
-          </p:cNvSpPr>
-          <p:nvPr>
-            <p:ph type="title"/>
+          <p:cNvPr id="7" name="Title 1"/>
+          <p:cNvSpPr>
+            <a:spLocks noGrp="1"/>
+          </p:cNvSpPr>
+          <p:nvPr>
+            <p:ph type="ctrTitle"/>
           </p:nvPr>
         </p:nvSpPr>
         <p:spPr>
           <a:xfrm>
-            <a:off x="831850" y="1709738"/>
-            <a:ext cx="10515600" cy="2852737"/>
+            <a:off x="854532" y="4464028"/>
+            <a:ext cx="9144000" cy="1641490"/>
           </a:xfrm>
         </p:spPr>
         <p:txBody>
-          <a:bodyPr anchor="b"/>
+          <a:bodyPr wrap="none" anchor="t">
+            <a:normAutofit/>
+          </a:bodyPr>
           <a:lstStyle>
-            <a:lvl1pPr>
-              <a:defRPr sz="6000"/>
+            <a:lvl1pPr algn="l">
+              <a:defRPr sz="9600" b="0" spc="-300">
+                <a:gradFill flip="none" rotWithShape="1">
+                  <a:gsLst>
+                    <a:gs pos="32000">
+                      <a:schemeClr val="tx1">
+                        <a:lumMod val="89000"/>
+                      </a:schemeClr>
+                    </a:gs>
+                    <a:gs pos="0">
+                      <a:schemeClr val="bg1">
+                        <a:lumMod val="32000"/>
+                        <a:lumOff val="68000"/>
+                      </a:schemeClr>
+                    </a:gs>
+                    <a:gs pos="100000">
+                      <a:schemeClr val="tx2">
+                        <a:lumMod val="0"/>
+                        <a:lumOff val="100000"/>
+                      </a:schemeClr>
+                    </a:gs>
+                  </a:gsLst>
+                  <a:lin ang="8100000" scaled="1"/>
+                  <a:tileRect/>
+                </a:gradFill>
+                <a:effectLst>
+                  <a:outerShdw blurRad="469900" dist="342900" dir="5400000" sy="-20000" rotWithShape="0">
+                    <a:prstClr val="black">
+                      <a:alpha val="66000"/>
+                    </a:prstClr>
+                  </a:outerShdw>
+                </a:effectLst>
+                <a:latin typeface="+mj-lt"/>
+              </a:defRPr>
             </a:lvl1pPr>
           </a:lstStyle>
           <a:p>
@@ -1002,144 +3479,109 @@
               <a:rPr lang="de-DE"/>
               <a:t>Mastertitelformat bearbeiten</a:t>
             </a:r>
-            <a:endParaRPr lang="de-CH"/>
-          </a:p>
-        </p:txBody>
-      </p:sp>
-      <p:sp>
-        <p:nvSpPr>
-          <p:cNvPr id="3" name="Textplatzhalter 2">
-            <a:extLst>
-              <a:ext uri="{FF2B5EF4-FFF2-40B4-BE49-F238E27FC236}">
-                <a16:creationId xmlns:a16="http://schemas.microsoft.com/office/drawing/2014/main" id="{F3830153-B5D7-4367-B20F-1D7FAF01C1C7}"/>
-              </a:ext>
-            </a:extLst>
-          </p:cNvPr>
-          <p:cNvSpPr>
-            <a:spLocks noGrp="1"/>
-          </p:cNvSpPr>
-          <p:nvPr>
-            <p:ph type="body" idx="1"/>
+            <a:endParaRPr lang="en-US" dirty="0"/>
+          </a:p>
+        </p:txBody>
+      </p:sp>
+      <p:sp>
+        <p:nvSpPr>
+          <p:cNvPr id="8" name="Subtitle 2"/>
+          <p:cNvSpPr>
+            <a:spLocks noGrp="1"/>
+          </p:cNvSpPr>
+          <p:nvPr>
+            <p:ph type="subTitle" idx="1"/>
           </p:nvPr>
         </p:nvSpPr>
         <p:spPr>
           <a:xfrm>
-            <a:off x="831850" y="4589463"/>
-            <a:ext cx="10515600" cy="1500187"/>
+            <a:off x="854532" y="3693674"/>
+            <a:ext cx="9144000" cy="754025"/>
           </a:xfrm>
         </p:spPr>
         <p:txBody>
-          <a:bodyPr/>
+          <a:bodyPr anchor="b">
+            <a:normAutofit/>
+          </a:bodyPr>
           <a:lstStyle>
-            <a:lvl1pPr marL="0" indent="0">
-              <a:buNone/>
-              <a:defRPr sz="2400">
-                <a:solidFill>
-                  <a:schemeClr val="tx1">
-                    <a:tint val="75000"/>
-                  </a:schemeClr>
-                </a:solidFill>
+            <a:lvl1pPr marL="0" indent="0" algn="l">
+              <a:buNone/>
+              <a:defRPr sz="3200" b="0">
+                <a:gradFill flip="none" rotWithShape="1">
+                  <a:gsLst>
+                    <a:gs pos="15000">
+                      <a:schemeClr val="tx2"/>
+                    </a:gs>
+                    <a:gs pos="73000">
+                      <a:schemeClr val="tx2">
+                        <a:lumMod val="60000"/>
+                        <a:lumOff val="40000"/>
+                      </a:schemeClr>
+                    </a:gs>
+                    <a:gs pos="0">
+                      <a:schemeClr val="tx2">
+                        <a:lumMod val="90000"/>
+                        <a:lumOff val="10000"/>
+                      </a:schemeClr>
+                    </a:gs>
+                    <a:gs pos="100000">
+                      <a:schemeClr val="tx2">
+                        <a:lumMod val="0"/>
+                        <a:lumOff val="100000"/>
+                      </a:schemeClr>
+                    </a:gs>
+                  </a:gsLst>
+                  <a:lin ang="16200000" scaled="1"/>
+                  <a:tileRect/>
+                </a:gradFill>
+                <a:latin typeface="+mj-lt"/>
               </a:defRPr>
             </a:lvl1pPr>
-            <a:lvl2pPr marL="457200" indent="0">
-              <a:buNone/>
-              <a:defRPr sz="2000">
-                <a:solidFill>
-                  <a:schemeClr val="tx1">
-                    <a:tint val="75000"/>
-                  </a:schemeClr>
-                </a:solidFill>
-              </a:defRPr>
+            <a:lvl2pPr marL="457200" indent="0" algn="ctr">
+              <a:buNone/>
+              <a:defRPr sz="2000"/>
             </a:lvl2pPr>
-            <a:lvl3pPr marL="914400" indent="0">
-              <a:buNone/>
-              <a:defRPr sz="1800">
-                <a:solidFill>
-                  <a:schemeClr val="tx1">
-                    <a:tint val="75000"/>
-                  </a:schemeClr>
-                </a:solidFill>
-              </a:defRPr>
+            <a:lvl3pPr marL="914400" indent="0" algn="ctr">
+              <a:buNone/>
+              <a:defRPr sz="1800"/>
             </a:lvl3pPr>
-            <a:lvl4pPr marL="1371600" indent="0">
-              <a:buNone/>
-              <a:defRPr sz="1600">
-                <a:solidFill>
-                  <a:schemeClr val="tx1">
-                    <a:tint val="75000"/>
-                  </a:schemeClr>
-                </a:solidFill>
-              </a:defRPr>
+            <a:lvl4pPr marL="1371600" indent="0" algn="ctr">
+              <a:buNone/>
+              <a:defRPr sz="1600"/>
             </a:lvl4pPr>
-            <a:lvl5pPr marL="1828800" indent="0">
-              <a:buNone/>
-              <a:defRPr sz="1600">
-                <a:solidFill>
-                  <a:schemeClr val="tx1">
-                    <a:tint val="75000"/>
-                  </a:schemeClr>
-                </a:solidFill>
-              </a:defRPr>
+            <a:lvl5pPr marL="1828800" indent="0" algn="ctr">
+              <a:buNone/>
+              <a:defRPr sz="1600"/>
             </a:lvl5pPr>
-            <a:lvl6pPr marL="2286000" indent="0">
-              <a:buNone/>
-              <a:defRPr sz="1600">
-                <a:solidFill>
-                  <a:schemeClr val="tx1">
-                    <a:tint val="75000"/>
-                  </a:schemeClr>
-                </a:solidFill>
-              </a:defRPr>
+            <a:lvl6pPr marL="2286000" indent="0" algn="ctr">
+              <a:buNone/>
+              <a:defRPr sz="1600"/>
             </a:lvl6pPr>
-            <a:lvl7pPr marL="2743200" indent="0">
-              <a:buNone/>
-              <a:defRPr sz="1600">
-                <a:solidFill>
-                  <a:schemeClr val="tx1">
-                    <a:tint val="75000"/>
-                  </a:schemeClr>
-                </a:solidFill>
-              </a:defRPr>
+            <a:lvl7pPr marL="2743200" indent="0" algn="ctr">
+              <a:buNone/>
+              <a:defRPr sz="1600"/>
             </a:lvl7pPr>
-            <a:lvl8pPr marL="3200400" indent="0">
-              <a:buNone/>
-              <a:defRPr sz="1600">
-                <a:solidFill>
-                  <a:schemeClr val="tx1">
-                    <a:tint val="75000"/>
-                  </a:schemeClr>
-                </a:solidFill>
-              </a:defRPr>
+            <a:lvl8pPr marL="3200400" indent="0" algn="ctr">
+              <a:buNone/>
+              <a:defRPr sz="1600"/>
             </a:lvl8pPr>
-            <a:lvl9pPr marL="3657600" indent="0">
-              <a:buNone/>
-              <a:defRPr sz="1600">
-                <a:solidFill>
-                  <a:schemeClr val="tx1">
-                    <a:tint val="75000"/>
-                  </a:schemeClr>
-                </a:solidFill>
-              </a:defRPr>
+            <a:lvl9pPr marL="3657600" indent="0" algn="ctr">
+              <a:buNone/>
+              <a:defRPr sz="1600"/>
             </a:lvl9pPr>
           </a:lstStyle>
           <a:p>
-            <a:pPr lvl="0"/>
-            <a:r>
-              <a:rPr lang="de-DE"/>
-              <a:t>Mastertextformat bearbeiten</a:t>
-            </a:r>
-          </a:p>
-        </p:txBody>
-      </p:sp>
-      <p:sp>
-        <p:nvSpPr>
-          <p:cNvPr id="4" name="Datumsplatzhalter 3">
-            <a:extLst>
-              <a:ext uri="{FF2B5EF4-FFF2-40B4-BE49-F238E27FC236}">
-                <a16:creationId xmlns:a16="http://schemas.microsoft.com/office/drawing/2014/main" id="{4302D04A-A061-4109-A318-D7E026F530E5}"/>
-              </a:ext>
-            </a:extLst>
-          </p:cNvPr>
+            <a:r>
+              <a:rPr lang="de-DE"/>
+              <a:t>Master-Untertitelformat bearbeiten</a:t>
+            </a:r>
+            <a:endParaRPr lang="en-US" dirty="0"/>
+          </a:p>
+        </p:txBody>
+      </p:sp>
+      <p:sp>
+        <p:nvSpPr>
+          <p:cNvPr id="4" name="Date Placeholder 3"/>
           <p:cNvSpPr>
             <a:spLocks noGrp="1"/>
           </p:cNvSpPr>
@@ -1162,13 +3604,7 @@
       </p:sp>
       <p:sp>
         <p:nvSpPr>
-          <p:cNvPr id="5" name="Fußzeilenplatzhalter 4">
-            <a:extLst>
-              <a:ext uri="{FF2B5EF4-FFF2-40B4-BE49-F238E27FC236}">
-                <a16:creationId xmlns:a16="http://schemas.microsoft.com/office/drawing/2014/main" id="{58D753D7-A5C9-4EE4-8BEC-2DAF4405C45F}"/>
-              </a:ext>
-            </a:extLst>
-          </p:cNvPr>
+          <p:cNvPr id="5" name="Footer Placeholder 4"/>
           <p:cNvSpPr>
             <a:spLocks noGrp="1"/>
           </p:cNvSpPr>
@@ -1187,13 +3623,7 @@
       </p:sp>
       <p:sp>
         <p:nvSpPr>
-          <p:cNvPr id="6" name="Foliennummernplatzhalter 5">
-            <a:extLst>
-              <a:ext uri="{FF2B5EF4-FFF2-40B4-BE49-F238E27FC236}">
-                <a16:creationId xmlns:a16="http://schemas.microsoft.com/office/drawing/2014/main" id="{26C84A61-DE0F-43D0-92FB-9FEB4073E89C}"/>
-              </a:ext>
-            </a:extLst>
-          </p:cNvPr>
+          <p:cNvPr id="6" name="Slide Number Placeholder 5"/>
           <p:cNvSpPr>
             <a:spLocks noGrp="1"/>
           </p:cNvSpPr>
@@ -1217,7 +3647,7 @@
     </p:spTree>
     <p:extLst>
       <p:ext uri="{BB962C8B-B14F-4D97-AF65-F5344CB8AC3E}">
-        <p14:creationId xmlns:p14="http://schemas.microsoft.com/office/powerpoint/2010/main" val="1929598987"/>
+        <p14:creationId xmlns:p14="http://schemas.microsoft.com/office/powerpoint/2010/main" val="2509871858"/>
       </p:ext>
     </p:extLst>
   </p:cSld>
@@ -1246,13 +3676,7 @@
       </p:grpSpPr>
       <p:sp>
         <p:nvSpPr>
-          <p:cNvPr id="2" name="Titel 1">
-            <a:extLst>
-              <a:ext uri="{FF2B5EF4-FFF2-40B4-BE49-F238E27FC236}">
-                <a16:creationId xmlns:a16="http://schemas.microsoft.com/office/drawing/2014/main" id="{E7A3CBFD-783E-4A90-A1F0-EB47DF298C7A}"/>
-              </a:ext>
-            </a:extLst>
-          </p:cNvPr>
+          <p:cNvPr id="2" name="Title 1"/>
           <p:cNvSpPr>
             <a:spLocks noGrp="1"/>
           </p:cNvSpPr>
@@ -1269,19 +3693,13 @@
               <a:rPr lang="de-DE"/>
               <a:t>Mastertitelformat bearbeiten</a:t>
             </a:r>
-            <a:endParaRPr lang="de-CH"/>
-          </a:p>
-        </p:txBody>
-      </p:sp>
-      <p:sp>
-        <p:nvSpPr>
-          <p:cNvPr id="3" name="Inhaltsplatzhalter 2">
-            <a:extLst>
-              <a:ext uri="{FF2B5EF4-FFF2-40B4-BE49-F238E27FC236}">
-                <a16:creationId xmlns:a16="http://schemas.microsoft.com/office/drawing/2014/main" id="{F3ECAFB6-1176-4521-BB00-E0CAEAD945D8}"/>
-              </a:ext>
-            </a:extLst>
-          </p:cNvPr>
+            <a:endParaRPr lang="en-US" dirty="0"/>
+          </a:p>
+        </p:txBody>
+      </p:sp>
+      <p:sp>
+        <p:nvSpPr>
+          <p:cNvPr id="3" name="Content Placeholder 2"/>
           <p:cNvSpPr>
             <a:spLocks noGrp="1"/>
           </p:cNvSpPr>
@@ -1291,8 +3709,8 @@
         </p:nvSpPr>
         <p:spPr>
           <a:xfrm>
-            <a:off x="838200" y="1825625"/>
-            <a:ext cx="5181600" cy="4351338"/>
+            <a:off x="1120000" y="1825625"/>
+            <a:ext cx="5025216" cy="4351338"/>
           </a:xfrm>
         </p:spPr>
         <p:txBody>
@@ -1332,19 +3750,13 @@
               <a:rPr lang="de-DE"/>
               <a:t>Fünfte Ebene</a:t>
             </a:r>
-            <a:endParaRPr lang="de-CH"/>
-          </a:p>
-        </p:txBody>
-      </p:sp>
-      <p:sp>
-        <p:nvSpPr>
-          <p:cNvPr id="4" name="Inhaltsplatzhalter 3">
-            <a:extLst>
-              <a:ext uri="{FF2B5EF4-FFF2-40B4-BE49-F238E27FC236}">
-                <a16:creationId xmlns:a16="http://schemas.microsoft.com/office/drawing/2014/main" id="{45B315E1-9DA4-43FC-BDB7-03A6F3265B68}"/>
-              </a:ext>
-            </a:extLst>
-          </p:cNvPr>
+            <a:endParaRPr lang="en-US" dirty="0"/>
+          </a:p>
+        </p:txBody>
+      </p:sp>
+      <p:sp>
+        <p:nvSpPr>
+          <p:cNvPr id="4" name="Content Placeholder 3"/>
           <p:cNvSpPr>
             <a:spLocks noGrp="1"/>
           </p:cNvSpPr>
@@ -1354,8 +3766,8 @@
         </p:nvSpPr>
         <p:spPr>
           <a:xfrm>
-            <a:off x="6172200" y="1825625"/>
-            <a:ext cx="5181600" cy="4351338"/>
+            <a:off x="6319840" y="1825625"/>
+            <a:ext cx="5033960" cy="4351338"/>
           </a:xfrm>
         </p:spPr>
         <p:txBody>
@@ -1395,19 +3807,13 @@
               <a:rPr lang="de-DE"/>
               <a:t>Fünfte Ebene</a:t>
             </a:r>
-            <a:endParaRPr lang="de-CH"/>
-          </a:p>
-        </p:txBody>
-      </p:sp>
-      <p:sp>
-        <p:nvSpPr>
-          <p:cNvPr id="5" name="Datumsplatzhalter 4">
-            <a:extLst>
-              <a:ext uri="{FF2B5EF4-FFF2-40B4-BE49-F238E27FC236}">
-                <a16:creationId xmlns:a16="http://schemas.microsoft.com/office/drawing/2014/main" id="{75E34010-5192-497F-B81B-238321E5C60E}"/>
-              </a:ext>
-            </a:extLst>
-          </p:cNvPr>
+            <a:endParaRPr lang="en-US" dirty="0"/>
+          </a:p>
+        </p:txBody>
+      </p:sp>
+      <p:sp>
+        <p:nvSpPr>
+          <p:cNvPr id="5" name="Date Placeholder 4"/>
           <p:cNvSpPr>
             <a:spLocks noGrp="1"/>
           </p:cNvSpPr>
@@ -1430,13 +3836,7 @@
       </p:sp>
       <p:sp>
         <p:nvSpPr>
-          <p:cNvPr id="6" name="Fußzeilenplatzhalter 5">
-            <a:extLst>
-              <a:ext uri="{FF2B5EF4-FFF2-40B4-BE49-F238E27FC236}">
-                <a16:creationId xmlns:a16="http://schemas.microsoft.com/office/drawing/2014/main" id="{3D31D515-FD9D-4937-868E-314C708E725F}"/>
-              </a:ext>
-            </a:extLst>
-          </p:cNvPr>
+          <p:cNvPr id="6" name="Footer Placeholder 5"/>
           <p:cNvSpPr>
             <a:spLocks noGrp="1"/>
           </p:cNvSpPr>
@@ -1455,13 +3855,7 @@
       </p:sp>
       <p:sp>
         <p:nvSpPr>
-          <p:cNvPr id="7" name="Foliennummernplatzhalter 6">
-            <a:extLst>
-              <a:ext uri="{FF2B5EF4-FFF2-40B4-BE49-F238E27FC236}">
-                <a16:creationId xmlns:a16="http://schemas.microsoft.com/office/drawing/2014/main" id="{1B3F3F14-7709-40C0-8195-44119B70518A}"/>
-              </a:ext>
-            </a:extLst>
-          </p:cNvPr>
+          <p:cNvPr id="7" name="Slide Number Placeholder 6"/>
           <p:cNvSpPr>
             <a:spLocks noGrp="1"/>
           </p:cNvSpPr>
@@ -1485,7 +3879,7 @@
     </p:spTree>
     <p:extLst>
       <p:ext uri="{BB962C8B-B14F-4D97-AF65-F5344CB8AC3E}">
-        <p14:creationId xmlns:p14="http://schemas.microsoft.com/office/powerpoint/2010/main" val="3421748792"/>
+        <p14:creationId xmlns:p14="http://schemas.microsoft.com/office/powerpoint/2010/main" val="3638355441"/>
       </p:ext>
     </p:extLst>
   </p:cSld>
@@ -1514,13 +3908,7 @@
       </p:grpSpPr>
       <p:sp>
         <p:nvSpPr>
-          <p:cNvPr id="2" name="Titel 1">
-            <a:extLst>
-              <a:ext uri="{FF2B5EF4-FFF2-40B4-BE49-F238E27FC236}">
-                <a16:creationId xmlns:a16="http://schemas.microsoft.com/office/drawing/2014/main" id="{FC538346-1379-4DFB-B85B-59CDC33BD007}"/>
-              </a:ext>
-            </a:extLst>
-          </p:cNvPr>
+          <p:cNvPr id="2" name="Title 1"/>
           <p:cNvSpPr>
             <a:spLocks noGrp="1"/>
           </p:cNvSpPr>
@@ -1542,19 +3930,13 @@
               <a:rPr lang="de-DE"/>
               <a:t>Mastertitelformat bearbeiten</a:t>
             </a:r>
-            <a:endParaRPr lang="de-CH"/>
-          </a:p>
-        </p:txBody>
-      </p:sp>
-      <p:sp>
-        <p:nvSpPr>
-          <p:cNvPr id="3" name="Textplatzhalter 2">
-            <a:extLst>
-              <a:ext uri="{FF2B5EF4-FFF2-40B4-BE49-F238E27FC236}">
-                <a16:creationId xmlns:a16="http://schemas.microsoft.com/office/drawing/2014/main" id="{EC69903F-9DEE-4E35-AD8A-EEDFC2B85A8E}"/>
-              </a:ext>
-            </a:extLst>
-          </p:cNvPr>
+            <a:endParaRPr lang="en-US" dirty="0"/>
+          </a:p>
+        </p:txBody>
+      </p:sp>
+      <p:sp>
+        <p:nvSpPr>
+          <p:cNvPr id="3" name="Text Placeholder 2"/>
           <p:cNvSpPr>
             <a:spLocks noGrp="1"/>
           </p:cNvSpPr>
@@ -1564,8 +3946,8 @@
         </p:nvSpPr>
         <p:spPr>
           <a:xfrm>
-            <a:off x="839788" y="1681163"/>
-            <a:ext cx="5157787" cy="823912"/>
+            <a:off x="1120000" y="1681163"/>
+            <a:ext cx="5025216" cy="823912"/>
           </a:xfrm>
         </p:spPr>
         <p:txBody>
@@ -1573,7 +3955,34 @@
           <a:lstStyle>
             <a:lvl1pPr marL="0" indent="0">
               <a:buNone/>
-              <a:defRPr sz="2400" b="1"/>
+              <a:defRPr sz="2400" b="0">
+                <a:gradFill>
+                  <a:gsLst>
+                    <a:gs pos="15000">
+                      <a:schemeClr val="tx2"/>
+                    </a:gs>
+                    <a:gs pos="73000">
+                      <a:schemeClr val="tx2">
+                        <a:lumMod val="60000"/>
+                        <a:lumOff val="40000"/>
+                      </a:schemeClr>
+                    </a:gs>
+                    <a:gs pos="0">
+                      <a:schemeClr val="tx2">
+                        <a:lumMod val="90000"/>
+                        <a:lumOff val="10000"/>
+                      </a:schemeClr>
+                    </a:gs>
+                    <a:gs pos="100000">
+                      <a:schemeClr val="tx2">
+                        <a:lumMod val="0"/>
+                        <a:lumOff val="100000"/>
+                      </a:schemeClr>
+                    </a:gs>
+                  </a:gsLst>
+                  <a:lin ang="16200000" scaled="1"/>
+                </a:gradFill>
+              </a:defRPr>
             </a:lvl1pPr>
             <a:lvl2pPr marL="457200" indent="0">
               <a:buNone/>
@@ -1619,13 +4028,7 @@
       </p:sp>
       <p:sp>
         <p:nvSpPr>
-          <p:cNvPr id="4" name="Inhaltsplatzhalter 3">
-            <a:extLst>
-              <a:ext uri="{FF2B5EF4-FFF2-40B4-BE49-F238E27FC236}">
-                <a16:creationId xmlns:a16="http://schemas.microsoft.com/office/drawing/2014/main" id="{CE429DD9-CD11-48D5-8BB5-C893D2CB9D65}"/>
-              </a:ext>
-            </a:extLst>
-          </p:cNvPr>
+          <p:cNvPr id="4" name="Content Placeholder 3"/>
           <p:cNvSpPr>
             <a:spLocks noGrp="1"/>
           </p:cNvSpPr>
@@ -1635,8 +4038,8 @@
         </p:nvSpPr>
         <p:spPr>
           <a:xfrm>
-            <a:off x="839788" y="2505075"/>
-            <a:ext cx="5157787" cy="3684588"/>
+            <a:off x="1120000" y="2505075"/>
+            <a:ext cx="5025216" cy="3684588"/>
           </a:xfrm>
         </p:spPr>
         <p:txBody>
@@ -1676,19 +4079,13 @@
               <a:rPr lang="de-DE"/>
               <a:t>Fünfte Ebene</a:t>
             </a:r>
-            <a:endParaRPr lang="de-CH"/>
-          </a:p>
-        </p:txBody>
-      </p:sp>
-      <p:sp>
-        <p:nvSpPr>
-          <p:cNvPr id="5" name="Textplatzhalter 4">
-            <a:extLst>
-              <a:ext uri="{FF2B5EF4-FFF2-40B4-BE49-F238E27FC236}">
-                <a16:creationId xmlns:a16="http://schemas.microsoft.com/office/drawing/2014/main" id="{16241BE8-4940-46A1-87B1-6F037D3B7835}"/>
-              </a:ext>
-            </a:extLst>
-          </p:cNvPr>
+            <a:endParaRPr lang="en-US" dirty="0"/>
+          </a:p>
+        </p:txBody>
+      </p:sp>
+      <p:sp>
+        <p:nvSpPr>
+          <p:cNvPr id="5" name="Text Placeholder 4"/>
           <p:cNvSpPr>
             <a:spLocks noGrp="1"/>
           </p:cNvSpPr>
@@ -1698,52 +4095,51 @@
         </p:nvSpPr>
         <p:spPr>
           <a:xfrm>
-            <a:off x="6172200" y="1681163"/>
-            <a:ext cx="5183188" cy="823912"/>
+            <a:off x="6319840" y="1681163"/>
+            <a:ext cx="5035548" cy="823912"/>
           </a:xfrm>
         </p:spPr>
         <p:txBody>
-          <a:bodyPr anchor="b"/>
+          <a:bodyPr vert="horz" lIns="91440" tIns="45720" rIns="91440" bIns="45720" rtlCol="0" anchor="b">
+            <a:normAutofit/>
+          </a:bodyPr>
           <a:lstStyle>
-            <a:lvl1pPr marL="0" indent="0">
-              <a:buNone/>
-              <a:defRPr sz="2400" b="1"/>
+            <a:lvl1pPr>
+              <a:buNone/>
+              <a:defRPr lang="en-US" sz="2400" b="0">
+                <a:gradFill>
+                  <a:gsLst>
+                    <a:gs pos="15000">
+                      <a:schemeClr val="tx2"/>
+                    </a:gs>
+                    <a:gs pos="73000">
+                      <a:schemeClr val="tx2">
+                        <a:lumMod val="60000"/>
+                        <a:lumOff val="40000"/>
+                      </a:schemeClr>
+                    </a:gs>
+                    <a:gs pos="0">
+                      <a:schemeClr val="tx2">
+                        <a:lumMod val="90000"/>
+                        <a:lumOff val="10000"/>
+                      </a:schemeClr>
+                    </a:gs>
+                    <a:gs pos="100000">
+                      <a:schemeClr val="tx2">
+                        <a:lumMod val="0"/>
+                        <a:lumOff val="100000"/>
+                      </a:schemeClr>
+                    </a:gs>
+                  </a:gsLst>
+                  <a:lin ang="16200000" scaled="1"/>
+                </a:gradFill>
+              </a:defRPr>
             </a:lvl1pPr>
-            <a:lvl2pPr marL="457200" indent="0">
-              <a:buNone/>
-              <a:defRPr sz="2000" b="1"/>
-            </a:lvl2pPr>
-            <a:lvl3pPr marL="914400" indent="0">
-              <a:buNone/>
-              <a:defRPr sz="1800" b="1"/>
-            </a:lvl3pPr>
-            <a:lvl4pPr marL="1371600" indent="0">
-              <a:buNone/>
-              <a:defRPr sz="1600" b="1"/>
-            </a:lvl4pPr>
-            <a:lvl5pPr marL="1828800" indent="0">
-              <a:buNone/>
-              <a:defRPr sz="1600" b="1"/>
-            </a:lvl5pPr>
-            <a:lvl6pPr marL="2286000" indent="0">
-              <a:buNone/>
-              <a:defRPr sz="1600" b="1"/>
-            </a:lvl6pPr>
-            <a:lvl7pPr marL="2743200" indent="0">
-              <a:buNone/>
-              <a:defRPr sz="1600" b="1"/>
-            </a:lvl7pPr>
-            <a:lvl8pPr marL="3200400" indent="0">
-              <a:buNone/>
-              <a:defRPr sz="1600" b="1"/>
-            </a:lvl8pPr>
-            <a:lvl9pPr marL="3657600" indent="0">
-              <a:buNone/>
-              <a:defRPr sz="1600" b="1"/>
-            </a:lvl9pPr>
           </a:lstStyle>
           <a:p>
-            <a:pPr lvl="0"/>
+            <a:pPr marL="0" lvl="0" indent="0">
+              <a:buNone/>
+            </a:pPr>
             <a:r>
               <a:rPr lang="de-DE"/>
               <a:t>Mastertextformat bearbeiten</a:t>
@@ -1753,13 +4149,7 @@
       </p:sp>
       <p:sp>
         <p:nvSpPr>
-          <p:cNvPr id="6" name="Inhaltsplatzhalter 5">
-            <a:extLst>
-              <a:ext uri="{FF2B5EF4-FFF2-40B4-BE49-F238E27FC236}">
-                <a16:creationId xmlns:a16="http://schemas.microsoft.com/office/drawing/2014/main" id="{5A579175-1BAF-4D19-9C52-6194FF1A8699}"/>
-              </a:ext>
-            </a:extLst>
-          </p:cNvPr>
+          <p:cNvPr id="6" name="Content Placeholder 5"/>
           <p:cNvSpPr>
             <a:spLocks noGrp="1"/>
           </p:cNvSpPr>
@@ -1769,8 +4159,8 @@
         </p:nvSpPr>
         <p:spPr>
           <a:xfrm>
-            <a:off x="6172200" y="2505075"/>
-            <a:ext cx="5183188" cy="3684588"/>
+            <a:off x="6319840" y="2505075"/>
+            <a:ext cx="5035548" cy="3684588"/>
           </a:xfrm>
         </p:spPr>
         <p:txBody>
@@ -1810,19 +4200,13 @@
               <a:rPr lang="de-DE"/>
               <a:t>Fünfte Ebene</a:t>
             </a:r>
-            <a:endParaRPr lang="de-CH"/>
-          </a:p>
-        </p:txBody>
-      </p:sp>
-      <p:sp>
-        <p:nvSpPr>
-          <p:cNvPr id="7" name="Datumsplatzhalter 6">
-            <a:extLst>
-              <a:ext uri="{FF2B5EF4-FFF2-40B4-BE49-F238E27FC236}">
-                <a16:creationId xmlns:a16="http://schemas.microsoft.com/office/drawing/2014/main" id="{AF5AB25A-E347-4CA3-8574-C46CC8BE3407}"/>
-              </a:ext>
-            </a:extLst>
-          </p:cNvPr>
+            <a:endParaRPr lang="en-US" dirty="0"/>
+          </a:p>
+        </p:txBody>
+      </p:sp>
+      <p:sp>
+        <p:nvSpPr>
+          <p:cNvPr id="7" name="Date Placeholder 6"/>
           <p:cNvSpPr>
             <a:spLocks noGrp="1"/>
           </p:cNvSpPr>
@@ -1845,13 +4229,7 @@
       </p:sp>
       <p:sp>
         <p:nvSpPr>
-          <p:cNvPr id="8" name="Fußzeilenplatzhalter 7">
-            <a:extLst>
-              <a:ext uri="{FF2B5EF4-FFF2-40B4-BE49-F238E27FC236}">
-                <a16:creationId xmlns:a16="http://schemas.microsoft.com/office/drawing/2014/main" id="{066F150D-14AE-4E14-AE48-408C44990FF7}"/>
-              </a:ext>
-            </a:extLst>
-          </p:cNvPr>
+          <p:cNvPr id="8" name="Footer Placeholder 7"/>
           <p:cNvSpPr>
             <a:spLocks noGrp="1"/>
           </p:cNvSpPr>
@@ -1870,13 +4248,7 @@
       </p:sp>
       <p:sp>
         <p:nvSpPr>
-          <p:cNvPr id="9" name="Foliennummernplatzhalter 8">
-            <a:extLst>
-              <a:ext uri="{FF2B5EF4-FFF2-40B4-BE49-F238E27FC236}">
-                <a16:creationId xmlns:a16="http://schemas.microsoft.com/office/drawing/2014/main" id="{E8A78590-EAC7-4F4F-9BE9-2F75B9A4A6AD}"/>
-              </a:ext>
-            </a:extLst>
-          </p:cNvPr>
+          <p:cNvPr id="9" name="Slide Number Placeholder 8"/>
           <p:cNvSpPr>
             <a:spLocks noGrp="1"/>
           </p:cNvSpPr>
@@ -1900,7 +4272,7 @@
     </p:spTree>
     <p:extLst>
       <p:ext uri="{BB962C8B-B14F-4D97-AF65-F5344CB8AC3E}">
-        <p14:creationId xmlns:p14="http://schemas.microsoft.com/office/powerpoint/2010/main" val="3593504027"/>
+        <p14:creationId xmlns:p14="http://schemas.microsoft.com/office/powerpoint/2010/main" val="2546197215"/>
       </p:ext>
     </p:extLst>
   </p:cSld>
@@ -1929,13 +4301,7 @@
       </p:grpSpPr>
       <p:sp>
         <p:nvSpPr>
-          <p:cNvPr id="2" name="Titel 1">
-            <a:extLst>
-              <a:ext uri="{FF2B5EF4-FFF2-40B4-BE49-F238E27FC236}">
-                <a16:creationId xmlns:a16="http://schemas.microsoft.com/office/drawing/2014/main" id="{FED4A9F1-C5F1-43CE-9853-3BB21F9B18C3}"/>
-              </a:ext>
-            </a:extLst>
-          </p:cNvPr>
+          <p:cNvPr id="2" name="Title 1"/>
           <p:cNvSpPr>
             <a:spLocks noGrp="1"/>
           </p:cNvSpPr>
@@ -1952,19 +4318,13 @@
               <a:rPr lang="de-DE"/>
               <a:t>Mastertitelformat bearbeiten</a:t>
             </a:r>
-            <a:endParaRPr lang="de-CH"/>
-          </a:p>
-        </p:txBody>
-      </p:sp>
-      <p:sp>
-        <p:nvSpPr>
-          <p:cNvPr id="3" name="Datumsplatzhalter 2">
-            <a:extLst>
-              <a:ext uri="{FF2B5EF4-FFF2-40B4-BE49-F238E27FC236}">
-                <a16:creationId xmlns:a16="http://schemas.microsoft.com/office/drawing/2014/main" id="{43A66293-6F78-4317-86DC-15222C3FFA3C}"/>
-              </a:ext>
-            </a:extLst>
-          </p:cNvPr>
+            <a:endParaRPr lang="en-US" dirty="0"/>
+          </a:p>
+        </p:txBody>
+      </p:sp>
+      <p:sp>
+        <p:nvSpPr>
+          <p:cNvPr id="3" name="Date Placeholder 2"/>
           <p:cNvSpPr>
             <a:spLocks noGrp="1"/>
           </p:cNvSpPr>
@@ -1987,13 +4347,7 @@
       </p:sp>
       <p:sp>
         <p:nvSpPr>
-          <p:cNvPr id="4" name="Fußzeilenplatzhalter 3">
-            <a:extLst>
-              <a:ext uri="{FF2B5EF4-FFF2-40B4-BE49-F238E27FC236}">
-                <a16:creationId xmlns:a16="http://schemas.microsoft.com/office/drawing/2014/main" id="{85D6ABE2-BF07-4FE8-A5EC-F55EFCCB1027}"/>
-              </a:ext>
-            </a:extLst>
-          </p:cNvPr>
+          <p:cNvPr id="4" name="Footer Placeholder 3"/>
           <p:cNvSpPr>
             <a:spLocks noGrp="1"/>
           </p:cNvSpPr>
@@ -2012,13 +4366,7 @@
       </p:sp>
       <p:sp>
         <p:nvSpPr>
-          <p:cNvPr id="5" name="Foliennummernplatzhalter 4">
-            <a:extLst>
-              <a:ext uri="{FF2B5EF4-FFF2-40B4-BE49-F238E27FC236}">
-                <a16:creationId xmlns:a16="http://schemas.microsoft.com/office/drawing/2014/main" id="{382DD07D-464C-4D78-8340-1966A88F6C10}"/>
-              </a:ext>
-            </a:extLst>
-          </p:cNvPr>
+          <p:cNvPr id="5" name="Slide Number Placeholder 4"/>
           <p:cNvSpPr>
             <a:spLocks noGrp="1"/>
           </p:cNvSpPr>
@@ -2042,7 +4390,7 @@
     </p:spTree>
     <p:extLst>
       <p:ext uri="{BB962C8B-B14F-4D97-AF65-F5344CB8AC3E}">
-        <p14:creationId xmlns:p14="http://schemas.microsoft.com/office/powerpoint/2010/main" val="1895992150"/>
+        <p14:creationId xmlns:p14="http://schemas.microsoft.com/office/powerpoint/2010/main" val="4132064148"/>
       </p:ext>
     </p:extLst>
   </p:cSld>
@@ -2071,13 +4419,7 @@
       </p:grpSpPr>
       <p:sp>
         <p:nvSpPr>
-          <p:cNvPr id="2" name="Datumsplatzhalter 1">
-            <a:extLst>
-              <a:ext uri="{FF2B5EF4-FFF2-40B4-BE49-F238E27FC236}">
-                <a16:creationId xmlns:a16="http://schemas.microsoft.com/office/drawing/2014/main" id="{9B94E037-157D-4422-9414-AE707529076A}"/>
-              </a:ext>
-            </a:extLst>
-          </p:cNvPr>
+          <p:cNvPr id="2" name="Date Placeholder 1"/>
           <p:cNvSpPr>
             <a:spLocks noGrp="1"/>
           </p:cNvSpPr>
@@ -2100,13 +4442,7 @@
       </p:sp>
       <p:sp>
         <p:nvSpPr>
-          <p:cNvPr id="3" name="Fußzeilenplatzhalter 2">
-            <a:extLst>
-              <a:ext uri="{FF2B5EF4-FFF2-40B4-BE49-F238E27FC236}">
-                <a16:creationId xmlns:a16="http://schemas.microsoft.com/office/drawing/2014/main" id="{D9A60491-C770-46F9-9A63-DD8ACAD7488C}"/>
-              </a:ext>
-            </a:extLst>
-          </p:cNvPr>
+          <p:cNvPr id="3" name="Footer Placeholder 2"/>
           <p:cNvSpPr>
             <a:spLocks noGrp="1"/>
           </p:cNvSpPr>
@@ -2125,13 +4461,7 @@
       </p:sp>
       <p:sp>
         <p:nvSpPr>
-          <p:cNvPr id="4" name="Foliennummernplatzhalter 3">
-            <a:extLst>
-              <a:ext uri="{FF2B5EF4-FFF2-40B4-BE49-F238E27FC236}">
-                <a16:creationId xmlns:a16="http://schemas.microsoft.com/office/drawing/2014/main" id="{491396A0-80BF-4D8E-9098-39D937A9B846}"/>
-              </a:ext>
-            </a:extLst>
-          </p:cNvPr>
+          <p:cNvPr id="4" name="Slide Number Placeholder 3"/>
           <p:cNvSpPr>
             <a:spLocks noGrp="1"/>
           </p:cNvSpPr>
@@ -2155,7 +4485,7 @@
     </p:spTree>
     <p:extLst>
       <p:ext uri="{BB962C8B-B14F-4D97-AF65-F5344CB8AC3E}">
-        <p14:creationId xmlns:p14="http://schemas.microsoft.com/office/powerpoint/2010/main" val="2396372312"/>
+        <p14:creationId xmlns:p14="http://schemas.microsoft.com/office/powerpoint/2010/main" val="189611475"/>
       </p:ext>
     </p:extLst>
   </p:cSld>
@@ -2184,13 +4514,7 @@
       </p:grpSpPr>
       <p:sp>
         <p:nvSpPr>
-          <p:cNvPr id="2" name="Titel 1">
-            <a:extLst>
-              <a:ext uri="{FF2B5EF4-FFF2-40B4-BE49-F238E27FC236}">
-                <a16:creationId xmlns:a16="http://schemas.microsoft.com/office/drawing/2014/main" id="{FB85CFA1-FAAD-44C0-A747-3E710519A040}"/>
-              </a:ext>
-            </a:extLst>
-          </p:cNvPr>
+          <p:cNvPr id="2" name="Title 1"/>
           <p:cNvSpPr>
             <a:spLocks noGrp="1"/>
           </p:cNvSpPr>
@@ -2216,19 +4540,13 @@
               <a:rPr lang="de-DE"/>
               <a:t>Mastertitelformat bearbeiten</a:t>
             </a:r>
-            <a:endParaRPr lang="de-CH"/>
-          </a:p>
-        </p:txBody>
-      </p:sp>
-      <p:sp>
-        <p:nvSpPr>
-          <p:cNvPr id="3" name="Inhaltsplatzhalter 2">
-            <a:extLst>
-              <a:ext uri="{FF2B5EF4-FFF2-40B4-BE49-F238E27FC236}">
-                <a16:creationId xmlns:a16="http://schemas.microsoft.com/office/drawing/2014/main" id="{EA999AB7-929E-49AC-9256-75EDCB469555}"/>
-              </a:ext>
-            </a:extLst>
-          </p:cNvPr>
+            <a:endParaRPr lang="en-US" dirty="0"/>
+          </a:p>
+        </p:txBody>
+      </p:sp>
+      <p:sp>
+        <p:nvSpPr>
+          <p:cNvPr id="3" name="Content Placeholder 2"/>
           <p:cNvSpPr>
             <a:spLocks noGrp="1"/>
           </p:cNvSpPr>
@@ -2244,35 +4562,7 @@
         </p:spPr>
         <p:txBody>
           <a:bodyPr/>
-          <a:lstStyle>
-            <a:lvl1pPr>
-              <a:defRPr sz="3200"/>
-            </a:lvl1pPr>
-            <a:lvl2pPr>
-              <a:defRPr sz="2800"/>
-            </a:lvl2pPr>
-            <a:lvl3pPr>
-              <a:defRPr sz="2400"/>
-            </a:lvl3pPr>
-            <a:lvl4pPr>
-              <a:defRPr sz="2000"/>
-            </a:lvl4pPr>
-            <a:lvl5pPr>
-              <a:defRPr sz="2000"/>
-            </a:lvl5pPr>
-            <a:lvl6pPr>
-              <a:defRPr sz="2000"/>
-            </a:lvl6pPr>
-            <a:lvl7pPr>
-              <a:defRPr sz="2000"/>
-            </a:lvl7pPr>
-            <a:lvl8pPr>
-              <a:defRPr sz="2000"/>
-            </a:lvl8pPr>
-            <a:lvl9pPr>
-              <a:defRPr sz="2000"/>
-            </a:lvl9pPr>
-          </a:lstStyle>
+          <a:lstStyle/>
           <a:p>
             <a:pPr lvl="0"/>
             <a:r>
@@ -2307,19 +4597,13 @@
               <a:rPr lang="de-DE"/>
               <a:t>Fünfte Ebene</a:t>
             </a:r>
-            <a:endParaRPr lang="de-CH"/>
-          </a:p>
-        </p:txBody>
-      </p:sp>
-      <p:sp>
-        <p:nvSpPr>
-          <p:cNvPr id="4" name="Textplatzhalter 3">
-            <a:extLst>
-              <a:ext uri="{FF2B5EF4-FFF2-40B4-BE49-F238E27FC236}">
-                <a16:creationId xmlns:a16="http://schemas.microsoft.com/office/drawing/2014/main" id="{9BE59EB9-1657-44F3-A579-999CD1711E6B}"/>
-              </a:ext>
-            </a:extLst>
-          </p:cNvPr>
+            <a:endParaRPr lang="en-US" dirty="0"/>
+          </a:p>
+        </p:txBody>
+      </p:sp>
+      <p:sp>
+        <p:nvSpPr>
+          <p:cNvPr id="4" name="Text Placeholder 3"/>
           <p:cNvSpPr>
             <a:spLocks noGrp="1"/>
           </p:cNvSpPr>
@@ -2329,8 +4613,8 @@
         </p:nvSpPr>
         <p:spPr>
           <a:xfrm>
-            <a:off x="839788" y="2057400"/>
-            <a:ext cx="3932237" cy="3811588"/>
+            <a:off x="1120000" y="2057400"/>
+            <a:ext cx="3652025" cy="3811588"/>
           </a:xfrm>
         </p:spPr>
         <p:txBody>
@@ -2338,7 +4622,31 @@
           <a:lstStyle>
             <a:lvl1pPr marL="0" indent="0">
               <a:buNone/>
-              <a:defRPr sz="1600"/>
+              <a:defRPr sz="1600">
+                <a:gradFill>
+                  <a:gsLst>
+                    <a:gs pos="15000">
+                      <a:schemeClr val="tx2"/>
+                    </a:gs>
+                    <a:gs pos="73000">
+                      <a:schemeClr val="tx2">
+                        <a:lumMod val="60000"/>
+                        <a:lumOff val="40000"/>
+                      </a:schemeClr>
+                    </a:gs>
+                    <a:gs pos="0">
+                      <a:schemeClr val="tx1"/>
+                    </a:gs>
+                    <a:gs pos="100000">
+                      <a:schemeClr val="tx2">
+                        <a:lumMod val="0"/>
+                        <a:lumOff val="100000"/>
+                      </a:schemeClr>
+                    </a:gs>
+                  </a:gsLst>
+                  <a:lin ang="16200000" scaled="1"/>
+                </a:gradFill>
+              </a:defRPr>
             </a:lvl1pPr>
             <a:lvl2pPr marL="457200" indent="0">
               <a:buNone/>
@@ -2384,13 +4692,7 @@
       </p:sp>
       <p:sp>
         <p:nvSpPr>
-          <p:cNvPr id="5" name="Datumsplatzhalter 4">
-            <a:extLst>
-              <a:ext uri="{FF2B5EF4-FFF2-40B4-BE49-F238E27FC236}">
-                <a16:creationId xmlns:a16="http://schemas.microsoft.com/office/drawing/2014/main" id="{0D4C1BE6-DBB7-4DF6-BCA5-5ACB02ADD15D}"/>
-              </a:ext>
-            </a:extLst>
-          </p:cNvPr>
+          <p:cNvPr id="5" name="Date Placeholder 4"/>
           <p:cNvSpPr>
             <a:spLocks noGrp="1"/>
           </p:cNvSpPr>
@@ -2413,13 +4715,7 @@
       </p:sp>
       <p:sp>
         <p:nvSpPr>
-          <p:cNvPr id="6" name="Fußzeilenplatzhalter 5">
-            <a:extLst>
-              <a:ext uri="{FF2B5EF4-FFF2-40B4-BE49-F238E27FC236}">
-                <a16:creationId xmlns:a16="http://schemas.microsoft.com/office/drawing/2014/main" id="{9F304273-7933-4320-AEE3-1294B8773A56}"/>
-              </a:ext>
-            </a:extLst>
-          </p:cNvPr>
+          <p:cNvPr id="6" name="Footer Placeholder 5"/>
           <p:cNvSpPr>
             <a:spLocks noGrp="1"/>
           </p:cNvSpPr>
@@ -2438,13 +4734,7 @@
       </p:sp>
       <p:sp>
         <p:nvSpPr>
-          <p:cNvPr id="7" name="Foliennummernplatzhalter 6">
-            <a:extLst>
-              <a:ext uri="{FF2B5EF4-FFF2-40B4-BE49-F238E27FC236}">
-                <a16:creationId xmlns:a16="http://schemas.microsoft.com/office/drawing/2014/main" id="{F6A4EB16-F041-4AFE-B623-CF9E6A0B4DB4}"/>
-              </a:ext>
-            </a:extLst>
-          </p:cNvPr>
+          <p:cNvPr id="7" name="Slide Number Placeholder 6"/>
           <p:cNvSpPr>
             <a:spLocks noGrp="1"/>
           </p:cNvSpPr>
@@ -2468,7 +4758,7 @@
     </p:spTree>
     <p:extLst>
       <p:ext uri="{BB962C8B-B14F-4D97-AF65-F5344CB8AC3E}">
-        <p14:creationId xmlns:p14="http://schemas.microsoft.com/office/powerpoint/2010/main" val="603872789"/>
+        <p14:creationId xmlns:p14="http://schemas.microsoft.com/office/powerpoint/2010/main" val="774003258"/>
       </p:ext>
     </p:extLst>
   </p:cSld>
@@ -2497,13 +4787,7 @@
       </p:grpSpPr>
       <p:sp>
         <p:nvSpPr>
-          <p:cNvPr id="2" name="Titel 1">
-            <a:extLst>
-              <a:ext uri="{FF2B5EF4-FFF2-40B4-BE49-F238E27FC236}">
-                <a16:creationId xmlns:a16="http://schemas.microsoft.com/office/drawing/2014/main" id="{52683A76-46FB-4BD8-8258-50745499D43E}"/>
-              </a:ext>
-            </a:extLst>
-          </p:cNvPr>
+          <p:cNvPr id="2" name="Title 1"/>
           <p:cNvSpPr>
             <a:spLocks noGrp="1"/>
           </p:cNvSpPr>
@@ -2529,21 +4813,15 @@
               <a:rPr lang="de-DE"/>
               <a:t>Mastertitelformat bearbeiten</a:t>
             </a:r>
-            <a:endParaRPr lang="de-CH"/>
-          </a:p>
-        </p:txBody>
-      </p:sp>
-      <p:sp>
-        <p:nvSpPr>
-          <p:cNvPr id="3" name="Bildplatzhalter 2">
-            <a:extLst>
-              <a:ext uri="{FF2B5EF4-FFF2-40B4-BE49-F238E27FC236}">
-                <a16:creationId xmlns:a16="http://schemas.microsoft.com/office/drawing/2014/main" id="{A7D1439F-C761-4032-8559-D4C6E51506E0}"/>
-              </a:ext>
-            </a:extLst>
-          </p:cNvPr>
-          <p:cNvSpPr>
-            <a:spLocks noGrp="1"/>
+            <a:endParaRPr lang="en-US" dirty="0"/>
+          </a:p>
+        </p:txBody>
+      </p:sp>
+      <p:sp>
+        <p:nvSpPr>
+          <p:cNvPr id="3" name="Picture Placeholder 2"/>
+          <p:cNvSpPr>
+            <a:spLocks noGrp="1" noChangeAspect="1"/>
           </p:cNvSpPr>
           <p:nvPr>
             <p:ph type="pic" idx="1"/>
@@ -2556,7 +4834,7 @@
           </a:xfrm>
         </p:spPr>
         <p:txBody>
-          <a:bodyPr/>
+          <a:bodyPr anchor="t"/>
           <a:lstStyle>
             <a:lvl1pPr marL="0" indent="0">
               <a:buNone/>
@@ -2596,19 +4874,17 @@
             </a:lvl9pPr>
           </a:lstStyle>
           <a:p>
-            <a:endParaRPr lang="de-CH"/>
-          </a:p>
-        </p:txBody>
-      </p:sp>
-      <p:sp>
-        <p:nvSpPr>
-          <p:cNvPr id="4" name="Textplatzhalter 3">
-            <a:extLst>
-              <a:ext uri="{FF2B5EF4-FFF2-40B4-BE49-F238E27FC236}">
-                <a16:creationId xmlns:a16="http://schemas.microsoft.com/office/drawing/2014/main" id="{6918FBE7-DA71-494A-ACF5-1441FF58C3B1}"/>
-              </a:ext>
-            </a:extLst>
-          </p:cNvPr>
+            <a:r>
+              <a:rPr lang="de-DE"/>
+              <a:t>Bild durch Klicken auf Symbol hinzufügen</a:t>
+            </a:r>
+            <a:endParaRPr lang="en-US" dirty="0"/>
+          </a:p>
+        </p:txBody>
+      </p:sp>
+      <p:sp>
+        <p:nvSpPr>
+          <p:cNvPr id="4" name="Text Placeholder 3"/>
           <p:cNvSpPr>
             <a:spLocks noGrp="1"/>
           </p:cNvSpPr>
@@ -2618,8 +4894,8 @@
         </p:nvSpPr>
         <p:spPr>
           <a:xfrm>
-            <a:off x="839788" y="2057400"/>
-            <a:ext cx="3932237" cy="3811588"/>
+            <a:off x="1120000" y="2057400"/>
+            <a:ext cx="3652025" cy="3811588"/>
           </a:xfrm>
         </p:spPr>
         <p:txBody>
@@ -2627,7 +4903,31 @@
           <a:lstStyle>
             <a:lvl1pPr marL="0" indent="0">
               <a:buNone/>
-              <a:defRPr sz="1600"/>
+              <a:defRPr sz="1600">
+                <a:gradFill>
+                  <a:gsLst>
+                    <a:gs pos="15000">
+                      <a:schemeClr val="tx2"/>
+                    </a:gs>
+                    <a:gs pos="73000">
+                      <a:schemeClr val="tx2">
+                        <a:lumMod val="60000"/>
+                        <a:lumOff val="40000"/>
+                      </a:schemeClr>
+                    </a:gs>
+                    <a:gs pos="0">
+                      <a:schemeClr val="tx1"/>
+                    </a:gs>
+                    <a:gs pos="100000">
+                      <a:schemeClr val="tx2">
+                        <a:lumMod val="0"/>
+                        <a:lumOff val="100000"/>
+                      </a:schemeClr>
+                    </a:gs>
+                  </a:gsLst>
+                  <a:lin ang="16200000" scaled="1"/>
+                </a:gradFill>
+              </a:defRPr>
             </a:lvl1pPr>
             <a:lvl2pPr marL="457200" indent="0">
               <a:buNone/>
@@ -2673,13 +4973,7 @@
       </p:sp>
       <p:sp>
         <p:nvSpPr>
-          <p:cNvPr id="5" name="Datumsplatzhalter 4">
-            <a:extLst>
-              <a:ext uri="{FF2B5EF4-FFF2-40B4-BE49-F238E27FC236}">
-                <a16:creationId xmlns:a16="http://schemas.microsoft.com/office/drawing/2014/main" id="{28A81DBD-9234-485D-B958-7C5F3A01B8A6}"/>
-              </a:ext>
-            </a:extLst>
-          </p:cNvPr>
+          <p:cNvPr id="5" name="Date Placeholder 4"/>
           <p:cNvSpPr>
             <a:spLocks noGrp="1"/>
           </p:cNvSpPr>
@@ -2702,13 +4996,7 @@
       </p:sp>
       <p:sp>
         <p:nvSpPr>
-          <p:cNvPr id="6" name="Fußzeilenplatzhalter 5">
-            <a:extLst>
-              <a:ext uri="{FF2B5EF4-FFF2-40B4-BE49-F238E27FC236}">
-                <a16:creationId xmlns:a16="http://schemas.microsoft.com/office/drawing/2014/main" id="{A0A9F78A-7636-428D-994C-DDECF2C4F14D}"/>
-              </a:ext>
-            </a:extLst>
-          </p:cNvPr>
+          <p:cNvPr id="6" name="Footer Placeholder 5"/>
           <p:cNvSpPr>
             <a:spLocks noGrp="1"/>
           </p:cNvSpPr>
@@ -2727,13 +5015,7 @@
       </p:sp>
       <p:sp>
         <p:nvSpPr>
-          <p:cNvPr id="7" name="Foliennummernplatzhalter 6">
-            <a:extLst>
-              <a:ext uri="{FF2B5EF4-FFF2-40B4-BE49-F238E27FC236}">
-                <a16:creationId xmlns:a16="http://schemas.microsoft.com/office/drawing/2014/main" id="{D0B78813-9DC6-4D8E-A598-F6AB18BF1E18}"/>
-              </a:ext>
-            </a:extLst>
-          </p:cNvPr>
+          <p:cNvPr id="7" name="Slide Number Placeholder 6"/>
           <p:cNvSpPr>
             <a:spLocks noGrp="1"/>
           </p:cNvSpPr>
@@ -2757,7 +5039,7 @@
     </p:spTree>
     <p:extLst>
       <p:ext uri="{BB962C8B-B14F-4D97-AF65-F5344CB8AC3E}">
-        <p14:creationId xmlns:p14="http://schemas.microsoft.com/office/powerpoint/2010/main" val="79728370"/>
+        <p14:creationId xmlns:p14="http://schemas.microsoft.com/office/powerpoint/2010/main" val="3350822926"/>
       </p:ext>
     </p:extLst>
   </p:cSld>
@@ -2771,9 +5053,18 @@
 <p:sldMaster xmlns:a="http://schemas.openxmlformats.org/drawingml/2006/main" xmlns:r="http://schemas.openxmlformats.org/officeDocument/2006/relationships" xmlns:p="http://schemas.openxmlformats.org/presentationml/2006/main">
   <p:cSld>
     <p:bg>
-      <p:bgRef idx="1001">
-        <a:schemeClr val="bg1"/>
-      </p:bgRef>
+      <p:bgPr>
+        <a:blipFill dpi="0" rotWithShape="1">
+          <a:blip r:embed="rId19">
+            <a:lum/>
+          </a:blip>
+          <a:srcRect/>
+          <a:stretch>
+            <a:fillRect/>
+          </a:stretch>
+        </a:blipFill>
+        <a:effectLst/>
+      </p:bgPr>
     </p:bg>
     <p:spTree>
       <p:nvGrpSpPr>
@@ -2791,13 +5082,7 @@
       </p:grpSpPr>
       <p:sp>
         <p:nvSpPr>
-          <p:cNvPr id="2" name="Titelplatzhalter 1">
-            <a:extLst>
-              <a:ext uri="{FF2B5EF4-FFF2-40B4-BE49-F238E27FC236}">
-                <a16:creationId xmlns:a16="http://schemas.microsoft.com/office/drawing/2014/main" id="{0A533F8C-5B41-4178-A63A-DF64234C58F8}"/>
-              </a:ext>
-            </a:extLst>
-          </p:cNvPr>
+          <p:cNvPr id="2" name="Title Placeholder 1"/>
           <p:cNvSpPr>
             <a:spLocks noGrp="1"/>
           </p:cNvSpPr>
@@ -2824,19 +5109,13 @@
               <a:rPr lang="de-DE"/>
               <a:t>Mastertitelformat bearbeiten</a:t>
             </a:r>
-            <a:endParaRPr lang="de-CH"/>
-          </a:p>
-        </p:txBody>
-      </p:sp>
-      <p:sp>
-        <p:nvSpPr>
-          <p:cNvPr id="3" name="Textplatzhalter 2">
-            <a:extLst>
-              <a:ext uri="{FF2B5EF4-FFF2-40B4-BE49-F238E27FC236}">
-                <a16:creationId xmlns:a16="http://schemas.microsoft.com/office/drawing/2014/main" id="{49553E0F-B8E5-42FA-8BB6-E65E5A0A1A0B}"/>
-              </a:ext>
-            </a:extLst>
-          </p:cNvPr>
+            <a:endParaRPr lang="en-US" dirty="0"/>
+          </a:p>
+        </p:txBody>
+      </p:sp>
+      <p:sp>
+        <p:nvSpPr>
+          <p:cNvPr id="3" name="Text Placeholder 2"/>
           <p:cNvSpPr>
             <a:spLocks noGrp="1"/>
           </p:cNvSpPr>
@@ -2846,8 +5125,8 @@
         </p:nvSpPr>
         <p:spPr>
           <a:xfrm>
-            <a:off x="838200" y="1825625"/>
-            <a:ext cx="10515600" cy="4351338"/>
+            <a:off x="1120000" y="1825625"/>
+            <a:ext cx="10233800" cy="4351338"/>
           </a:xfrm>
           <a:prstGeom prst="rect">
             <a:avLst/>
@@ -2892,19 +5171,13 @@
               <a:rPr lang="de-DE"/>
               <a:t>Fünfte Ebene</a:t>
             </a:r>
-            <a:endParaRPr lang="de-CH"/>
-          </a:p>
-        </p:txBody>
-      </p:sp>
-      <p:sp>
-        <p:nvSpPr>
-          <p:cNvPr id="4" name="Datumsplatzhalter 3">
-            <a:extLst>
-              <a:ext uri="{FF2B5EF4-FFF2-40B4-BE49-F238E27FC236}">
-                <a16:creationId xmlns:a16="http://schemas.microsoft.com/office/drawing/2014/main" id="{4C1A788B-1713-4C12-B876-CAA41D83AC02}"/>
-              </a:ext>
-            </a:extLst>
-          </p:cNvPr>
+            <a:endParaRPr lang="en-US" dirty="0"/>
+          </a:p>
+        </p:txBody>
+      </p:sp>
+      <p:sp>
+        <p:nvSpPr>
+          <p:cNvPr id="4" name="Date Placeholder 3"/>
           <p:cNvSpPr>
             <a:spLocks noGrp="1"/>
           </p:cNvSpPr>
@@ -2926,11 +5199,29 @@
           <a:lstStyle>
             <a:lvl1pPr algn="l">
               <a:defRPr sz="1200">
-                <a:solidFill>
-                  <a:schemeClr val="tx1">
-                    <a:tint val="75000"/>
-                  </a:schemeClr>
-                </a:solidFill>
+                <a:gradFill flip="none" rotWithShape="1">
+                  <a:gsLst>
+                    <a:gs pos="28000">
+                      <a:schemeClr val="tx1">
+                        <a:lumMod val="93000"/>
+                      </a:schemeClr>
+                    </a:gs>
+                    <a:gs pos="0">
+                      <a:schemeClr val="bg1">
+                        <a:lumMod val="38000"/>
+                        <a:lumOff val="62000"/>
+                      </a:schemeClr>
+                    </a:gs>
+                    <a:gs pos="100000">
+                      <a:schemeClr val="tx2">
+                        <a:lumMod val="0"/>
+                        <a:lumOff val="100000"/>
+                      </a:schemeClr>
+                    </a:gs>
+                  </a:gsLst>
+                  <a:lin ang="5400000" scaled="1"/>
+                  <a:tileRect/>
+                </a:gradFill>
               </a:defRPr>
             </a:lvl1pPr>
           </a:lstStyle>
@@ -2945,13 +5236,7 @@
       </p:sp>
       <p:sp>
         <p:nvSpPr>
-          <p:cNvPr id="5" name="Fußzeilenplatzhalter 4">
-            <a:extLst>
-              <a:ext uri="{FF2B5EF4-FFF2-40B4-BE49-F238E27FC236}">
-                <a16:creationId xmlns:a16="http://schemas.microsoft.com/office/drawing/2014/main" id="{C47A80AD-8EAF-4864-BC50-29735526A0BC}"/>
-              </a:ext>
-            </a:extLst>
-          </p:cNvPr>
+          <p:cNvPr id="5" name="Footer Placeholder 4"/>
           <p:cNvSpPr>
             <a:spLocks noGrp="1"/>
           </p:cNvSpPr>
@@ -2973,11 +5258,29 @@
           <a:lstStyle>
             <a:lvl1pPr algn="ctr">
               <a:defRPr sz="1200">
-                <a:solidFill>
-                  <a:schemeClr val="tx1">
-                    <a:tint val="75000"/>
-                  </a:schemeClr>
-                </a:solidFill>
+                <a:gradFill flip="none" rotWithShape="1">
+                  <a:gsLst>
+                    <a:gs pos="28000">
+                      <a:schemeClr val="tx1">
+                        <a:lumMod val="93000"/>
+                      </a:schemeClr>
+                    </a:gs>
+                    <a:gs pos="0">
+                      <a:schemeClr val="bg1">
+                        <a:lumMod val="38000"/>
+                        <a:lumOff val="62000"/>
+                      </a:schemeClr>
+                    </a:gs>
+                    <a:gs pos="100000">
+                      <a:schemeClr val="tx2">
+                        <a:lumMod val="0"/>
+                        <a:lumOff val="100000"/>
+                      </a:schemeClr>
+                    </a:gs>
+                  </a:gsLst>
+                  <a:lin ang="5400000" scaled="1"/>
+                  <a:tileRect/>
+                </a:gradFill>
               </a:defRPr>
             </a:lvl1pPr>
           </a:lstStyle>
@@ -2988,13 +5291,7 @@
       </p:sp>
       <p:sp>
         <p:nvSpPr>
-          <p:cNvPr id="6" name="Foliennummernplatzhalter 5">
-            <a:extLst>
-              <a:ext uri="{FF2B5EF4-FFF2-40B4-BE49-F238E27FC236}">
-                <a16:creationId xmlns:a16="http://schemas.microsoft.com/office/drawing/2014/main" id="{9D745B97-52C2-4061-9AAF-715017D684B1}"/>
-              </a:ext>
-            </a:extLst>
-          </p:cNvPr>
+          <p:cNvPr id="6" name="Slide Number Placeholder 5"/>
           <p:cNvSpPr>
             <a:spLocks noGrp="1"/>
           </p:cNvSpPr>
@@ -3016,11 +5313,29 @@
           <a:lstStyle>
             <a:lvl1pPr algn="r">
               <a:defRPr sz="1200">
-                <a:solidFill>
-                  <a:schemeClr val="tx1">
-                    <a:tint val="75000"/>
-                  </a:schemeClr>
-                </a:solidFill>
+                <a:gradFill flip="none" rotWithShape="1">
+                  <a:gsLst>
+                    <a:gs pos="28000">
+                      <a:schemeClr val="tx1">
+                        <a:lumMod val="93000"/>
+                      </a:schemeClr>
+                    </a:gs>
+                    <a:gs pos="0">
+                      <a:schemeClr val="bg1">
+                        <a:lumMod val="38000"/>
+                        <a:lumOff val="62000"/>
+                      </a:schemeClr>
+                    </a:gs>
+                    <a:gs pos="100000">
+                      <a:schemeClr val="tx2">
+                        <a:lumMod val="0"/>
+                        <a:lumOff val="100000"/>
+                      </a:schemeClr>
+                    </a:gs>
+                  </a:gsLst>
+                  <a:lin ang="5400000" scaled="1"/>
+                  <a:tileRect/>
+                </a:gradFill>
               </a:defRPr>
             </a:lvl1pPr>
           </a:lstStyle>
@@ -3036,23 +5351,29 @@
     </p:spTree>
     <p:extLst>
       <p:ext uri="{BB962C8B-B14F-4D97-AF65-F5344CB8AC3E}">
-        <p14:creationId xmlns:p14="http://schemas.microsoft.com/office/powerpoint/2010/main" val="995760091"/>
+        <p14:creationId xmlns:p14="http://schemas.microsoft.com/office/powerpoint/2010/main" val="2625742397"/>
       </p:ext>
     </p:extLst>
   </p:cSld>
-  <p:clrMap bg1="lt1" tx1="dk1" bg2="lt2" tx2="dk2" accent1="accent1" accent2="accent2" accent3="accent3" accent4="accent4" accent5="accent5" accent6="accent6" hlink="hlink" folHlink="folHlink"/>
+  <p:clrMap bg1="dk1" tx1="lt1" bg2="dk2" tx2="lt2" accent1="accent1" accent2="accent2" accent3="accent3" accent4="accent4" accent5="accent5" accent6="accent6" hlink="hlink" folHlink="folHlink"/>
   <p:sldLayoutIdLst>
-    <p:sldLayoutId id="2147483649" r:id="rId1"/>
-    <p:sldLayoutId id="2147483650" r:id="rId2"/>
-    <p:sldLayoutId id="2147483651" r:id="rId3"/>
-    <p:sldLayoutId id="2147483652" r:id="rId4"/>
-    <p:sldLayoutId id="2147483653" r:id="rId5"/>
-    <p:sldLayoutId id="2147483654" r:id="rId6"/>
-    <p:sldLayoutId id="2147483655" r:id="rId7"/>
-    <p:sldLayoutId id="2147483656" r:id="rId8"/>
-    <p:sldLayoutId id="2147483657" r:id="rId9"/>
-    <p:sldLayoutId id="2147483658" r:id="rId10"/>
-    <p:sldLayoutId id="2147483659" r:id="rId11"/>
+    <p:sldLayoutId id="2147483679" r:id="rId1"/>
+    <p:sldLayoutId id="2147483680" r:id="rId2"/>
+    <p:sldLayoutId id="2147483681" r:id="rId3"/>
+    <p:sldLayoutId id="2147483682" r:id="rId4"/>
+    <p:sldLayoutId id="2147483683" r:id="rId5"/>
+    <p:sldLayoutId id="2147483684" r:id="rId6"/>
+    <p:sldLayoutId id="2147483685" r:id="rId7"/>
+    <p:sldLayoutId id="2147483686" r:id="rId8"/>
+    <p:sldLayoutId id="2147483687" r:id="rId9"/>
+    <p:sldLayoutId id="2147483688" r:id="rId10"/>
+    <p:sldLayoutId id="2147483689" r:id="rId11"/>
+    <p:sldLayoutId id="2147483690" r:id="rId12"/>
+    <p:sldLayoutId id="2147483691" r:id="rId13"/>
+    <p:sldLayoutId id="2147483692" r:id="rId14"/>
+    <p:sldLayoutId id="2147483693" r:id="rId15"/>
+    <p:sldLayoutId id="2147483694" r:id="rId16"/>
+    <p:sldLayoutId id="2147483695" r:id="rId17"/>
   </p:sldLayoutIdLst>
   <p:txStyles>
     <p:titleStyle>
@@ -3064,10 +5385,30 @@
           <a:spcPct val="0"/>
         </a:spcBef>
         <a:buNone/>
-        <a:defRPr sz="4400" kern="1200">
-          <a:solidFill>
-            <a:schemeClr val="tx1"/>
-          </a:solidFill>
+        <a:defRPr sz="5400" b="0" kern="1200">
+          <a:gradFill flip="none" rotWithShape="1">
+            <a:gsLst>
+              <a:gs pos="28000">
+                <a:schemeClr val="tx1">
+                  <a:lumMod val="93000"/>
+                </a:schemeClr>
+              </a:gs>
+              <a:gs pos="0">
+                <a:schemeClr val="bg1">
+                  <a:lumMod val="13000"/>
+                  <a:lumOff val="87000"/>
+                </a:schemeClr>
+              </a:gs>
+              <a:gs pos="100000">
+                <a:schemeClr val="tx2">
+                  <a:lumMod val="0"/>
+                  <a:lumOff val="100000"/>
+                </a:schemeClr>
+              </a:gs>
+            </a:gsLst>
+            <a:lin ang="4800000" scaled="0"/>
+            <a:tileRect/>
+          </a:gradFill>
           <a:latin typeface="+mj-lt"/>
           <a:ea typeface="+mj-ea"/>
           <a:cs typeface="+mj-cs"/>
@@ -3085,9 +5426,28 @@
         <a:buFont typeface="Arial" panose="020B0604020202020204" pitchFamily="34" charset="0"/>
         <a:buChar char="•"/>
         <a:defRPr sz="2800" kern="1200">
-          <a:solidFill>
-            <a:schemeClr val="tx1"/>
-          </a:solidFill>
+          <a:gradFill>
+            <a:gsLst>
+              <a:gs pos="34000">
+                <a:schemeClr val="tx1">
+                  <a:lumMod val="93000"/>
+                </a:schemeClr>
+              </a:gs>
+              <a:gs pos="0">
+                <a:schemeClr val="bg1">
+                  <a:lumMod val="13000"/>
+                  <a:lumOff val="87000"/>
+                </a:schemeClr>
+              </a:gs>
+              <a:gs pos="100000">
+                <a:schemeClr val="tx2">
+                  <a:lumMod val="0"/>
+                  <a:lumOff val="100000"/>
+                </a:schemeClr>
+              </a:gs>
+            </a:gsLst>
+            <a:lin ang="4800000" scaled="0"/>
+          </a:gradFill>
           <a:latin typeface="+mn-lt"/>
           <a:ea typeface="+mn-ea"/>
           <a:cs typeface="+mn-cs"/>
@@ -3103,9 +5463,28 @@
         <a:buFont typeface="Arial" panose="020B0604020202020204" pitchFamily="34" charset="0"/>
         <a:buChar char="•"/>
         <a:defRPr sz="2400" kern="1200">
-          <a:solidFill>
-            <a:schemeClr val="tx1"/>
-          </a:solidFill>
+          <a:gradFill>
+            <a:gsLst>
+              <a:gs pos="34000">
+                <a:schemeClr val="tx1">
+                  <a:lumMod val="93000"/>
+                </a:schemeClr>
+              </a:gs>
+              <a:gs pos="0">
+                <a:schemeClr val="bg1">
+                  <a:lumMod val="13000"/>
+                  <a:lumOff val="87000"/>
+                </a:schemeClr>
+              </a:gs>
+              <a:gs pos="100000">
+                <a:schemeClr val="tx2">
+                  <a:lumMod val="0"/>
+                  <a:lumOff val="100000"/>
+                </a:schemeClr>
+              </a:gs>
+            </a:gsLst>
+            <a:lin ang="4800000" scaled="0"/>
+          </a:gradFill>
           <a:latin typeface="+mn-lt"/>
           <a:ea typeface="+mn-ea"/>
           <a:cs typeface="+mn-cs"/>
@@ -3121,9 +5500,28 @@
         <a:buFont typeface="Arial" panose="020B0604020202020204" pitchFamily="34" charset="0"/>
         <a:buChar char="•"/>
         <a:defRPr sz="2000" kern="1200">
-          <a:solidFill>
-            <a:schemeClr val="tx1"/>
-          </a:solidFill>
+          <a:gradFill>
+            <a:gsLst>
+              <a:gs pos="34000">
+                <a:schemeClr val="tx1">
+                  <a:lumMod val="93000"/>
+                </a:schemeClr>
+              </a:gs>
+              <a:gs pos="0">
+                <a:schemeClr val="bg1">
+                  <a:lumMod val="13000"/>
+                  <a:lumOff val="87000"/>
+                </a:schemeClr>
+              </a:gs>
+              <a:gs pos="100000">
+                <a:schemeClr val="tx2">
+                  <a:lumMod val="0"/>
+                  <a:lumOff val="100000"/>
+                </a:schemeClr>
+              </a:gs>
+            </a:gsLst>
+            <a:lin ang="4800000" scaled="0"/>
+          </a:gradFill>
           <a:latin typeface="+mn-lt"/>
           <a:ea typeface="+mn-ea"/>
           <a:cs typeface="+mn-cs"/>
@@ -3139,9 +5537,28 @@
         <a:buFont typeface="Arial" panose="020B0604020202020204" pitchFamily="34" charset="0"/>
         <a:buChar char="•"/>
         <a:defRPr sz="1800" kern="1200">
-          <a:solidFill>
-            <a:schemeClr val="tx1"/>
-          </a:solidFill>
+          <a:gradFill>
+            <a:gsLst>
+              <a:gs pos="34000">
+                <a:schemeClr val="tx1">
+                  <a:lumMod val="93000"/>
+                </a:schemeClr>
+              </a:gs>
+              <a:gs pos="0">
+                <a:schemeClr val="bg1">
+                  <a:lumMod val="13000"/>
+                  <a:lumOff val="87000"/>
+                </a:schemeClr>
+              </a:gs>
+              <a:gs pos="100000">
+                <a:schemeClr val="tx2">
+                  <a:lumMod val="0"/>
+                  <a:lumOff val="100000"/>
+                </a:schemeClr>
+              </a:gs>
+            </a:gsLst>
+            <a:lin ang="4800000" scaled="0"/>
+          </a:gradFill>
           <a:latin typeface="+mn-lt"/>
           <a:ea typeface="+mn-ea"/>
           <a:cs typeface="+mn-cs"/>
@@ -3157,9 +5574,28 @@
         <a:buFont typeface="Arial" panose="020B0604020202020204" pitchFamily="34" charset="0"/>
         <a:buChar char="•"/>
         <a:defRPr sz="1800" kern="1200">
-          <a:solidFill>
-            <a:schemeClr val="tx1"/>
-          </a:solidFill>
+          <a:gradFill>
+            <a:gsLst>
+              <a:gs pos="34000">
+                <a:schemeClr val="tx1">
+                  <a:lumMod val="93000"/>
+                </a:schemeClr>
+              </a:gs>
+              <a:gs pos="0">
+                <a:schemeClr val="bg1">
+                  <a:lumMod val="13000"/>
+                  <a:lumOff val="87000"/>
+                </a:schemeClr>
+              </a:gs>
+              <a:gs pos="100000">
+                <a:schemeClr val="tx2">
+                  <a:lumMod val="0"/>
+                  <a:lumOff val="100000"/>
+                </a:schemeClr>
+              </a:gs>
+            </a:gsLst>
+            <a:lin ang="4800000" scaled="0"/>
+          </a:gradFill>
           <a:latin typeface="+mn-lt"/>
           <a:ea typeface="+mn-ea"/>
           <a:cs typeface="+mn-cs"/>
@@ -3240,7 +5676,7 @@
     </p:bodyStyle>
     <p:otherStyle>
       <a:defPPr>
-        <a:defRPr lang="de-DE"/>
+        <a:defRPr lang="en-US"/>
       </a:defPPr>
       <a:lvl1pPr marL="0" algn="l" defTabSz="914400" rtl="0" eaLnBrk="1" latinLnBrk="0" hangingPunct="1">
         <a:defRPr sz="1800" kern="1200">
@@ -4267,12 +6703,7 @@
             <p:ph idx="1"/>
           </p:nvPr>
         </p:nvSpPr>
-        <p:spPr>
-          <a:xfrm>
-            <a:off x="838200" y="1825625"/>
-            <a:ext cx="10515600" cy="4351338"/>
-          </a:xfrm>
-        </p:spPr>
+        <p:spPr/>
         <p:txBody>
           <a:bodyPr/>
           <a:lstStyle/>
@@ -4391,32 +6822,24 @@
             <p:ph type="title"/>
           </p:nvPr>
         </p:nvSpPr>
-        <p:spPr>
-          <a:xfrm>
-            <a:off x="838200" y="2307047"/>
-            <a:ext cx="10515600" cy="1325563"/>
-          </a:xfrm>
-        </p:spPr>
-        <p:txBody>
-          <a:bodyPr>
-            <a:noAutofit/>
-          </a:bodyPr>
-          <a:lstStyle/>
-          <a:p>
-            <a:pPr algn="ctr"/>
-            <a:r>
-              <a:rPr lang="de-CH" sz="9000" dirty="0"/>
-              <a:t>DEMO</a:t>
-            </a:r>
-          </a:p>
-        </p:txBody>
-      </p:sp>
-      <p:sp>
-        <p:nvSpPr>
-          <p:cNvPr id="5" name="Inhaltsplatzhalter 4">
+        <p:spPr/>
+        <p:txBody>
+          <a:bodyPr/>
+          <a:lstStyle/>
+          <a:p>
+            <a:r>
+              <a:rPr lang="de-CH" dirty="0"/>
+              <a:t>Software / Plugins / Methoden</a:t>
+            </a:r>
+          </a:p>
+        </p:txBody>
+      </p:sp>
+      <p:sp>
+        <p:nvSpPr>
+          <p:cNvPr id="3" name="Inhaltsplatzhalter 2">
             <a:extLst>
               <a:ext uri="{FF2B5EF4-FFF2-40B4-BE49-F238E27FC236}">
-                <a16:creationId xmlns:a16="http://schemas.microsoft.com/office/drawing/2014/main" id="{2204C406-9E0B-48ED-BAEF-1D58D5470F9B}"/>
+                <a16:creationId xmlns:a16="http://schemas.microsoft.com/office/drawing/2014/main" id="{A4BFC566-78AE-410E-972B-7752704CEEA3}"/>
               </a:ext>
             </a:extLst>
           </p:cNvPr>
@@ -4432,14 +6855,39 @@
           <a:bodyPr/>
           <a:lstStyle/>
           <a:p>
-            <a:endParaRPr lang="de-CH"/>
+            <a:r>
+              <a:rPr lang="de-CH" dirty="0"/>
+              <a:t>Exif.js (JavaScript </a:t>
+            </a:r>
+            <a:r>
+              <a:rPr lang="de-CH" dirty="0" err="1"/>
+              <a:t>Script</a:t>
+            </a:r>
+            <a:r>
+              <a:rPr lang="de-CH" dirty="0"/>
+              <a:t>)</a:t>
+            </a:r>
+          </a:p>
+          <a:p>
+            <a:pPr lvl="1"/>
+            <a:r>
+              <a:rPr lang="de-CH" dirty="0"/>
+              <a:t>Liest die Meta-Daten der Bilder aus. </a:t>
+            </a:r>
+          </a:p>
+          <a:p>
+            <a:pPr lvl="1"/>
+            <a:r>
+              <a:rPr lang="de-CH" dirty="0"/>
+              <a:t>Kann auf verschiedene Art und Weise dargestellt werden</a:t>
+            </a:r>
           </a:p>
         </p:txBody>
       </p:sp>
     </p:spTree>
     <p:extLst>
       <p:ext uri="{BB962C8B-B14F-4D97-AF65-F5344CB8AC3E}">
-        <p14:creationId xmlns:p14="http://schemas.microsoft.com/office/powerpoint/2010/main" val="1641767152"/>
+        <p14:creationId xmlns:p14="http://schemas.microsoft.com/office/powerpoint/2010/main" val="1752209991"/>
       </p:ext>
     </p:extLst>
   </p:cSld>
@@ -4496,6 +6944,97 @@
           <a:p>
             <a:pPr algn="ctr"/>
             <a:r>
+              <a:rPr lang="de-CH" sz="9000" dirty="0"/>
+              <a:t>DEMO</a:t>
+            </a:r>
+          </a:p>
+        </p:txBody>
+      </p:sp>
+      <p:sp>
+        <p:nvSpPr>
+          <p:cNvPr id="5" name="Inhaltsplatzhalter 4">
+            <a:extLst>
+              <a:ext uri="{FF2B5EF4-FFF2-40B4-BE49-F238E27FC236}">
+                <a16:creationId xmlns:a16="http://schemas.microsoft.com/office/drawing/2014/main" id="{2204C406-9E0B-48ED-BAEF-1D58D5470F9B}"/>
+              </a:ext>
+            </a:extLst>
+          </p:cNvPr>
+          <p:cNvSpPr>
+            <a:spLocks noGrp="1"/>
+          </p:cNvSpPr>
+          <p:nvPr>
+            <p:ph idx="1"/>
+          </p:nvPr>
+        </p:nvSpPr>
+        <p:spPr/>
+        <p:txBody>
+          <a:bodyPr/>
+          <a:lstStyle/>
+          <a:p>
+            <a:endParaRPr lang="de-CH"/>
+          </a:p>
+        </p:txBody>
+      </p:sp>
+    </p:spTree>
+    <p:extLst>
+      <p:ext uri="{BB962C8B-B14F-4D97-AF65-F5344CB8AC3E}">
+        <p14:creationId xmlns:p14="http://schemas.microsoft.com/office/powerpoint/2010/main" val="1641767152"/>
+      </p:ext>
+    </p:extLst>
+  </p:cSld>
+  <p:clrMapOvr>
+    <a:masterClrMapping/>
+  </p:clrMapOvr>
+</p:sld>
+</file>
+
+<file path=ppt/slides/slide9.xml><?xml version="1.0" encoding="utf-8"?>
+<p:sld xmlns:a="http://schemas.openxmlformats.org/drawingml/2006/main" xmlns:r="http://schemas.openxmlformats.org/officeDocument/2006/relationships" xmlns:p="http://schemas.openxmlformats.org/presentationml/2006/main">
+  <p:cSld>
+    <p:spTree>
+      <p:nvGrpSpPr>
+        <p:cNvPr id="1" name=""/>
+        <p:cNvGrpSpPr/>
+        <p:nvPr/>
+      </p:nvGrpSpPr>
+      <p:grpSpPr>
+        <a:xfrm>
+          <a:off x="0" y="0"/>
+          <a:ext cx="0" cy="0"/>
+          <a:chOff x="0" y="0"/>
+          <a:chExt cx="0" cy="0"/>
+        </a:xfrm>
+      </p:grpSpPr>
+      <p:sp>
+        <p:nvSpPr>
+          <p:cNvPr id="2" name="Titel 1">
+            <a:extLst>
+              <a:ext uri="{FF2B5EF4-FFF2-40B4-BE49-F238E27FC236}">
+                <a16:creationId xmlns:a16="http://schemas.microsoft.com/office/drawing/2014/main" id="{1FFE9A56-A79B-4637-9F44-1EECAB099697}"/>
+              </a:ext>
+            </a:extLst>
+          </p:cNvPr>
+          <p:cNvSpPr>
+            <a:spLocks noGrp="1"/>
+          </p:cNvSpPr>
+          <p:nvPr>
+            <p:ph type="title"/>
+          </p:nvPr>
+        </p:nvSpPr>
+        <p:spPr>
+          <a:xfrm>
+            <a:off x="838200" y="2307047"/>
+            <a:ext cx="10515600" cy="1325563"/>
+          </a:xfrm>
+        </p:spPr>
+        <p:txBody>
+          <a:bodyPr>
+            <a:noAutofit/>
+          </a:bodyPr>
+          <a:lstStyle/>
+          <a:p>
+            <a:pPr algn="ctr"/>
+            <a:r>
               <a:rPr lang="de-CH" sz="7000" dirty="0"/>
               <a:t>Vielen  Dank für Ihre Aufmerksamkeit!</a:t>
             </a:r>
@@ -4523,9 +7062,9 @@
 </file>
 
 <file path=ppt/theme/theme1.xml><?xml version="1.0" encoding="utf-8"?>
-<a:theme xmlns:a="http://schemas.openxmlformats.org/drawingml/2006/main" name="Office">
+<a:theme xmlns:a="http://schemas.openxmlformats.org/drawingml/2006/main" name="Tiefe">
   <a:themeElements>
-    <a:clrScheme name="Office">
+    <a:clrScheme name="Tiefe">
       <a:dk1>
         <a:sysClr val="windowText" lastClr="000000"/>
       </a:dk1>
@@ -4533,100 +7072,48 @@
         <a:sysClr val="window" lastClr="FFFFFF"/>
       </a:lt1>
       <a:dk2>
-        <a:srgbClr val="44546A"/>
+        <a:srgbClr val="4B4B4B"/>
       </a:dk2>
       <a:lt2>
-        <a:srgbClr val="E7E6E6"/>
+        <a:srgbClr val="8ED5C1"/>
       </a:lt2>
       <a:accent1>
-        <a:srgbClr val="4472C4"/>
+        <a:srgbClr val="73CBB2"/>
       </a:accent1>
       <a:accent2>
-        <a:srgbClr val="ED7D31"/>
+        <a:srgbClr val="AACD5B"/>
       </a:accent2>
       <a:accent3>
-        <a:srgbClr val="A5A5A5"/>
+        <a:srgbClr val="65A9E1"/>
       </a:accent3>
       <a:accent4>
-        <a:srgbClr val="FFC000"/>
+        <a:srgbClr val="6274D8"/>
       </a:accent4>
       <a:accent5>
-        <a:srgbClr val="5B9BD5"/>
+        <a:srgbClr val="AB54D7"/>
       </a:accent5>
       <a:accent6>
-        <a:srgbClr val="70AD47"/>
+        <a:srgbClr val="D15B37"/>
       </a:accent6>
       <a:hlink>
-        <a:srgbClr val="0563C1"/>
+        <a:srgbClr val="BFE962"/>
       </a:hlink>
       <a:folHlink>
-        <a:srgbClr val="954F72"/>
+        <a:srgbClr val="C0D591"/>
       </a:folHlink>
     </a:clrScheme>
-    <a:fontScheme name="Office">
+    <a:fontScheme name="Tiefe">
       <a:majorFont>
-        <a:latin typeface="Calibri Light" panose="020F0302020204030204"/>
+        <a:latin typeface="Corbel" panose="020B0503020204020204"/>
         <a:ea typeface=""/>
         <a:cs typeface=""/>
-        <a:font script="Jpan" typeface="游ゴシック Light"/>
-        <a:font script="Hang" typeface="맑은 고딕"/>
-        <a:font script="Hans" typeface="等线 Light"/>
+        <a:font script="Jpan" typeface="HGｺﾞｼｯｸM"/>
+        <a:font script="Hang" typeface="HY엽서L"/>
+        <a:font script="Hans" typeface="华文楷体"/>
         <a:font script="Hant" typeface="新細明體"/>
-        <a:font script="Arab" typeface="Times New Roman"/>
-        <a:font script="Hebr" typeface="Times New Roman"/>
-        <a:font script="Thai" typeface="Angsana New"/>
-        <a:font script="Ethi" typeface="Nyala"/>
-        <a:font script="Beng" typeface="Vrinda"/>
-        <a:font script="Gujr" typeface="Shruti"/>
-        <a:font script="Khmr" typeface="MoolBoran"/>
-        <a:font script="Knda" typeface="Tunga"/>
-        <a:font script="Guru" typeface="Raavi"/>
-        <a:font script="Cans" typeface="Euphemia"/>
-        <a:font script="Cher" typeface="Plantagenet Cherokee"/>
-        <a:font script="Yiii" typeface="Microsoft Yi Baiti"/>
-        <a:font script="Tibt" typeface="Microsoft Himalaya"/>
-        <a:font script="Thaa" typeface="MV Boli"/>
-        <a:font script="Deva" typeface="Mangal"/>
-        <a:font script="Telu" typeface="Gautami"/>
-        <a:font script="Taml" typeface="Latha"/>
-        <a:font script="Syrc" typeface="Estrangelo Edessa"/>
-        <a:font script="Orya" typeface="Kalinga"/>
-        <a:font script="Mlym" typeface="Kartika"/>
-        <a:font script="Laoo" typeface="DokChampa"/>
-        <a:font script="Sinh" typeface="Iskoola Pota"/>
-        <a:font script="Mong" typeface="Mongolian Baiti"/>
-        <a:font script="Viet" typeface="Times New Roman"/>
-        <a:font script="Uigh" typeface="Microsoft Uighur"/>
-        <a:font script="Geor" typeface="Sylfaen"/>
-        <a:font script="Armn" typeface="Arial"/>
-        <a:font script="Bugi" typeface="Leelawadee UI"/>
-        <a:font script="Bopo" typeface="Microsoft JhengHei"/>
-        <a:font script="Java" typeface="Javanese Text"/>
-        <a:font script="Lisu" typeface="Segoe UI"/>
-        <a:font script="Mymr" typeface="Myanmar Text"/>
-        <a:font script="Nkoo" typeface="Ebrima"/>
-        <a:font script="Olck" typeface="Nirmala UI"/>
-        <a:font script="Osma" typeface="Ebrima"/>
-        <a:font script="Phag" typeface="Phagspa"/>
-        <a:font script="Syrn" typeface="Estrangelo Edessa"/>
-        <a:font script="Syrj" typeface="Estrangelo Edessa"/>
-        <a:font script="Syre" typeface="Estrangelo Edessa"/>
-        <a:font script="Sora" typeface="Nirmala UI"/>
-        <a:font script="Tale" typeface="Microsoft Tai Le"/>
-        <a:font script="Talu" typeface="Microsoft New Tai Lue"/>
-        <a:font script="Tfng" typeface="Ebrima"/>
-      </a:majorFont>
-      <a:minorFont>
-        <a:latin typeface="Calibri" panose="020F0502020204030204"/>
-        <a:ea typeface=""/>
-        <a:cs typeface=""/>
-        <a:font script="Jpan" typeface="游ゴシック"/>
-        <a:font script="Hang" typeface="맑은 고딕"/>
-        <a:font script="Hans" typeface="等线"/>
-        <a:font script="Hant" typeface="新細明體"/>
-        <a:font script="Arab" typeface="Arial"/>
-        <a:font script="Hebr" typeface="Arial"/>
-        <a:font script="Thai" typeface="Cordia New"/>
+        <a:font script="Arab" typeface="Tahoma"/>
+        <a:font script="Hebr" typeface="Miriam"/>
+        <a:font script="Thai" typeface="DilleniaUPC"/>
         <a:font script="Ethi" typeface="Nyala"/>
         <a:font script="Beng" typeface="Vrinda"/>
         <a:font script="Gujr" typeface="Shruti"/>
@@ -4650,26 +7137,44 @@
         <a:font script="Viet" typeface="Arial"/>
         <a:font script="Uigh" typeface="Microsoft Uighur"/>
         <a:font script="Geor" typeface="Sylfaen"/>
-        <a:font script="Armn" typeface="Arial"/>
-        <a:font script="Bugi" typeface="Leelawadee UI"/>
-        <a:font script="Bopo" typeface="Microsoft JhengHei"/>
-        <a:font script="Java" typeface="Javanese Text"/>
-        <a:font script="Lisu" typeface="Segoe UI"/>
-        <a:font script="Mymr" typeface="Myanmar Text"/>
-        <a:font script="Nkoo" typeface="Ebrima"/>
-        <a:font script="Olck" typeface="Nirmala UI"/>
-        <a:font script="Osma" typeface="Ebrima"/>
-        <a:font script="Phag" typeface="Phagspa"/>
-        <a:font script="Syrn" typeface="Estrangelo Edessa"/>
-        <a:font script="Syrj" typeface="Estrangelo Edessa"/>
-        <a:font script="Syre" typeface="Estrangelo Edessa"/>
-        <a:font script="Sora" typeface="Nirmala UI"/>
-        <a:font script="Tale" typeface="Microsoft Tai Le"/>
-        <a:font script="Talu" typeface="Microsoft New Tai Lue"/>
-        <a:font script="Tfng" typeface="Ebrima"/>
+      </a:majorFont>
+      <a:minorFont>
+        <a:latin typeface="Corbel" panose="020B0503020204020204"/>
+        <a:ea typeface=""/>
+        <a:cs typeface=""/>
+        <a:font script="Jpan" typeface="HGｺﾞｼｯｸM"/>
+        <a:font script="Hang" typeface="HY엽서L"/>
+        <a:font script="Hans" typeface="华文楷体"/>
+        <a:font script="Hant" typeface="新細明體"/>
+        <a:font script="Arab" typeface="Tahoma"/>
+        <a:font script="Hebr" typeface="Miriam"/>
+        <a:font script="Thai" typeface="DilleniaUPC"/>
+        <a:font script="Ethi" typeface="Nyala"/>
+        <a:font script="Beng" typeface="Vrinda"/>
+        <a:font script="Gujr" typeface="Shruti"/>
+        <a:font script="Khmr" typeface="DaunPenh"/>
+        <a:font script="Knda" typeface="Tunga"/>
+        <a:font script="Guru" typeface="Raavi"/>
+        <a:font script="Cans" typeface="Euphemia"/>
+        <a:font script="Cher" typeface="Plantagenet Cherokee"/>
+        <a:font script="Yiii" typeface="Microsoft Yi Baiti"/>
+        <a:font script="Tibt" typeface="Microsoft Himalaya"/>
+        <a:font script="Thaa" typeface="MV Boli"/>
+        <a:font script="Deva" typeface="Mangal"/>
+        <a:font script="Telu" typeface="Gautami"/>
+        <a:font script="Taml" typeface="Latha"/>
+        <a:font script="Syrc" typeface="Estrangelo Edessa"/>
+        <a:font script="Orya" typeface="Kalinga"/>
+        <a:font script="Mlym" typeface="Kartika"/>
+        <a:font script="Laoo" typeface="DokChampa"/>
+        <a:font script="Sinh" typeface="Iskoola Pota"/>
+        <a:font script="Mong" typeface="Mongolian Baiti"/>
+        <a:font script="Viet" typeface="Arial"/>
+        <a:font script="Uigh" typeface="Microsoft Uighur"/>
+        <a:font script="Geor" typeface="Sylfaen"/>
       </a:minorFont>
     </a:fontScheme>
-    <a:fmtScheme name="Office">
+    <a:fmtScheme name="Tiefe">
       <a:fillStyleLst>
         <a:solidFill>
           <a:schemeClr val="phClr"/>
@@ -4811,7 +7316,7 @@
   <a:extraClrSchemeLst/>
   <a:extLst>
     <a:ext uri="{05A4C25C-085E-4340-85A3-A5531E510DB2}">
-      <thm15:themeFamily xmlns:thm15="http://schemas.microsoft.com/office/thememl/2012/main" name="Office Theme" id="{62F939B6-93AF-4DB8-9C6B-D6C7DFDC589F}" vid="{4A3C46E8-61CC-4603-A589-7422A47A8E4A}"/>
+      <thm15:themeFamily xmlns:thm15="http://schemas.microsoft.com/office/thememl/2012/main" name="Depth" id="{7BEAFC2A-325C-49C4-AC08-2B765DA903F9}" vid="{47428100-C732-4B2E-A30A-5273F581A0FA}"/>
     </a:ext>
   </a:extLst>
 </a:theme>

--- a/m152_presentation.pptx
+++ b/m152_presentation.pptx
@@ -282,7 +282,7 @@
           <a:p>
             <a:fld id="{B01DF34C-C71B-4C66-BAEC-520F56FED4A4}" type="datetimeFigureOut">
               <a:rPr lang="de-CH" smtClean="0"/>
-              <a:t>02.12.2018</a:t>
+              <a:t>03.12.2018</a:t>
             </a:fld>
             <a:endParaRPr lang="de-CH"/>
           </a:p>
@@ -563,7 +563,7 @@
           <a:p>
             <a:fld id="{B01DF34C-C71B-4C66-BAEC-520F56FED4A4}" type="datetimeFigureOut">
               <a:rPr lang="de-CH" smtClean="0"/>
-              <a:t>02.12.2018</a:t>
+              <a:t>03.12.2018</a:t>
             </a:fld>
             <a:endParaRPr lang="de-CH"/>
           </a:p>
@@ -755,7 +755,7 @@
           <a:p>
             <a:fld id="{B01DF34C-C71B-4C66-BAEC-520F56FED4A4}" type="datetimeFigureOut">
               <a:rPr lang="de-CH" smtClean="0"/>
-              <a:t>02.12.2018</a:t>
+              <a:t>03.12.2018</a:t>
             </a:fld>
             <a:endParaRPr lang="de-CH"/>
           </a:p>
@@ -1016,7 +1016,7 @@
           <a:p>
             <a:fld id="{B01DF34C-C71B-4C66-BAEC-520F56FED4A4}" type="datetimeFigureOut">
               <a:rPr lang="de-CH" smtClean="0"/>
-              <a:t>02.12.2018</a:t>
+              <a:t>03.12.2018</a:t>
             </a:fld>
             <a:endParaRPr lang="de-CH"/>
           </a:p>
@@ -1442,7 +1442,7 @@
           <a:p>
             <a:fld id="{B01DF34C-C71B-4C66-BAEC-520F56FED4A4}" type="datetimeFigureOut">
               <a:rPr lang="de-CH" smtClean="0"/>
-              <a:t>02.12.2018</a:t>
+              <a:t>03.12.2018</a:t>
             </a:fld>
             <a:endParaRPr lang="de-CH"/>
           </a:p>
@@ -1988,7 +1988,7 @@
           <a:p>
             <a:fld id="{B01DF34C-C71B-4C66-BAEC-520F56FED4A4}" type="datetimeFigureOut">
               <a:rPr lang="de-CH" smtClean="0"/>
-              <a:t>02.12.2018</a:t>
+              <a:t>03.12.2018</a:t>
             </a:fld>
             <a:endParaRPr lang="de-CH"/>
           </a:p>
@@ -2819,7 +2819,7 @@
           <a:p>
             <a:fld id="{B01DF34C-C71B-4C66-BAEC-520F56FED4A4}" type="datetimeFigureOut">
               <a:rPr lang="de-CH" smtClean="0"/>
-              <a:t>02.12.2018</a:t>
+              <a:t>03.12.2018</a:t>
             </a:fld>
             <a:endParaRPr lang="de-CH"/>
           </a:p>
@@ -2989,7 +2989,7 @@
           <a:p>
             <a:fld id="{B01DF34C-C71B-4C66-BAEC-520F56FED4A4}" type="datetimeFigureOut">
               <a:rPr lang="de-CH" smtClean="0"/>
-              <a:t>02.12.2018</a:t>
+              <a:t>03.12.2018</a:t>
             </a:fld>
             <a:endParaRPr lang="de-CH"/>
           </a:p>
@@ -3169,7 +3169,7 @@
           <a:p>
             <a:fld id="{B01DF34C-C71B-4C66-BAEC-520F56FED4A4}" type="datetimeFigureOut">
               <a:rPr lang="de-CH" smtClean="0"/>
-              <a:t>02.12.2018</a:t>
+              <a:t>03.12.2018</a:t>
             </a:fld>
             <a:endParaRPr lang="de-CH"/>
           </a:p>
@@ -3339,7 +3339,7 @@
           <a:p>
             <a:fld id="{B01DF34C-C71B-4C66-BAEC-520F56FED4A4}" type="datetimeFigureOut">
               <a:rPr lang="de-CH" smtClean="0"/>
-              <a:t>02.12.2018</a:t>
+              <a:t>03.12.2018</a:t>
             </a:fld>
             <a:endParaRPr lang="de-CH"/>
           </a:p>
@@ -3596,7 +3596,7 @@
           <a:p>
             <a:fld id="{B01DF34C-C71B-4C66-BAEC-520F56FED4A4}" type="datetimeFigureOut">
               <a:rPr lang="de-CH" smtClean="0"/>
-              <a:t>02.12.2018</a:t>
+              <a:t>03.12.2018</a:t>
             </a:fld>
             <a:endParaRPr lang="de-CH"/>
           </a:p>
@@ -3828,7 +3828,7 @@
           <a:p>
             <a:fld id="{B01DF34C-C71B-4C66-BAEC-520F56FED4A4}" type="datetimeFigureOut">
               <a:rPr lang="de-CH" smtClean="0"/>
-              <a:t>02.12.2018</a:t>
+              <a:t>03.12.2018</a:t>
             </a:fld>
             <a:endParaRPr lang="de-CH"/>
           </a:p>
@@ -4221,7 +4221,7 @@
           <a:p>
             <a:fld id="{B01DF34C-C71B-4C66-BAEC-520F56FED4A4}" type="datetimeFigureOut">
               <a:rPr lang="de-CH" smtClean="0"/>
-              <a:t>02.12.2018</a:t>
+              <a:t>03.12.2018</a:t>
             </a:fld>
             <a:endParaRPr lang="de-CH"/>
           </a:p>
@@ -4339,7 +4339,7 @@
           <a:p>
             <a:fld id="{B01DF34C-C71B-4C66-BAEC-520F56FED4A4}" type="datetimeFigureOut">
               <a:rPr lang="de-CH" smtClean="0"/>
-              <a:t>02.12.2018</a:t>
+              <a:t>03.12.2018</a:t>
             </a:fld>
             <a:endParaRPr lang="de-CH"/>
           </a:p>
@@ -4434,7 +4434,7 @@
           <a:p>
             <a:fld id="{B01DF34C-C71B-4C66-BAEC-520F56FED4A4}" type="datetimeFigureOut">
               <a:rPr lang="de-CH" smtClean="0"/>
-              <a:t>02.12.2018</a:t>
+              <a:t>03.12.2018</a:t>
             </a:fld>
             <a:endParaRPr lang="de-CH"/>
           </a:p>
@@ -4707,7 +4707,7 @@
           <a:p>
             <a:fld id="{B01DF34C-C71B-4C66-BAEC-520F56FED4A4}" type="datetimeFigureOut">
               <a:rPr lang="de-CH" smtClean="0"/>
-              <a:t>02.12.2018</a:t>
+              <a:t>03.12.2018</a:t>
             </a:fld>
             <a:endParaRPr lang="de-CH"/>
           </a:p>
@@ -4988,7 +4988,7 @@
           <a:p>
             <a:fld id="{B01DF34C-C71B-4C66-BAEC-520F56FED4A4}" type="datetimeFigureOut">
               <a:rPr lang="de-CH" smtClean="0"/>
-              <a:t>02.12.2018</a:t>
+              <a:t>03.12.2018</a:t>
             </a:fld>
             <a:endParaRPr lang="de-CH"/>
           </a:p>
@@ -5228,7 +5228,7 @@
           <a:p>
             <a:fld id="{B01DF34C-C71B-4C66-BAEC-520F56FED4A4}" type="datetimeFigureOut">
               <a:rPr lang="de-CH" smtClean="0"/>
-              <a:t>02.12.2018</a:t>
+              <a:t>03.12.2018</a:t>
             </a:fld>
             <a:endParaRPr lang="de-CH"/>
           </a:p>
@@ -5935,6 +5935,53 @@
           </a:p>
         </p:txBody>
       </p:sp>
+      <p:pic>
+        <p:nvPicPr>
+          <p:cNvPr id="1026" name="Picture 2" descr="Bildergebnis fÃ¼r trash png">
+            <a:extLst>
+              <a:ext uri="{FF2B5EF4-FFF2-40B4-BE49-F238E27FC236}">
+                <a16:creationId xmlns:a16="http://schemas.microsoft.com/office/drawing/2014/main" id="{C85D9F08-8917-46E9-BD55-463B61507E18}"/>
+              </a:ext>
+            </a:extLst>
+          </p:cNvPr>
+          <p:cNvPicPr>
+            <a:picLocks noChangeAspect="1" noChangeArrowheads="1"/>
+          </p:cNvPicPr>
+          <p:nvPr/>
+        </p:nvPicPr>
+        <p:blipFill>
+          <a:blip r:embed="rId2">
+            <a:extLst>
+              <a:ext uri="{28A0092B-C50C-407E-A947-70E740481C1C}">
+                <a14:useLocalDpi xmlns:a14="http://schemas.microsoft.com/office/drawing/2010/main" val="0"/>
+              </a:ext>
+            </a:extLst>
+          </a:blip>
+          <a:srcRect/>
+          <a:stretch>
+            <a:fillRect/>
+          </a:stretch>
+        </p:blipFill>
+        <p:spPr bwMode="auto">
+          <a:xfrm>
+            <a:off x="6458147" y="1825625"/>
+            <a:ext cx="3701988" cy="4494213"/>
+          </a:xfrm>
+          <a:prstGeom prst="rect">
+            <a:avLst/>
+          </a:prstGeom>
+          <a:noFill/>
+          <a:extLst>
+            <a:ext uri="{909E8E84-426E-40DD-AFC4-6F175D3DCCD1}">
+              <a14:hiddenFill xmlns:a14="http://schemas.microsoft.com/office/drawing/2010/main">
+                <a:solidFill>
+                  <a:srgbClr val="FFFFFF"/>
+                </a:solidFill>
+              </a14:hiddenFill>
+            </a:ext>
+          </a:extLst>
+        </p:spPr>
+      </p:pic>
     </p:spTree>
     <p:extLst>
       <p:ext uri="{BB962C8B-B14F-4D97-AF65-F5344CB8AC3E}">
@@ -6150,7 +6197,7 @@
             <a:avLst/>
           </a:prstGeom>
           <a:solidFill>
-            <a:schemeClr val="bg1"/>
+            <a:schemeClr val="tx1"/>
           </a:solidFill>
           <a:ln>
             <a:solidFill>
@@ -6333,7 +6380,7 @@
             <a:avLst/>
           </a:prstGeom>
           <a:solidFill>
-            <a:schemeClr val="bg1"/>
+            <a:schemeClr val="tx1"/>
           </a:solidFill>
           <a:ln>
             <a:solidFill>
@@ -6362,7 +6409,11 @@
           <a:lstStyle/>
           <a:p>
             <a:pPr algn="ctr"/>
-            <a:endParaRPr lang="de-CH"/>
+            <a:endParaRPr lang="de-CH" dirty="0">
+              <a:highlight>
+                <a:srgbClr val="FFFF00"/>
+              </a:highlight>
+            </a:endParaRPr>
           </a:p>
         </p:txBody>
       </p:sp>
@@ -6602,29 +6653,15 @@
             </a:r>
             <a:r>
               <a:rPr lang="de-CH" dirty="0"/>
-              <a:t>: </a:t>
-            </a:r>
-            <a:r>
-              <a:rPr lang="de-CH" dirty="0">
-                <a:hlinkClick r:id="rId2"/>
-              </a:rPr>
-              <a:t>https://www.youtube.com/</a:t>
-            </a:r>
-            <a:r>
-              <a:rPr lang="de-CH" dirty="0" err="1">
-                <a:hlinkClick r:id="rId2"/>
-              </a:rPr>
+              <a:t>: https://www.youtube.com/</a:t>
+            </a:r>
+            <a:r>
+              <a:rPr lang="de-CH" dirty="0" err="1"/>
               <a:t>embed</a:t>
             </a:r>
             <a:r>
-              <a:rPr lang="de-CH" dirty="0">
-                <a:hlinkClick r:id="rId2"/>
-              </a:rPr>
-              <a:t>/</a:t>
-            </a:r>
-            <a:r>
               <a:rPr lang="de-CH" dirty="0"/>
-              <a:t>...</a:t>
+              <a:t>/...</a:t>
             </a:r>
           </a:p>
         </p:txBody>
@@ -6857,16 +6894,13 @@
           <a:p>
             <a:r>
               <a:rPr lang="de-CH" dirty="0"/>
-              <a:t>Exif.js (JavaScript </a:t>
-            </a:r>
-            <a:r>
-              <a:rPr lang="de-CH" dirty="0" err="1"/>
-              <a:t>Script</a:t>
-            </a:r>
-            <a:r>
-              <a:rPr lang="de-CH" dirty="0"/>
-              <a:t>)</a:t>
-            </a:r>
+              <a:t>Exif.js (</a:t>
+            </a:r>
+            <a:r>
+              <a:rPr lang="de-CH"/>
+              <a:t>JavaScript Library)</a:t>
+            </a:r>
+            <a:endParaRPr lang="de-CH" dirty="0"/>
           </a:p>
           <a:p>
             <a:pPr lvl="1"/>
